--- a/imagens/ppt/malha.pptx
+++ b/imagens/ppt/malha.pptx
@@ -6,6 +6,8 @@
   </p:sldMasterIdLst>
   <p:sldIdLst>
     <p:sldId id="256" r:id="rId2"/>
+    <p:sldId id="257" r:id="rId3"/>
+    <p:sldId id="258" r:id="rId4"/>
   </p:sldIdLst>
   <p:sldSz cx="7199313" cy="6858000"/>
   <p:notesSz cx="6858000" cy="9144000"/>
@@ -153,7 +155,7 @@
         <p:spPr>
           <a:xfrm>
             <a:off x="539949" y="1122363"/>
-            <a:ext cx="6119416" cy="2387600"/>
+            <a:ext cx="6119415" cy="2387600"/>
           </a:xfrm>
         </p:spPr>
         <p:txBody>
@@ -185,7 +187,7 @@
         <p:spPr>
           <a:xfrm>
             <a:off x="899914" y="3602038"/>
-            <a:ext cx="5399485" cy="1655762"/>
+            <a:ext cx="5399486" cy="1655762"/>
           </a:xfrm>
         </p:spPr>
         <p:txBody>
@@ -254,7 +256,7 @@
           <a:p>
             <a:fld id="{FF8DFCC8-87C9-4FC8-94E9-5E6D7726585C}" type="datetimeFigureOut">
               <a:rPr lang="pt-BR" smtClean="0"/>
-              <a:t>25/11/2021</a:t>
+              <a:t>29/11/2021</a:t>
             </a:fld>
             <a:endParaRPr lang="pt-BR"/>
           </a:p>
@@ -424,7 +426,7 @@
           <a:p>
             <a:fld id="{FF8DFCC8-87C9-4FC8-94E9-5E6D7726585C}" type="datetimeFigureOut">
               <a:rPr lang="pt-BR" smtClean="0"/>
-              <a:t>25/11/2021</a:t>
+              <a:t>29/11/2021</a:t>
             </a:fld>
             <a:endParaRPr lang="pt-BR"/>
           </a:p>
@@ -542,8 +544,8 @@
         </p:nvSpPr>
         <p:spPr>
           <a:xfrm>
-            <a:off x="494953" y="365125"/>
-            <a:ext cx="4567064" cy="5811838"/>
+            <a:off x="494954" y="365125"/>
+            <a:ext cx="4567063" cy="5811838"/>
           </a:xfrm>
         </p:spPr>
         <p:txBody>
@@ -604,7 +606,7 @@
           <a:p>
             <a:fld id="{FF8DFCC8-87C9-4FC8-94E9-5E6D7726585C}" type="datetimeFigureOut">
               <a:rPr lang="pt-BR" smtClean="0"/>
-              <a:t>25/11/2021</a:t>
+              <a:t>29/11/2021</a:t>
             </a:fld>
             <a:endParaRPr lang="pt-BR"/>
           </a:p>
@@ -774,7 +776,7 @@
           <a:p>
             <a:fld id="{FF8DFCC8-87C9-4FC8-94E9-5E6D7726585C}" type="datetimeFigureOut">
               <a:rPr lang="pt-BR" smtClean="0"/>
-              <a:t>25/11/2021</a:t>
+              <a:t>29/11/2021</a:t>
             </a:fld>
             <a:endParaRPr lang="pt-BR"/>
           </a:p>
@@ -864,7 +866,7 @@
         </p:nvSpPr>
         <p:spPr>
           <a:xfrm>
-            <a:off x="491204" y="1709740"/>
+            <a:off x="491204" y="1709742"/>
             <a:ext cx="6209407" cy="2852737"/>
           </a:xfrm>
         </p:spPr>
@@ -896,7 +898,7 @@
         </p:nvSpPr>
         <p:spPr>
           <a:xfrm>
-            <a:off x="491204" y="4589465"/>
+            <a:off x="491204" y="4589467"/>
             <a:ext cx="6209407" cy="1500187"/>
           </a:xfrm>
         </p:spPr>
@@ -1018,7 +1020,7 @@
           <a:p>
             <a:fld id="{FF8DFCC8-87C9-4FC8-94E9-5E6D7726585C}" type="datetimeFigureOut">
               <a:rPr lang="pt-BR" smtClean="0"/>
-              <a:t>25/11/2021</a:t>
+              <a:t>29/11/2021</a:t>
             </a:fld>
             <a:endParaRPr lang="pt-BR"/>
           </a:p>
@@ -1131,7 +1133,7 @@
         </p:nvSpPr>
         <p:spPr>
           <a:xfrm>
-            <a:off x="494953" y="1825625"/>
+            <a:off x="494954" y="1825625"/>
             <a:ext cx="3059708" cy="4351338"/>
           </a:xfrm>
         </p:spPr>
@@ -1188,7 +1190,7 @@
         </p:nvSpPr>
         <p:spPr>
           <a:xfrm>
-            <a:off x="3644652" y="1825625"/>
+            <a:off x="3644653" y="1825625"/>
             <a:ext cx="3059708" cy="4351338"/>
           </a:xfrm>
         </p:spPr>
@@ -1250,7 +1252,7 @@
           <a:p>
             <a:fld id="{FF8DFCC8-87C9-4FC8-94E9-5E6D7726585C}" type="datetimeFigureOut">
               <a:rPr lang="pt-BR" smtClean="0"/>
-              <a:t>25/11/2021</a:t>
+              <a:t>29/11/2021</a:t>
             </a:fld>
             <a:endParaRPr lang="pt-BR"/>
           </a:p>
@@ -1340,7 +1342,7 @@
         </p:nvSpPr>
         <p:spPr>
           <a:xfrm>
-            <a:off x="495891" y="365127"/>
+            <a:off x="495891" y="365129"/>
             <a:ext cx="6209407" cy="1325563"/>
           </a:xfrm>
         </p:spPr>
@@ -1369,7 +1371,7 @@
         <p:spPr>
           <a:xfrm>
             <a:off x="495891" y="1681163"/>
-            <a:ext cx="3045646" cy="823912"/>
+            <a:ext cx="3045647" cy="823912"/>
           </a:xfrm>
         </p:spPr>
         <p:txBody>
@@ -1434,7 +1436,7 @@
         <p:spPr>
           <a:xfrm>
             <a:off x="495891" y="2505075"/>
-            <a:ext cx="3045646" cy="3684588"/>
+            <a:ext cx="3045647" cy="3684588"/>
           </a:xfrm>
         </p:spPr>
         <p:txBody>
@@ -1490,8 +1492,8 @@
         </p:nvSpPr>
         <p:spPr>
           <a:xfrm>
-            <a:off x="3644652" y="1681163"/>
-            <a:ext cx="3060646" cy="823912"/>
+            <a:off x="3644653" y="1681163"/>
+            <a:ext cx="3060645" cy="823912"/>
           </a:xfrm>
         </p:spPr>
         <p:txBody>
@@ -1555,8 +1557,8 @@
         </p:nvSpPr>
         <p:spPr>
           <a:xfrm>
-            <a:off x="3644652" y="2505075"/>
-            <a:ext cx="3060646" cy="3684588"/>
+            <a:off x="3644653" y="2505075"/>
+            <a:ext cx="3060645" cy="3684588"/>
           </a:xfrm>
         </p:spPr>
         <p:txBody>
@@ -1617,7 +1619,7 @@
           <a:p>
             <a:fld id="{FF8DFCC8-87C9-4FC8-94E9-5E6D7726585C}" type="datetimeFigureOut">
               <a:rPr lang="pt-BR" smtClean="0"/>
-              <a:t>25/11/2021</a:t>
+              <a:t>29/11/2021</a:t>
             </a:fld>
             <a:endParaRPr lang="pt-BR"/>
           </a:p>
@@ -1735,7 +1737,7 @@
           <a:p>
             <a:fld id="{FF8DFCC8-87C9-4FC8-94E9-5E6D7726585C}" type="datetimeFigureOut">
               <a:rPr lang="pt-BR" smtClean="0"/>
-              <a:t>25/11/2021</a:t>
+              <a:t>29/11/2021</a:t>
             </a:fld>
             <a:endParaRPr lang="pt-BR"/>
           </a:p>
@@ -1830,7 +1832,7 @@
           <a:p>
             <a:fld id="{FF8DFCC8-87C9-4FC8-94E9-5E6D7726585C}" type="datetimeFigureOut">
               <a:rPr lang="pt-BR" smtClean="0"/>
-              <a:t>25/11/2021</a:t>
+              <a:t>29/11/2021</a:t>
             </a:fld>
             <a:endParaRPr lang="pt-BR"/>
           </a:p>
@@ -1920,7 +1922,7 @@
         </p:nvSpPr>
         <p:spPr>
           <a:xfrm>
-            <a:off x="495890" y="457200"/>
+            <a:off x="495892" y="457200"/>
             <a:ext cx="2321966" cy="1600200"/>
           </a:xfrm>
         </p:spPr>
@@ -1952,8 +1954,8 @@
         </p:nvSpPr>
         <p:spPr>
           <a:xfrm>
-            <a:off x="3060646" y="987427"/>
-            <a:ext cx="3644652" cy="4873625"/>
+            <a:off x="3060645" y="987429"/>
+            <a:ext cx="3644653" cy="4873625"/>
           </a:xfrm>
         </p:spPr>
         <p:txBody>
@@ -2037,7 +2039,7 @@
         </p:nvSpPr>
         <p:spPr>
           <a:xfrm>
-            <a:off x="495890" y="2057400"/>
+            <a:off x="495892" y="2057400"/>
             <a:ext cx="2321966" cy="3811588"/>
           </a:xfrm>
         </p:spPr>
@@ -2107,7 +2109,7 @@
           <a:p>
             <a:fld id="{FF8DFCC8-87C9-4FC8-94E9-5E6D7726585C}" type="datetimeFigureOut">
               <a:rPr lang="pt-BR" smtClean="0"/>
-              <a:t>25/11/2021</a:t>
+              <a:t>29/11/2021</a:t>
             </a:fld>
             <a:endParaRPr lang="pt-BR"/>
           </a:p>
@@ -2197,7 +2199,7 @@
         </p:nvSpPr>
         <p:spPr>
           <a:xfrm>
-            <a:off x="495890" y="457200"/>
+            <a:off x="495892" y="457200"/>
             <a:ext cx="2321966" cy="1600200"/>
           </a:xfrm>
         </p:spPr>
@@ -2229,8 +2231,8 @@
         </p:nvSpPr>
         <p:spPr>
           <a:xfrm>
-            <a:off x="3060646" y="987427"/>
-            <a:ext cx="3644652" cy="4873625"/>
+            <a:off x="3060645" y="987429"/>
+            <a:ext cx="3644653" cy="4873625"/>
           </a:xfrm>
         </p:spPr>
         <p:txBody>
@@ -2294,7 +2296,7 @@
         </p:nvSpPr>
         <p:spPr>
           <a:xfrm>
-            <a:off x="495890" y="2057400"/>
+            <a:off x="495892" y="2057400"/>
             <a:ext cx="2321966" cy="3811588"/>
           </a:xfrm>
         </p:spPr>
@@ -2364,7 +2366,7 @@
           <a:p>
             <a:fld id="{FF8DFCC8-87C9-4FC8-94E9-5E6D7726585C}" type="datetimeFigureOut">
               <a:rPr lang="pt-BR" smtClean="0"/>
-              <a:t>25/11/2021</a:t>
+              <a:t>29/11/2021</a:t>
             </a:fld>
             <a:endParaRPr lang="pt-BR"/>
           </a:p>
@@ -2459,7 +2461,7 @@
         </p:nvSpPr>
         <p:spPr>
           <a:xfrm>
-            <a:off x="494953" y="365127"/>
+            <a:off x="494953" y="365129"/>
             <a:ext cx="6209407" cy="1325563"/>
           </a:xfrm>
           <a:prstGeom prst="rect">
@@ -2554,7 +2556,7 @@
         </p:nvSpPr>
         <p:spPr>
           <a:xfrm>
-            <a:off x="494953" y="6356352"/>
+            <a:off x="494954" y="6356354"/>
             <a:ext cx="1619845" cy="365125"/>
           </a:xfrm>
           <a:prstGeom prst="rect">
@@ -2577,7 +2579,7 @@
           <a:p>
             <a:fld id="{FF8DFCC8-87C9-4FC8-94E9-5E6D7726585C}" type="datetimeFigureOut">
               <a:rPr lang="pt-BR" smtClean="0"/>
-              <a:t>25/11/2021</a:t>
+              <a:t>29/11/2021</a:t>
             </a:fld>
             <a:endParaRPr lang="pt-BR"/>
           </a:p>
@@ -2595,7 +2597,7 @@
         </p:nvSpPr>
         <p:spPr>
           <a:xfrm>
-            <a:off x="2384773" y="6356352"/>
+            <a:off x="2384773" y="6356354"/>
             <a:ext cx="2429768" cy="365125"/>
           </a:xfrm>
           <a:prstGeom prst="rect">
@@ -2632,7 +2634,7 @@
         </p:nvSpPr>
         <p:spPr>
           <a:xfrm>
-            <a:off x="5084515" y="6356352"/>
+            <a:off x="5084516" y="6356354"/>
             <a:ext cx="1619845" cy="365125"/>
           </a:xfrm>
           <a:prstGeom prst="rect">
@@ -3589,7 +3591,7 @@
         <p:spPr>
           <a:xfrm>
             <a:off x="999305" y="135889"/>
-            <a:ext cx="760144" cy="369332"/>
+            <a:ext cx="827471" cy="369332"/>
           </a:xfrm>
           <a:prstGeom prst="rect">
             <a:avLst/>
@@ -3609,7 +3611,7 @@
           <a:p>
             <a:r>
               <a:rPr lang="pt-BR" dirty="0"/>
-              <a:t>T = j-1</a:t>
+              <a:t>T = n-1</a:t>
             </a:r>
           </a:p>
         </p:txBody>
@@ -3628,8 +3630,8 @@
         </p:nvSpPr>
         <p:spPr>
           <a:xfrm>
-            <a:off x="4227471" y="135889"/>
-            <a:ext cx="572593" cy="369332"/>
+            <a:off x="4227473" y="135889"/>
+            <a:ext cx="639919" cy="369332"/>
           </a:xfrm>
           <a:prstGeom prst="rect">
             <a:avLst/>
@@ -3649,7 +3651,7 @@
           <a:p>
             <a:r>
               <a:rPr lang="pt-BR" dirty="0"/>
-              <a:t>T = j</a:t>
+              <a:t>T = n</a:t>
             </a:r>
           </a:p>
         </p:txBody>
@@ -3722,7 +3724,7 @@
         </p:nvSpPr>
         <p:spPr>
           <a:xfrm>
-            <a:off x="4409858" y="3320937"/>
+            <a:off x="4409860" y="3320939"/>
             <a:ext cx="207817" cy="207817"/>
           </a:xfrm>
           <a:prstGeom prst="ellipse">
@@ -3776,7 +3778,7 @@
         </p:nvSpPr>
         <p:spPr>
           <a:xfrm>
-            <a:off x="3653860" y="3336114"/>
+            <a:off x="3653862" y="3336116"/>
             <a:ext cx="207817" cy="207817"/>
           </a:xfrm>
           <a:prstGeom prst="ellipse">
@@ -3830,7 +3832,7 @@
         </p:nvSpPr>
         <p:spPr>
           <a:xfrm>
-            <a:off x="4409858" y="2590505"/>
+            <a:off x="4409860" y="2590507"/>
             <a:ext cx="207817" cy="207817"/>
           </a:xfrm>
           <a:prstGeom prst="ellipse">
@@ -3884,7 +3886,7 @@
         </p:nvSpPr>
         <p:spPr>
           <a:xfrm>
-            <a:off x="5165858" y="3329250"/>
+            <a:off x="5165860" y="3329252"/>
             <a:ext cx="207817" cy="207817"/>
           </a:xfrm>
           <a:prstGeom prst="ellipse">
@@ -3938,7 +3940,7 @@
         </p:nvSpPr>
         <p:spPr>
           <a:xfrm>
-            <a:off x="4409858" y="4100425"/>
+            <a:off x="4409860" y="4100427"/>
             <a:ext cx="207817" cy="207817"/>
           </a:xfrm>
           <a:prstGeom prst="ellipse">
@@ -3992,7 +3994,7 @@
         </p:nvSpPr>
         <p:spPr>
           <a:xfrm>
-            <a:off x="4409858" y="5422684"/>
+            <a:off x="4409860" y="5422686"/>
             <a:ext cx="207817" cy="207817"/>
           </a:xfrm>
           <a:prstGeom prst="ellipse">
@@ -4046,7 +4048,7 @@
         </p:nvSpPr>
         <p:spPr>
           <a:xfrm>
-            <a:off x="4409858" y="1257855"/>
+            <a:off x="4409860" y="1257857"/>
             <a:ext cx="207817" cy="207817"/>
           </a:xfrm>
           <a:prstGeom prst="ellipse">
@@ -4101,7 +4103,7 @@
         <p:spPr>
           <a:xfrm>
             <a:off x="5701729" y="1166076"/>
-            <a:ext cx="731290" cy="369332"/>
+            <a:ext cx="1279709" cy="369332"/>
           </a:xfrm>
           <a:prstGeom prst="rect">
             <a:avLst/>
@@ -4116,7 +4118,7 @@
           <a:p>
             <a:r>
               <a:rPr lang="pt-BR" dirty="0"/>
-              <a:t>Z=z+1</a:t>
+              <a:t>Perfil 2=z+1</a:t>
             </a:r>
           </a:p>
         </p:txBody>
@@ -4136,7 +4138,7 @@
         <p:spPr>
           <a:xfrm>
             <a:off x="5817949" y="3240179"/>
-            <a:ext cx="498855" cy="369332"/>
+            <a:ext cx="1060098" cy="369332"/>
           </a:xfrm>
           <a:prstGeom prst="rect">
             <a:avLst/>
@@ -4151,7 +4153,7 @@
           <a:p>
             <a:r>
               <a:rPr lang="pt-BR" dirty="0"/>
-              <a:t>Z=z</a:t>
+              <a:t>Perfil 1=k</a:t>
             </a:r>
           </a:p>
         </p:txBody>
@@ -4171,7 +4173,7 @@
         <p:spPr>
           <a:xfrm>
             <a:off x="5701729" y="5330905"/>
-            <a:ext cx="686406" cy="369332"/>
+            <a:ext cx="1247649" cy="369332"/>
           </a:xfrm>
           <a:prstGeom prst="rect">
             <a:avLst/>
@@ -4186,7 +4188,7 @@
           <a:p>
             <a:r>
               <a:rPr lang="pt-BR" dirty="0"/>
-              <a:t>Z=z-1</a:t>
+              <a:t>Perfil 0=k-1</a:t>
             </a:r>
           </a:p>
         </p:txBody>
@@ -4205,8 +4207,8 @@
         </p:nvSpPr>
         <p:spPr>
           <a:xfrm>
-            <a:off x="4536577" y="1370911"/>
-            <a:ext cx="583814" cy="277127"/>
+            <a:off x="4536577" y="1370913"/>
+            <a:ext cx="559769" cy="277127"/>
           </a:xfrm>
           <a:prstGeom prst="rect">
             <a:avLst/>
@@ -4221,7 +4223,7 @@
           <a:p>
             <a:r>
               <a:rPr lang="pt-BR" sz="1201" dirty="0"/>
-              <a:t>i,k,z+1</a:t>
+              <a:t>i,j,k+1</a:t>
             </a:r>
             <a:endParaRPr lang="pt-BR" dirty="0"/>
           </a:p>
@@ -4242,7 +4244,7 @@
         <p:spPr>
           <a:xfrm>
             <a:off x="1379376" y="3449253"/>
-            <a:ext cx="428322" cy="277127"/>
+            <a:ext cx="404278" cy="277127"/>
           </a:xfrm>
           <a:prstGeom prst="rect">
             <a:avLst/>
@@ -4257,7 +4259,7 @@
           <a:p>
             <a:r>
               <a:rPr lang="pt-BR" sz="1201" dirty="0" err="1"/>
-              <a:t>i,k,z</a:t>
+              <a:t>i,j,k</a:t>
             </a:r>
             <a:endParaRPr lang="pt-BR" dirty="0"/>
           </a:p>
@@ -4277,8 +4279,8 @@
         </p:nvSpPr>
         <p:spPr>
           <a:xfrm>
-            <a:off x="4529719" y="3424846"/>
-            <a:ext cx="428322" cy="277127"/>
+            <a:off x="4529719" y="3424848"/>
+            <a:ext cx="404278" cy="277127"/>
           </a:xfrm>
           <a:prstGeom prst="rect">
             <a:avLst/>
@@ -4293,7 +4295,7 @@
           <a:p>
             <a:r>
               <a:rPr lang="pt-BR" sz="1201" dirty="0" err="1"/>
-              <a:t>i,k,z</a:t>
+              <a:t>i,j,k</a:t>
             </a:r>
             <a:endParaRPr lang="pt-BR" dirty="0"/>
           </a:p>
@@ -4313,8 +4315,8 @@
         </p:nvSpPr>
         <p:spPr>
           <a:xfrm>
-            <a:off x="5273407" y="3424846"/>
-            <a:ext cx="583814" cy="277127"/>
+            <a:off x="5273407" y="3424848"/>
+            <a:ext cx="559769" cy="277127"/>
           </a:xfrm>
           <a:prstGeom prst="rect">
             <a:avLst/>
@@ -4329,7 +4331,7 @@
           <a:p>
             <a:r>
               <a:rPr lang="pt-BR" sz="1201" dirty="0"/>
-              <a:t>i+1,k,z</a:t>
+              <a:t>i+1,j,k</a:t>
             </a:r>
             <a:endParaRPr lang="pt-BR" dirty="0"/>
           </a:p>
@@ -4349,8 +4351,8 @@
         </p:nvSpPr>
         <p:spPr>
           <a:xfrm>
-            <a:off x="3774088" y="3424846"/>
-            <a:ext cx="553357" cy="277127"/>
+            <a:off x="3774090" y="3424848"/>
+            <a:ext cx="529312" cy="277127"/>
           </a:xfrm>
           <a:prstGeom prst="rect">
             <a:avLst/>
@@ -4365,7 +4367,7 @@
           <a:p>
             <a:r>
               <a:rPr lang="pt-BR" sz="1201" dirty="0"/>
-              <a:t>i-1,k,z</a:t>
+              <a:t>i-1,j,k</a:t>
             </a:r>
             <a:endParaRPr lang="pt-BR" dirty="0"/>
           </a:p>
@@ -4385,8 +4387,8 @@
         </p:nvSpPr>
         <p:spPr>
           <a:xfrm>
-            <a:off x="4556379" y="2687231"/>
-            <a:ext cx="583814" cy="277127"/>
+            <a:off x="4556379" y="2687233"/>
+            <a:ext cx="559769" cy="277127"/>
           </a:xfrm>
           <a:prstGeom prst="rect">
             <a:avLst/>
@@ -4401,7 +4403,7 @@
           <a:p>
             <a:r>
               <a:rPr lang="pt-BR" sz="1201" dirty="0"/>
-              <a:t>i,k+1,z</a:t>
+              <a:t>i,j+1,k</a:t>
             </a:r>
             <a:endParaRPr lang="pt-BR" dirty="0"/>
           </a:p>
@@ -4421,8 +4423,8 @@
         </p:nvSpPr>
         <p:spPr>
           <a:xfrm>
-            <a:off x="4536579" y="4196021"/>
-            <a:ext cx="553357" cy="277127"/>
+            <a:off x="4536581" y="4196023"/>
+            <a:ext cx="519694" cy="277127"/>
           </a:xfrm>
           <a:prstGeom prst="rect">
             <a:avLst/>
@@ -4437,7 +4439,7 @@
           <a:p>
             <a:r>
               <a:rPr lang="pt-BR" sz="1201" dirty="0"/>
-              <a:t>i,k-1,z</a:t>
+              <a:t>i,j-1,z</a:t>
             </a:r>
             <a:endParaRPr lang="pt-BR" dirty="0"/>
           </a:p>
@@ -4457,8 +4459,8 @@
         </p:nvSpPr>
         <p:spPr>
           <a:xfrm>
-            <a:off x="4556381" y="5515574"/>
-            <a:ext cx="553357" cy="277127"/>
+            <a:off x="4556383" y="5515576"/>
+            <a:ext cx="519694" cy="277127"/>
           </a:xfrm>
           <a:prstGeom prst="rect">
             <a:avLst/>
@@ -4473,7 +4475,7 @@
           <a:p>
             <a:r>
               <a:rPr lang="pt-BR" sz="1201" dirty="0"/>
-              <a:t>i,k,z-1</a:t>
+              <a:t>i,j,z-1</a:t>
             </a:r>
             <a:endParaRPr lang="pt-BR" dirty="0"/>
           </a:p>
@@ -4495,7 +4497,7 @@
         </p:nvCxnSpPr>
         <p:spPr>
           <a:xfrm>
-            <a:off x="2523795" y="320554"/>
+            <a:off x="2523797" y="320554"/>
             <a:ext cx="840333" cy="0"/>
           </a:xfrm>
           <a:prstGeom prst="straightConnector1">
@@ -4527,6 +4529,7135 @@
     <p:extLst>
       <p:ext uri="{BB962C8B-B14F-4D97-AF65-F5344CB8AC3E}">
         <p14:creationId xmlns:p14="http://schemas.microsoft.com/office/powerpoint/2010/main" val="3631082767"/>
+      </p:ext>
+    </p:extLst>
+  </p:cSld>
+  <p:clrMapOvr>
+    <a:masterClrMapping/>
+  </p:clrMapOvr>
+</p:sld>
+</file>
+
+<file path=ppt/slides/slide2.xml><?xml version="1.0" encoding="utf-8"?>
+<p:sld xmlns:a="http://schemas.openxmlformats.org/drawingml/2006/main" xmlns:r="http://schemas.openxmlformats.org/officeDocument/2006/relationships" xmlns:p="http://schemas.openxmlformats.org/presentationml/2006/main">
+  <p:cSld>
+    <p:spTree>
+      <p:nvGrpSpPr>
+        <p:cNvPr id="1" name=""/>
+        <p:cNvGrpSpPr/>
+        <p:nvPr/>
+      </p:nvGrpSpPr>
+      <p:grpSpPr>
+        <a:xfrm>
+          <a:off x="0" y="0"/>
+          <a:ext cx="0" cy="0"/>
+          <a:chOff x="0" y="0"/>
+          <a:chExt cx="0" cy="0"/>
+        </a:xfrm>
+      </p:grpSpPr>
+      <p:cxnSp>
+        <p:nvCxnSpPr>
+          <p:cNvPr id="6" name="Conector reto 5">
+            <a:extLst>
+              <a:ext uri="{FF2B5EF4-FFF2-40B4-BE49-F238E27FC236}">
+                <a16:creationId xmlns:a16="http://schemas.microsoft.com/office/drawing/2014/main" id="{3270A29A-585C-498A-AE46-DCE7209A6215}"/>
+              </a:ext>
+            </a:extLst>
+          </p:cNvPr>
+          <p:cNvCxnSpPr/>
+          <p:nvPr/>
+        </p:nvCxnSpPr>
+        <p:spPr>
+          <a:xfrm>
+            <a:off x="681643" y="1812174"/>
+            <a:ext cx="2086495" cy="0"/>
+          </a:xfrm>
+          <a:prstGeom prst="line">
+            <a:avLst/>
+          </a:prstGeom>
+        </p:spPr>
+        <p:style>
+          <a:lnRef idx="3">
+            <a:schemeClr val="dk1"/>
+          </a:lnRef>
+          <a:fillRef idx="0">
+            <a:schemeClr val="dk1"/>
+          </a:fillRef>
+          <a:effectRef idx="2">
+            <a:schemeClr val="dk1"/>
+          </a:effectRef>
+          <a:fontRef idx="minor">
+            <a:schemeClr val="tx1"/>
+          </a:fontRef>
+        </p:style>
+      </p:cxnSp>
+      <p:cxnSp>
+        <p:nvCxnSpPr>
+          <p:cNvPr id="7" name="Conector reto 6">
+            <a:extLst>
+              <a:ext uri="{FF2B5EF4-FFF2-40B4-BE49-F238E27FC236}">
+                <a16:creationId xmlns:a16="http://schemas.microsoft.com/office/drawing/2014/main" id="{D7F7932D-E4FC-465C-AD9C-9C520BE2590B}"/>
+              </a:ext>
+            </a:extLst>
+          </p:cNvPr>
+          <p:cNvCxnSpPr/>
+          <p:nvPr/>
+        </p:nvCxnSpPr>
+        <p:spPr>
+          <a:xfrm>
+            <a:off x="1025236" y="1457497"/>
+            <a:ext cx="2086495" cy="0"/>
+          </a:xfrm>
+          <a:prstGeom prst="line">
+            <a:avLst/>
+          </a:prstGeom>
+          <a:ln>
+            <a:prstDash val="sysDash"/>
+          </a:ln>
+        </p:spPr>
+        <p:style>
+          <a:lnRef idx="3">
+            <a:schemeClr val="dk1"/>
+          </a:lnRef>
+          <a:fillRef idx="0">
+            <a:schemeClr val="dk1"/>
+          </a:fillRef>
+          <a:effectRef idx="2">
+            <a:schemeClr val="dk1"/>
+          </a:effectRef>
+          <a:fontRef idx="minor">
+            <a:schemeClr val="tx1"/>
+          </a:fontRef>
+        </p:style>
+      </p:cxnSp>
+      <p:cxnSp>
+        <p:nvCxnSpPr>
+          <p:cNvPr id="8" name="Conector reto 7">
+            <a:extLst>
+              <a:ext uri="{FF2B5EF4-FFF2-40B4-BE49-F238E27FC236}">
+                <a16:creationId xmlns:a16="http://schemas.microsoft.com/office/drawing/2014/main" id="{C4342085-C6EB-449B-BC8E-8EB0C6F6E16A}"/>
+              </a:ext>
+            </a:extLst>
+          </p:cNvPr>
+          <p:cNvCxnSpPr>
+            <a:cxnSpLocks/>
+          </p:cNvCxnSpPr>
+          <p:nvPr/>
+        </p:nvCxnSpPr>
+        <p:spPr>
+          <a:xfrm flipV="1">
+            <a:off x="681642" y="1457497"/>
+            <a:ext cx="343594" cy="354677"/>
+          </a:xfrm>
+          <a:prstGeom prst="line">
+            <a:avLst/>
+          </a:prstGeom>
+          <a:ln>
+            <a:prstDash val="sysDash"/>
+          </a:ln>
+        </p:spPr>
+        <p:style>
+          <a:lnRef idx="3">
+            <a:schemeClr val="dk1"/>
+          </a:lnRef>
+          <a:fillRef idx="0">
+            <a:schemeClr val="dk1"/>
+          </a:fillRef>
+          <a:effectRef idx="2">
+            <a:schemeClr val="dk1"/>
+          </a:effectRef>
+          <a:fontRef idx="minor">
+            <a:schemeClr val="tx1"/>
+          </a:fontRef>
+        </p:style>
+      </p:cxnSp>
+      <p:cxnSp>
+        <p:nvCxnSpPr>
+          <p:cNvPr id="10" name="Conector reto 9">
+            <a:extLst>
+              <a:ext uri="{FF2B5EF4-FFF2-40B4-BE49-F238E27FC236}">
+                <a16:creationId xmlns:a16="http://schemas.microsoft.com/office/drawing/2014/main" id="{67899E99-F80D-4556-87EC-B2965BD04FE9}"/>
+              </a:ext>
+            </a:extLst>
+          </p:cNvPr>
+          <p:cNvCxnSpPr>
+            <a:cxnSpLocks/>
+          </p:cNvCxnSpPr>
+          <p:nvPr/>
+        </p:nvCxnSpPr>
+        <p:spPr>
+          <a:xfrm flipV="1">
+            <a:off x="2768137" y="1457498"/>
+            <a:ext cx="343594" cy="354677"/>
+          </a:xfrm>
+          <a:prstGeom prst="line">
+            <a:avLst/>
+          </a:prstGeom>
+          <a:ln>
+            <a:prstDash val="solid"/>
+          </a:ln>
+        </p:spPr>
+        <p:style>
+          <a:lnRef idx="3">
+            <a:schemeClr val="dk1"/>
+          </a:lnRef>
+          <a:fillRef idx="0">
+            <a:schemeClr val="dk1"/>
+          </a:fillRef>
+          <a:effectRef idx="2">
+            <a:schemeClr val="dk1"/>
+          </a:effectRef>
+          <a:fontRef idx="minor">
+            <a:schemeClr val="tx1"/>
+          </a:fontRef>
+        </p:style>
+      </p:cxnSp>
+      <p:cxnSp>
+        <p:nvCxnSpPr>
+          <p:cNvPr id="11" name="Conector reto 10">
+            <a:extLst>
+              <a:ext uri="{FF2B5EF4-FFF2-40B4-BE49-F238E27FC236}">
+                <a16:creationId xmlns:a16="http://schemas.microsoft.com/office/drawing/2014/main" id="{67CFEFDC-EAB0-4E90-9419-EF3FCF0E28F3}"/>
+              </a:ext>
+            </a:extLst>
+          </p:cNvPr>
+          <p:cNvCxnSpPr>
+            <a:cxnSpLocks/>
+          </p:cNvCxnSpPr>
+          <p:nvPr/>
+        </p:nvCxnSpPr>
+        <p:spPr>
+          <a:xfrm flipV="1">
+            <a:off x="681642" y="964276"/>
+            <a:ext cx="0" cy="847898"/>
+          </a:xfrm>
+          <a:prstGeom prst="line">
+            <a:avLst/>
+          </a:prstGeom>
+        </p:spPr>
+        <p:style>
+          <a:lnRef idx="3">
+            <a:schemeClr val="dk1"/>
+          </a:lnRef>
+          <a:fillRef idx="0">
+            <a:schemeClr val="dk1"/>
+          </a:fillRef>
+          <a:effectRef idx="2">
+            <a:schemeClr val="dk1"/>
+          </a:effectRef>
+          <a:fontRef idx="minor">
+            <a:schemeClr val="tx1"/>
+          </a:fontRef>
+        </p:style>
+      </p:cxnSp>
+      <p:cxnSp>
+        <p:nvCxnSpPr>
+          <p:cNvPr id="13" name="Conector reto 12">
+            <a:extLst>
+              <a:ext uri="{FF2B5EF4-FFF2-40B4-BE49-F238E27FC236}">
+                <a16:creationId xmlns:a16="http://schemas.microsoft.com/office/drawing/2014/main" id="{E4D7A41E-0F1D-4303-A387-F72A8F915327}"/>
+              </a:ext>
+            </a:extLst>
+          </p:cNvPr>
+          <p:cNvCxnSpPr>
+            <a:cxnSpLocks/>
+          </p:cNvCxnSpPr>
+          <p:nvPr/>
+        </p:nvCxnSpPr>
+        <p:spPr>
+          <a:xfrm flipV="1">
+            <a:off x="2762594" y="1388227"/>
+            <a:ext cx="0" cy="423949"/>
+          </a:xfrm>
+          <a:prstGeom prst="line">
+            <a:avLst/>
+          </a:prstGeom>
+        </p:spPr>
+        <p:style>
+          <a:lnRef idx="3">
+            <a:schemeClr val="dk1"/>
+          </a:lnRef>
+          <a:fillRef idx="0">
+            <a:schemeClr val="dk1"/>
+          </a:fillRef>
+          <a:effectRef idx="2">
+            <a:schemeClr val="dk1"/>
+          </a:effectRef>
+          <a:fontRef idx="minor">
+            <a:schemeClr val="tx1"/>
+          </a:fontRef>
+        </p:style>
+      </p:cxnSp>
+      <p:cxnSp>
+        <p:nvCxnSpPr>
+          <p:cNvPr id="15" name="Conector reto 14">
+            <a:extLst>
+              <a:ext uri="{FF2B5EF4-FFF2-40B4-BE49-F238E27FC236}">
+                <a16:creationId xmlns:a16="http://schemas.microsoft.com/office/drawing/2014/main" id="{5E66CC48-0D7E-447E-963F-C3BBD376D6E2}"/>
+              </a:ext>
+            </a:extLst>
+          </p:cNvPr>
+          <p:cNvCxnSpPr>
+            <a:cxnSpLocks/>
+          </p:cNvCxnSpPr>
+          <p:nvPr/>
+        </p:nvCxnSpPr>
+        <p:spPr>
+          <a:xfrm>
+            <a:off x="1421476" y="1388225"/>
+            <a:ext cx="1346661" cy="0"/>
+          </a:xfrm>
+          <a:prstGeom prst="line">
+            <a:avLst/>
+          </a:prstGeom>
+        </p:spPr>
+        <p:style>
+          <a:lnRef idx="3">
+            <a:schemeClr val="dk1"/>
+          </a:lnRef>
+          <a:fillRef idx="0">
+            <a:schemeClr val="dk1"/>
+          </a:fillRef>
+          <a:effectRef idx="2">
+            <a:schemeClr val="dk1"/>
+          </a:effectRef>
+          <a:fontRef idx="minor">
+            <a:schemeClr val="tx1"/>
+          </a:fontRef>
+        </p:style>
+      </p:cxnSp>
+      <p:cxnSp>
+        <p:nvCxnSpPr>
+          <p:cNvPr id="17" name="Conector reto 16">
+            <a:extLst>
+              <a:ext uri="{FF2B5EF4-FFF2-40B4-BE49-F238E27FC236}">
+                <a16:creationId xmlns:a16="http://schemas.microsoft.com/office/drawing/2014/main" id="{5F428D0F-F193-4265-A1B6-72C81800B38F}"/>
+              </a:ext>
+            </a:extLst>
+          </p:cNvPr>
+          <p:cNvCxnSpPr>
+            <a:cxnSpLocks/>
+          </p:cNvCxnSpPr>
+          <p:nvPr/>
+        </p:nvCxnSpPr>
+        <p:spPr>
+          <a:xfrm flipV="1">
+            <a:off x="1421476" y="964276"/>
+            <a:ext cx="0" cy="423949"/>
+          </a:xfrm>
+          <a:prstGeom prst="line">
+            <a:avLst/>
+          </a:prstGeom>
+        </p:spPr>
+        <p:style>
+          <a:lnRef idx="3">
+            <a:schemeClr val="dk1"/>
+          </a:lnRef>
+          <a:fillRef idx="0">
+            <a:schemeClr val="dk1"/>
+          </a:fillRef>
+          <a:effectRef idx="2">
+            <a:schemeClr val="dk1"/>
+          </a:effectRef>
+          <a:fontRef idx="minor">
+            <a:schemeClr val="tx1"/>
+          </a:fontRef>
+        </p:style>
+      </p:cxnSp>
+      <p:cxnSp>
+        <p:nvCxnSpPr>
+          <p:cNvPr id="19" name="Conector reto 18">
+            <a:extLst>
+              <a:ext uri="{FF2B5EF4-FFF2-40B4-BE49-F238E27FC236}">
+                <a16:creationId xmlns:a16="http://schemas.microsoft.com/office/drawing/2014/main" id="{8326D316-BF1B-47B5-86FC-5B87F6F57862}"/>
+              </a:ext>
+            </a:extLst>
+          </p:cNvPr>
+          <p:cNvCxnSpPr>
+            <a:cxnSpLocks/>
+          </p:cNvCxnSpPr>
+          <p:nvPr/>
+        </p:nvCxnSpPr>
+        <p:spPr>
+          <a:xfrm>
+            <a:off x="681642" y="967046"/>
+            <a:ext cx="739834" cy="0"/>
+          </a:xfrm>
+          <a:prstGeom prst="line">
+            <a:avLst/>
+          </a:prstGeom>
+        </p:spPr>
+        <p:style>
+          <a:lnRef idx="3">
+            <a:schemeClr val="dk1"/>
+          </a:lnRef>
+          <a:fillRef idx="0">
+            <a:schemeClr val="dk1"/>
+          </a:fillRef>
+          <a:effectRef idx="2">
+            <a:schemeClr val="dk1"/>
+          </a:effectRef>
+          <a:fontRef idx="minor">
+            <a:schemeClr val="tx1"/>
+          </a:fontRef>
+        </p:style>
+      </p:cxnSp>
+      <p:cxnSp>
+        <p:nvCxnSpPr>
+          <p:cNvPr id="21" name="Conector reto 20">
+            <a:extLst>
+              <a:ext uri="{FF2B5EF4-FFF2-40B4-BE49-F238E27FC236}">
+                <a16:creationId xmlns:a16="http://schemas.microsoft.com/office/drawing/2014/main" id="{74D153E2-94B9-42DE-BF01-D36CCBD794A6}"/>
+              </a:ext>
+            </a:extLst>
+          </p:cNvPr>
+          <p:cNvCxnSpPr>
+            <a:cxnSpLocks/>
+          </p:cNvCxnSpPr>
+          <p:nvPr/>
+        </p:nvCxnSpPr>
+        <p:spPr>
+          <a:xfrm flipV="1">
+            <a:off x="681642" y="608214"/>
+            <a:ext cx="343594" cy="354677"/>
+          </a:xfrm>
+          <a:prstGeom prst="line">
+            <a:avLst/>
+          </a:prstGeom>
+        </p:spPr>
+        <p:style>
+          <a:lnRef idx="3">
+            <a:schemeClr val="dk1"/>
+          </a:lnRef>
+          <a:fillRef idx="0">
+            <a:schemeClr val="dk1"/>
+          </a:fillRef>
+          <a:effectRef idx="2">
+            <a:schemeClr val="dk1"/>
+          </a:effectRef>
+          <a:fontRef idx="minor">
+            <a:schemeClr val="tx1"/>
+          </a:fontRef>
+        </p:style>
+      </p:cxnSp>
+      <p:cxnSp>
+        <p:nvCxnSpPr>
+          <p:cNvPr id="22" name="Conector reto 21">
+            <a:extLst>
+              <a:ext uri="{FF2B5EF4-FFF2-40B4-BE49-F238E27FC236}">
+                <a16:creationId xmlns:a16="http://schemas.microsoft.com/office/drawing/2014/main" id="{FC5313FC-99CC-4842-925D-8BBB08E44537}"/>
+              </a:ext>
+            </a:extLst>
+          </p:cNvPr>
+          <p:cNvCxnSpPr>
+            <a:cxnSpLocks/>
+          </p:cNvCxnSpPr>
+          <p:nvPr/>
+        </p:nvCxnSpPr>
+        <p:spPr>
+          <a:xfrm flipV="1">
+            <a:off x="1421475" y="615140"/>
+            <a:ext cx="343594" cy="354677"/>
+          </a:xfrm>
+          <a:prstGeom prst="line">
+            <a:avLst/>
+          </a:prstGeom>
+        </p:spPr>
+        <p:style>
+          <a:lnRef idx="3">
+            <a:schemeClr val="dk1"/>
+          </a:lnRef>
+          <a:fillRef idx="0">
+            <a:schemeClr val="dk1"/>
+          </a:fillRef>
+          <a:effectRef idx="2">
+            <a:schemeClr val="dk1"/>
+          </a:effectRef>
+          <a:fontRef idx="minor">
+            <a:schemeClr val="tx1"/>
+          </a:fontRef>
+        </p:style>
+      </p:cxnSp>
+      <p:cxnSp>
+        <p:nvCxnSpPr>
+          <p:cNvPr id="23" name="Conector reto 22">
+            <a:extLst>
+              <a:ext uri="{FF2B5EF4-FFF2-40B4-BE49-F238E27FC236}">
+                <a16:creationId xmlns:a16="http://schemas.microsoft.com/office/drawing/2014/main" id="{8F800871-00D8-4685-AD6B-9E76CC21A9FB}"/>
+              </a:ext>
+            </a:extLst>
+          </p:cNvPr>
+          <p:cNvCxnSpPr>
+            <a:cxnSpLocks/>
+          </p:cNvCxnSpPr>
+          <p:nvPr/>
+        </p:nvCxnSpPr>
+        <p:spPr>
+          <a:xfrm>
+            <a:off x="1025235" y="608214"/>
+            <a:ext cx="739834" cy="0"/>
+          </a:xfrm>
+          <a:prstGeom prst="line">
+            <a:avLst/>
+          </a:prstGeom>
+        </p:spPr>
+        <p:style>
+          <a:lnRef idx="3">
+            <a:schemeClr val="dk1"/>
+          </a:lnRef>
+          <a:fillRef idx="0">
+            <a:schemeClr val="dk1"/>
+          </a:fillRef>
+          <a:effectRef idx="2">
+            <a:schemeClr val="dk1"/>
+          </a:effectRef>
+          <a:fontRef idx="minor">
+            <a:schemeClr val="tx1"/>
+          </a:fontRef>
+        </p:style>
+      </p:cxnSp>
+      <p:cxnSp>
+        <p:nvCxnSpPr>
+          <p:cNvPr id="24" name="Conector reto 23">
+            <a:extLst>
+              <a:ext uri="{FF2B5EF4-FFF2-40B4-BE49-F238E27FC236}">
+                <a16:creationId xmlns:a16="http://schemas.microsoft.com/office/drawing/2014/main" id="{48A2F2CA-8144-485E-88C1-49BC33E4AF9A}"/>
+              </a:ext>
+            </a:extLst>
+          </p:cNvPr>
+          <p:cNvCxnSpPr>
+            <a:cxnSpLocks/>
+          </p:cNvCxnSpPr>
+          <p:nvPr/>
+        </p:nvCxnSpPr>
+        <p:spPr>
+          <a:xfrm flipV="1">
+            <a:off x="1765069" y="615140"/>
+            <a:ext cx="0" cy="423949"/>
+          </a:xfrm>
+          <a:prstGeom prst="line">
+            <a:avLst/>
+          </a:prstGeom>
+        </p:spPr>
+        <p:style>
+          <a:lnRef idx="3">
+            <a:schemeClr val="dk1"/>
+          </a:lnRef>
+          <a:fillRef idx="0">
+            <a:schemeClr val="dk1"/>
+          </a:fillRef>
+          <a:effectRef idx="2">
+            <a:schemeClr val="dk1"/>
+          </a:effectRef>
+          <a:fontRef idx="minor">
+            <a:schemeClr val="tx1"/>
+          </a:fontRef>
+        </p:style>
+      </p:cxnSp>
+      <p:cxnSp>
+        <p:nvCxnSpPr>
+          <p:cNvPr id="25" name="Conector reto 24">
+            <a:extLst>
+              <a:ext uri="{FF2B5EF4-FFF2-40B4-BE49-F238E27FC236}">
+                <a16:creationId xmlns:a16="http://schemas.microsoft.com/office/drawing/2014/main" id="{EF2A684A-045B-4A6E-ADC5-2FE5BE25F736}"/>
+              </a:ext>
+            </a:extLst>
+          </p:cNvPr>
+          <p:cNvCxnSpPr>
+            <a:cxnSpLocks/>
+          </p:cNvCxnSpPr>
+          <p:nvPr/>
+        </p:nvCxnSpPr>
+        <p:spPr>
+          <a:xfrm flipV="1">
+            <a:off x="1421475" y="1026623"/>
+            <a:ext cx="343594" cy="354677"/>
+          </a:xfrm>
+          <a:prstGeom prst="line">
+            <a:avLst/>
+          </a:prstGeom>
+        </p:spPr>
+        <p:style>
+          <a:lnRef idx="3">
+            <a:schemeClr val="dk1"/>
+          </a:lnRef>
+          <a:fillRef idx="0">
+            <a:schemeClr val="dk1"/>
+          </a:fillRef>
+          <a:effectRef idx="2">
+            <a:schemeClr val="dk1"/>
+          </a:effectRef>
+          <a:fontRef idx="minor">
+            <a:schemeClr val="tx1"/>
+          </a:fontRef>
+        </p:style>
+      </p:cxnSp>
+      <p:cxnSp>
+        <p:nvCxnSpPr>
+          <p:cNvPr id="26" name="Conector reto 25">
+            <a:extLst>
+              <a:ext uri="{FF2B5EF4-FFF2-40B4-BE49-F238E27FC236}">
+                <a16:creationId xmlns:a16="http://schemas.microsoft.com/office/drawing/2014/main" id="{E3DBCB85-48BA-4F27-AAA7-FFDD1FE16F0A}"/>
+              </a:ext>
+            </a:extLst>
+          </p:cNvPr>
+          <p:cNvCxnSpPr>
+            <a:cxnSpLocks/>
+          </p:cNvCxnSpPr>
+          <p:nvPr/>
+        </p:nvCxnSpPr>
+        <p:spPr>
+          <a:xfrm flipV="1">
+            <a:off x="1025235" y="615140"/>
+            <a:ext cx="0" cy="847898"/>
+          </a:xfrm>
+          <a:prstGeom prst="line">
+            <a:avLst/>
+          </a:prstGeom>
+          <a:ln>
+            <a:prstDash val="sysDash"/>
+          </a:ln>
+        </p:spPr>
+        <p:style>
+          <a:lnRef idx="3">
+            <a:schemeClr val="dk1"/>
+          </a:lnRef>
+          <a:fillRef idx="0">
+            <a:schemeClr val="dk1"/>
+          </a:fillRef>
+          <a:effectRef idx="2">
+            <a:schemeClr val="dk1"/>
+          </a:effectRef>
+          <a:fontRef idx="minor">
+            <a:schemeClr val="tx1"/>
+          </a:fontRef>
+        </p:style>
+      </p:cxnSp>
+      <p:cxnSp>
+        <p:nvCxnSpPr>
+          <p:cNvPr id="27" name="Conector reto 26">
+            <a:extLst>
+              <a:ext uri="{FF2B5EF4-FFF2-40B4-BE49-F238E27FC236}">
+                <a16:creationId xmlns:a16="http://schemas.microsoft.com/office/drawing/2014/main" id="{B5A18B28-F97A-46E9-A722-EF4B53990984}"/>
+              </a:ext>
+            </a:extLst>
+          </p:cNvPr>
+          <p:cNvCxnSpPr>
+            <a:cxnSpLocks/>
+          </p:cNvCxnSpPr>
+          <p:nvPr/>
+        </p:nvCxnSpPr>
+        <p:spPr>
+          <a:xfrm>
+            <a:off x="1765070" y="1039089"/>
+            <a:ext cx="1346661" cy="0"/>
+          </a:xfrm>
+          <a:prstGeom prst="line">
+            <a:avLst/>
+          </a:prstGeom>
+        </p:spPr>
+        <p:style>
+          <a:lnRef idx="3">
+            <a:schemeClr val="dk1"/>
+          </a:lnRef>
+          <a:fillRef idx="0">
+            <a:schemeClr val="dk1"/>
+          </a:fillRef>
+          <a:effectRef idx="2">
+            <a:schemeClr val="dk1"/>
+          </a:effectRef>
+          <a:fontRef idx="minor">
+            <a:schemeClr val="tx1"/>
+          </a:fontRef>
+        </p:style>
+      </p:cxnSp>
+      <p:cxnSp>
+        <p:nvCxnSpPr>
+          <p:cNvPr id="28" name="Conector reto 27">
+            <a:extLst>
+              <a:ext uri="{FF2B5EF4-FFF2-40B4-BE49-F238E27FC236}">
+                <a16:creationId xmlns:a16="http://schemas.microsoft.com/office/drawing/2014/main" id="{B504FD80-6957-4D83-B927-72BC016D9BC4}"/>
+              </a:ext>
+            </a:extLst>
+          </p:cNvPr>
+          <p:cNvCxnSpPr>
+            <a:cxnSpLocks/>
+          </p:cNvCxnSpPr>
+          <p:nvPr/>
+        </p:nvCxnSpPr>
+        <p:spPr>
+          <a:xfrm flipV="1">
+            <a:off x="2758437" y="1033551"/>
+            <a:ext cx="343594" cy="354677"/>
+          </a:xfrm>
+          <a:prstGeom prst="line">
+            <a:avLst/>
+          </a:prstGeom>
+          <a:ln>
+            <a:prstDash val="solid"/>
+          </a:ln>
+        </p:spPr>
+        <p:style>
+          <a:lnRef idx="3">
+            <a:schemeClr val="dk1"/>
+          </a:lnRef>
+          <a:fillRef idx="0">
+            <a:schemeClr val="dk1"/>
+          </a:fillRef>
+          <a:effectRef idx="2">
+            <a:schemeClr val="dk1"/>
+          </a:effectRef>
+          <a:fontRef idx="minor">
+            <a:schemeClr val="tx1"/>
+          </a:fontRef>
+        </p:style>
+      </p:cxnSp>
+      <p:cxnSp>
+        <p:nvCxnSpPr>
+          <p:cNvPr id="29" name="Conector reto 28">
+            <a:extLst>
+              <a:ext uri="{FF2B5EF4-FFF2-40B4-BE49-F238E27FC236}">
+                <a16:creationId xmlns:a16="http://schemas.microsoft.com/office/drawing/2014/main" id="{23BBDF3E-B931-48C5-A7A5-6478E6F11765}"/>
+              </a:ext>
+            </a:extLst>
+          </p:cNvPr>
+          <p:cNvCxnSpPr>
+            <a:cxnSpLocks/>
+          </p:cNvCxnSpPr>
+          <p:nvPr/>
+        </p:nvCxnSpPr>
+        <p:spPr>
+          <a:xfrm flipV="1">
+            <a:off x="3099258" y="1033551"/>
+            <a:ext cx="0" cy="423949"/>
+          </a:xfrm>
+          <a:prstGeom prst="line">
+            <a:avLst/>
+          </a:prstGeom>
+        </p:spPr>
+        <p:style>
+          <a:lnRef idx="3">
+            <a:schemeClr val="dk1"/>
+          </a:lnRef>
+          <a:fillRef idx="0">
+            <a:schemeClr val="dk1"/>
+          </a:fillRef>
+          <a:effectRef idx="2">
+            <a:schemeClr val="dk1"/>
+          </a:effectRef>
+          <a:fontRef idx="minor">
+            <a:schemeClr val="tx1"/>
+          </a:fontRef>
+        </p:style>
+      </p:cxnSp>
+      <p:cxnSp>
+        <p:nvCxnSpPr>
+          <p:cNvPr id="30" name="Conector reto 29">
+            <a:extLst>
+              <a:ext uri="{FF2B5EF4-FFF2-40B4-BE49-F238E27FC236}">
+                <a16:creationId xmlns:a16="http://schemas.microsoft.com/office/drawing/2014/main" id="{64B127C5-EE5E-4DEA-A8D7-175655D0B3E6}"/>
+              </a:ext>
+            </a:extLst>
+          </p:cNvPr>
+          <p:cNvCxnSpPr>
+            <a:cxnSpLocks/>
+          </p:cNvCxnSpPr>
+          <p:nvPr/>
+        </p:nvCxnSpPr>
+        <p:spPr>
+          <a:xfrm flipV="1">
+            <a:off x="223053" y="1532309"/>
+            <a:ext cx="2767446" cy="1387"/>
+          </a:xfrm>
+          <a:prstGeom prst="line">
+            <a:avLst/>
+          </a:prstGeom>
+          <a:ln>
+            <a:solidFill>
+              <a:schemeClr val="accent1">
+                <a:lumMod val="60000"/>
+                <a:lumOff val="40000"/>
+              </a:schemeClr>
+            </a:solidFill>
+            <a:prstDash val="sysDot"/>
+          </a:ln>
+        </p:spPr>
+        <p:style>
+          <a:lnRef idx="3">
+            <a:schemeClr val="dk1"/>
+          </a:lnRef>
+          <a:fillRef idx="0">
+            <a:schemeClr val="dk1"/>
+          </a:fillRef>
+          <a:effectRef idx="2">
+            <a:schemeClr val="dk1"/>
+          </a:effectRef>
+          <a:fontRef idx="minor">
+            <a:schemeClr val="tx1"/>
+          </a:fontRef>
+        </p:style>
+      </p:cxnSp>
+      <p:cxnSp>
+        <p:nvCxnSpPr>
+          <p:cNvPr id="34" name="Conector reto 33">
+            <a:extLst>
+              <a:ext uri="{FF2B5EF4-FFF2-40B4-BE49-F238E27FC236}">
+                <a16:creationId xmlns:a16="http://schemas.microsoft.com/office/drawing/2014/main" id="{DB487077-9E04-4846-9190-7C6DC2BEC8E0}"/>
+              </a:ext>
+            </a:extLst>
+          </p:cNvPr>
+          <p:cNvCxnSpPr>
+            <a:cxnSpLocks/>
+          </p:cNvCxnSpPr>
+          <p:nvPr/>
+        </p:nvCxnSpPr>
+        <p:spPr>
+          <a:xfrm>
+            <a:off x="591591" y="1178326"/>
+            <a:ext cx="2742503" cy="692"/>
+          </a:xfrm>
+          <a:prstGeom prst="line">
+            <a:avLst/>
+          </a:prstGeom>
+          <a:ln>
+            <a:solidFill>
+              <a:schemeClr val="accent1">
+                <a:lumMod val="60000"/>
+                <a:lumOff val="40000"/>
+              </a:schemeClr>
+            </a:solidFill>
+            <a:prstDash val="sysDot"/>
+          </a:ln>
+        </p:spPr>
+        <p:style>
+          <a:lnRef idx="3">
+            <a:schemeClr val="dk1"/>
+          </a:lnRef>
+          <a:fillRef idx="0">
+            <a:schemeClr val="dk1"/>
+          </a:fillRef>
+          <a:effectRef idx="2">
+            <a:schemeClr val="dk1"/>
+          </a:effectRef>
+          <a:fontRef idx="minor">
+            <a:schemeClr val="tx1"/>
+          </a:fontRef>
+        </p:style>
+      </p:cxnSp>
+      <p:cxnSp>
+        <p:nvCxnSpPr>
+          <p:cNvPr id="35" name="Conector reto 34">
+            <a:extLst>
+              <a:ext uri="{FF2B5EF4-FFF2-40B4-BE49-F238E27FC236}">
+                <a16:creationId xmlns:a16="http://schemas.microsoft.com/office/drawing/2014/main" id="{34D001FA-5C79-4716-AB8C-BA3A2C78DE07}"/>
+              </a:ext>
+            </a:extLst>
+          </p:cNvPr>
+          <p:cNvCxnSpPr>
+            <a:cxnSpLocks/>
+          </p:cNvCxnSpPr>
+          <p:nvPr/>
+        </p:nvCxnSpPr>
+        <p:spPr>
+          <a:xfrm flipV="1">
+            <a:off x="235525" y="1179018"/>
+            <a:ext cx="343594" cy="354677"/>
+          </a:xfrm>
+          <a:prstGeom prst="line">
+            <a:avLst/>
+          </a:prstGeom>
+          <a:ln>
+            <a:solidFill>
+              <a:schemeClr val="accent1">
+                <a:lumMod val="60000"/>
+                <a:lumOff val="40000"/>
+              </a:schemeClr>
+            </a:solidFill>
+            <a:prstDash val="sysDot"/>
+          </a:ln>
+        </p:spPr>
+        <p:style>
+          <a:lnRef idx="3">
+            <a:schemeClr val="dk1"/>
+          </a:lnRef>
+          <a:fillRef idx="0">
+            <a:schemeClr val="dk1"/>
+          </a:fillRef>
+          <a:effectRef idx="2">
+            <a:schemeClr val="dk1"/>
+          </a:effectRef>
+          <a:fontRef idx="minor">
+            <a:schemeClr val="tx1"/>
+          </a:fontRef>
+        </p:style>
+      </p:cxnSp>
+      <p:cxnSp>
+        <p:nvCxnSpPr>
+          <p:cNvPr id="38" name="Conector reto 37">
+            <a:extLst>
+              <a:ext uri="{FF2B5EF4-FFF2-40B4-BE49-F238E27FC236}">
+                <a16:creationId xmlns:a16="http://schemas.microsoft.com/office/drawing/2014/main" id="{D1DF4B49-118C-4C2A-99DB-23BB78F69666}"/>
+              </a:ext>
+            </a:extLst>
+          </p:cNvPr>
+          <p:cNvCxnSpPr>
+            <a:cxnSpLocks/>
+          </p:cNvCxnSpPr>
+          <p:nvPr/>
+        </p:nvCxnSpPr>
+        <p:spPr>
+          <a:xfrm flipV="1">
+            <a:off x="2990500" y="1172441"/>
+            <a:ext cx="343594" cy="354677"/>
+          </a:xfrm>
+          <a:prstGeom prst="line">
+            <a:avLst/>
+          </a:prstGeom>
+          <a:ln>
+            <a:solidFill>
+              <a:schemeClr val="accent1">
+                <a:lumMod val="60000"/>
+                <a:lumOff val="40000"/>
+              </a:schemeClr>
+            </a:solidFill>
+            <a:prstDash val="sysDot"/>
+          </a:ln>
+        </p:spPr>
+        <p:style>
+          <a:lnRef idx="3">
+            <a:schemeClr val="dk1"/>
+          </a:lnRef>
+          <a:fillRef idx="0">
+            <a:schemeClr val="dk1"/>
+          </a:fillRef>
+          <a:effectRef idx="2">
+            <a:schemeClr val="dk1"/>
+          </a:effectRef>
+          <a:fontRef idx="minor">
+            <a:schemeClr val="tx1"/>
+          </a:fontRef>
+        </p:style>
+      </p:cxnSp>
+      <p:cxnSp>
+        <p:nvCxnSpPr>
+          <p:cNvPr id="41" name="Conector reto 40">
+            <a:extLst>
+              <a:ext uri="{FF2B5EF4-FFF2-40B4-BE49-F238E27FC236}">
+                <a16:creationId xmlns:a16="http://schemas.microsoft.com/office/drawing/2014/main" id="{F41969B2-4B5A-482C-B1F7-85B748FAC2E6}"/>
+              </a:ext>
+            </a:extLst>
+          </p:cNvPr>
+          <p:cNvCxnSpPr>
+            <a:cxnSpLocks/>
+          </p:cNvCxnSpPr>
+          <p:nvPr/>
+        </p:nvCxnSpPr>
+        <p:spPr>
+          <a:xfrm flipV="1">
+            <a:off x="375453" y="1102819"/>
+            <a:ext cx="2767446" cy="1387"/>
+          </a:xfrm>
+          <a:prstGeom prst="line">
+            <a:avLst/>
+          </a:prstGeom>
+          <a:ln>
+            <a:solidFill>
+              <a:schemeClr val="accent1">
+                <a:lumMod val="60000"/>
+                <a:lumOff val="40000"/>
+              </a:schemeClr>
+            </a:solidFill>
+            <a:prstDash val="sysDot"/>
+          </a:ln>
+        </p:spPr>
+        <p:style>
+          <a:lnRef idx="3">
+            <a:schemeClr val="dk1"/>
+          </a:lnRef>
+          <a:fillRef idx="0">
+            <a:schemeClr val="dk1"/>
+          </a:fillRef>
+          <a:effectRef idx="2">
+            <a:schemeClr val="dk1"/>
+          </a:effectRef>
+          <a:fontRef idx="minor">
+            <a:schemeClr val="tx1"/>
+          </a:fontRef>
+        </p:style>
+      </p:cxnSp>
+      <p:cxnSp>
+        <p:nvCxnSpPr>
+          <p:cNvPr id="42" name="Conector reto 41">
+            <a:extLst>
+              <a:ext uri="{FF2B5EF4-FFF2-40B4-BE49-F238E27FC236}">
+                <a16:creationId xmlns:a16="http://schemas.microsoft.com/office/drawing/2014/main" id="{00713344-FFBF-48E6-92DA-D0EC48382007}"/>
+              </a:ext>
+            </a:extLst>
+          </p:cNvPr>
+          <p:cNvCxnSpPr>
+            <a:cxnSpLocks/>
+          </p:cNvCxnSpPr>
+          <p:nvPr/>
+        </p:nvCxnSpPr>
+        <p:spPr>
+          <a:xfrm>
+            <a:off x="743991" y="748836"/>
+            <a:ext cx="2742503" cy="692"/>
+          </a:xfrm>
+          <a:prstGeom prst="line">
+            <a:avLst/>
+          </a:prstGeom>
+          <a:ln>
+            <a:solidFill>
+              <a:schemeClr val="accent1">
+                <a:lumMod val="60000"/>
+                <a:lumOff val="40000"/>
+              </a:schemeClr>
+            </a:solidFill>
+            <a:prstDash val="sysDot"/>
+          </a:ln>
+        </p:spPr>
+        <p:style>
+          <a:lnRef idx="3">
+            <a:schemeClr val="dk1"/>
+          </a:lnRef>
+          <a:fillRef idx="0">
+            <a:schemeClr val="dk1"/>
+          </a:fillRef>
+          <a:effectRef idx="2">
+            <a:schemeClr val="dk1"/>
+          </a:effectRef>
+          <a:fontRef idx="minor">
+            <a:schemeClr val="tx1"/>
+          </a:fontRef>
+        </p:style>
+      </p:cxnSp>
+      <p:cxnSp>
+        <p:nvCxnSpPr>
+          <p:cNvPr id="43" name="Conector reto 42">
+            <a:extLst>
+              <a:ext uri="{FF2B5EF4-FFF2-40B4-BE49-F238E27FC236}">
+                <a16:creationId xmlns:a16="http://schemas.microsoft.com/office/drawing/2014/main" id="{D4291DD7-3235-475A-9014-D0C339C4E75F}"/>
+              </a:ext>
+            </a:extLst>
+          </p:cNvPr>
+          <p:cNvCxnSpPr>
+            <a:cxnSpLocks/>
+          </p:cNvCxnSpPr>
+          <p:nvPr/>
+        </p:nvCxnSpPr>
+        <p:spPr>
+          <a:xfrm flipV="1">
+            <a:off x="387925" y="749528"/>
+            <a:ext cx="343594" cy="354677"/>
+          </a:xfrm>
+          <a:prstGeom prst="line">
+            <a:avLst/>
+          </a:prstGeom>
+          <a:ln>
+            <a:solidFill>
+              <a:schemeClr val="accent1">
+                <a:lumMod val="60000"/>
+                <a:lumOff val="40000"/>
+              </a:schemeClr>
+            </a:solidFill>
+            <a:prstDash val="sysDot"/>
+          </a:ln>
+        </p:spPr>
+        <p:style>
+          <a:lnRef idx="3">
+            <a:schemeClr val="dk1"/>
+          </a:lnRef>
+          <a:fillRef idx="0">
+            <a:schemeClr val="dk1"/>
+          </a:fillRef>
+          <a:effectRef idx="2">
+            <a:schemeClr val="dk1"/>
+          </a:effectRef>
+          <a:fontRef idx="minor">
+            <a:schemeClr val="tx1"/>
+          </a:fontRef>
+        </p:style>
+      </p:cxnSp>
+      <p:cxnSp>
+        <p:nvCxnSpPr>
+          <p:cNvPr id="44" name="Conector reto 43">
+            <a:extLst>
+              <a:ext uri="{FF2B5EF4-FFF2-40B4-BE49-F238E27FC236}">
+                <a16:creationId xmlns:a16="http://schemas.microsoft.com/office/drawing/2014/main" id="{A4E935C3-5F17-4E87-98A9-B529876F19ED}"/>
+              </a:ext>
+            </a:extLst>
+          </p:cNvPr>
+          <p:cNvCxnSpPr>
+            <a:cxnSpLocks/>
+          </p:cNvCxnSpPr>
+          <p:nvPr/>
+        </p:nvCxnSpPr>
+        <p:spPr>
+          <a:xfrm flipV="1">
+            <a:off x="3142900" y="742951"/>
+            <a:ext cx="343594" cy="354677"/>
+          </a:xfrm>
+          <a:prstGeom prst="line">
+            <a:avLst/>
+          </a:prstGeom>
+          <a:ln>
+            <a:solidFill>
+              <a:schemeClr val="accent1">
+                <a:lumMod val="60000"/>
+                <a:lumOff val="40000"/>
+              </a:schemeClr>
+            </a:solidFill>
+            <a:prstDash val="sysDot"/>
+          </a:ln>
+        </p:spPr>
+        <p:style>
+          <a:lnRef idx="3">
+            <a:schemeClr val="dk1"/>
+          </a:lnRef>
+          <a:fillRef idx="0">
+            <a:schemeClr val="dk1"/>
+          </a:fillRef>
+          <a:effectRef idx="2">
+            <a:schemeClr val="dk1"/>
+          </a:effectRef>
+          <a:fontRef idx="minor">
+            <a:schemeClr val="tx1"/>
+          </a:fontRef>
+        </p:style>
+      </p:cxnSp>
+      <p:sp>
+        <p:nvSpPr>
+          <p:cNvPr id="45" name="CaixaDeTexto 44">
+            <a:extLst>
+              <a:ext uri="{FF2B5EF4-FFF2-40B4-BE49-F238E27FC236}">
+                <a16:creationId xmlns:a16="http://schemas.microsoft.com/office/drawing/2014/main" id="{E08A7081-9778-48F1-9A0E-F5A2B2A0194D}"/>
+              </a:ext>
+            </a:extLst>
+          </p:cNvPr>
+          <p:cNvSpPr txBox="1"/>
+          <p:nvPr/>
+        </p:nvSpPr>
+        <p:spPr>
+          <a:xfrm>
+            <a:off x="3201769" y="921552"/>
+            <a:ext cx="869854" cy="369332"/>
+          </a:xfrm>
+          <a:prstGeom prst="rect">
+            <a:avLst/>
+          </a:prstGeom>
+          <a:noFill/>
+        </p:spPr>
+        <p:txBody>
+          <a:bodyPr wrap="none" rtlCol="0">
+            <a:spAutoFit/>
+          </a:bodyPr>
+          <a:lstStyle/>
+          <a:p>
+            <a:r>
+              <a:rPr lang="pt-BR" dirty="0"/>
+              <a:t>Corte 1</a:t>
+            </a:r>
+          </a:p>
+        </p:txBody>
+      </p:sp>
+      <p:sp>
+        <p:nvSpPr>
+          <p:cNvPr id="46" name="CaixaDeTexto 45">
+            <a:extLst>
+              <a:ext uri="{FF2B5EF4-FFF2-40B4-BE49-F238E27FC236}">
+                <a16:creationId xmlns:a16="http://schemas.microsoft.com/office/drawing/2014/main" id="{E0DCA016-7215-4BD2-867D-CB28A8109E8C}"/>
+              </a:ext>
+            </a:extLst>
+          </p:cNvPr>
+          <p:cNvSpPr txBox="1"/>
+          <p:nvPr/>
+        </p:nvSpPr>
+        <p:spPr>
+          <a:xfrm>
+            <a:off x="3345283" y="484789"/>
+            <a:ext cx="869854" cy="369332"/>
+          </a:xfrm>
+          <a:prstGeom prst="rect">
+            <a:avLst/>
+          </a:prstGeom>
+          <a:noFill/>
+        </p:spPr>
+        <p:txBody>
+          <a:bodyPr wrap="none" rtlCol="0">
+            <a:spAutoFit/>
+          </a:bodyPr>
+          <a:lstStyle/>
+          <a:p>
+            <a:r>
+              <a:rPr lang="pt-BR" dirty="0"/>
+              <a:t>Corte 2</a:t>
+            </a:r>
+          </a:p>
+        </p:txBody>
+      </p:sp>
+      <p:sp>
+        <p:nvSpPr>
+          <p:cNvPr id="47" name="Retângulo 46">
+            <a:extLst>
+              <a:ext uri="{FF2B5EF4-FFF2-40B4-BE49-F238E27FC236}">
+                <a16:creationId xmlns:a16="http://schemas.microsoft.com/office/drawing/2014/main" id="{9821DEA9-079D-4769-BF9C-BCCF31AED8EF}"/>
+              </a:ext>
+            </a:extLst>
+          </p:cNvPr>
+          <p:cNvSpPr/>
+          <p:nvPr/>
+        </p:nvSpPr>
+        <p:spPr>
+          <a:xfrm>
+            <a:off x="559722" y="2078182"/>
+            <a:ext cx="2707178" cy="2243049"/>
+          </a:xfrm>
+          <a:prstGeom prst="rect">
+            <a:avLst/>
+          </a:prstGeom>
+          <a:noFill/>
+        </p:spPr>
+        <p:style>
+          <a:lnRef idx="2">
+            <a:schemeClr val="accent1">
+              <a:shade val="50000"/>
+            </a:schemeClr>
+          </a:lnRef>
+          <a:fillRef idx="1">
+            <a:schemeClr val="accent1"/>
+          </a:fillRef>
+          <a:effectRef idx="0">
+            <a:schemeClr val="accent1"/>
+          </a:effectRef>
+          <a:fontRef idx="minor">
+            <a:schemeClr val="lt1"/>
+          </a:fontRef>
+        </p:style>
+        <p:txBody>
+          <a:bodyPr rtlCol="0" anchor="ctr"/>
+          <a:lstStyle/>
+          <a:p>
+            <a:pPr algn="ctr"/>
+            <a:endParaRPr lang="pt-BR"/>
+          </a:p>
+        </p:txBody>
+      </p:sp>
+      <p:sp>
+        <p:nvSpPr>
+          <p:cNvPr id="48" name="Retângulo 47">
+            <a:extLst>
+              <a:ext uri="{FF2B5EF4-FFF2-40B4-BE49-F238E27FC236}">
+                <a16:creationId xmlns:a16="http://schemas.microsoft.com/office/drawing/2014/main" id="{B0A276D5-870A-47B6-8D91-B20A99D54B07}"/>
+              </a:ext>
+            </a:extLst>
+          </p:cNvPr>
+          <p:cNvSpPr/>
+          <p:nvPr/>
+        </p:nvSpPr>
+        <p:spPr>
+          <a:xfrm>
+            <a:off x="559722" y="4473631"/>
+            <a:ext cx="2707178" cy="2243049"/>
+          </a:xfrm>
+          <a:prstGeom prst="rect">
+            <a:avLst/>
+          </a:prstGeom>
+          <a:noFill/>
+        </p:spPr>
+        <p:style>
+          <a:lnRef idx="2">
+            <a:schemeClr val="accent1">
+              <a:shade val="50000"/>
+            </a:schemeClr>
+          </a:lnRef>
+          <a:fillRef idx="1">
+            <a:schemeClr val="accent1"/>
+          </a:fillRef>
+          <a:effectRef idx="0">
+            <a:schemeClr val="accent1"/>
+          </a:effectRef>
+          <a:fontRef idx="minor">
+            <a:schemeClr val="lt1"/>
+          </a:fontRef>
+        </p:style>
+        <p:txBody>
+          <a:bodyPr rtlCol="0" anchor="ctr"/>
+          <a:lstStyle/>
+          <a:p>
+            <a:pPr algn="ctr"/>
+            <a:endParaRPr lang="pt-BR"/>
+          </a:p>
+        </p:txBody>
+      </p:sp>
+      <p:sp>
+        <p:nvSpPr>
+          <p:cNvPr id="49" name="CaixaDeTexto 48">
+            <a:extLst>
+              <a:ext uri="{FF2B5EF4-FFF2-40B4-BE49-F238E27FC236}">
+                <a16:creationId xmlns:a16="http://schemas.microsoft.com/office/drawing/2014/main" id="{AD5C26C5-EDBD-48AA-B4FA-02C4A275C0F2}"/>
+              </a:ext>
+            </a:extLst>
+          </p:cNvPr>
+          <p:cNvSpPr txBox="1"/>
+          <p:nvPr/>
+        </p:nvSpPr>
+        <p:spPr>
+          <a:xfrm>
+            <a:off x="3266900" y="2446375"/>
+            <a:ext cx="869854" cy="369332"/>
+          </a:xfrm>
+          <a:prstGeom prst="rect">
+            <a:avLst/>
+          </a:prstGeom>
+          <a:noFill/>
+        </p:spPr>
+        <p:txBody>
+          <a:bodyPr wrap="none" rtlCol="0">
+            <a:spAutoFit/>
+          </a:bodyPr>
+          <a:lstStyle/>
+          <a:p>
+            <a:r>
+              <a:rPr lang="pt-BR" dirty="0"/>
+              <a:t>Corte 2</a:t>
+            </a:r>
+          </a:p>
+        </p:txBody>
+      </p:sp>
+      <p:sp>
+        <p:nvSpPr>
+          <p:cNvPr id="50" name="CaixaDeTexto 49">
+            <a:extLst>
+              <a:ext uri="{FF2B5EF4-FFF2-40B4-BE49-F238E27FC236}">
+                <a16:creationId xmlns:a16="http://schemas.microsoft.com/office/drawing/2014/main" id="{3C52A428-972A-45A4-AD4A-C1AC19942E1D}"/>
+              </a:ext>
+            </a:extLst>
+          </p:cNvPr>
+          <p:cNvSpPr txBox="1"/>
+          <p:nvPr/>
+        </p:nvSpPr>
+        <p:spPr>
+          <a:xfrm>
+            <a:off x="3345283" y="4922744"/>
+            <a:ext cx="869854" cy="369332"/>
+          </a:xfrm>
+          <a:prstGeom prst="rect">
+            <a:avLst/>
+          </a:prstGeom>
+          <a:noFill/>
+        </p:spPr>
+        <p:txBody>
+          <a:bodyPr wrap="none" rtlCol="0">
+            <a:spAutoFit/>
+          </a:bodyPr>
+          <a:lstStyle/>
+          <a:p>
+            <a:r>
+              <a:rPr lang="pt-BR" dirty="0"/>
+              <a:t>Corte 1</a:t>
+            </a:r>
+          </a:p>
+        </p:txBody>
+      </p:sp>
+      <p:sp>
+        <p:nvSpPr>
+          <p:cNvPr id="51" name="Retângulo 50">
+            <a:extLst>
+              <a:ext uri="{FF2B5EF4-FFF2-40B4-BE49-F238E27FC236}">
+                <a16:creationId xmlns:a16="http://schemas.microsoft.com/office/drawing/2014/main" id="{862CB5E9-0ACB-4C59-A643-EC043C115467}"/>
+              </a:ext>
+            </a:extLst>
+          </p:cNvPr>
+          <p:cNvSpPr/>
+          <p:nvPr/>
+        </p:nvSpPr>
+        <p:spPr>
+          <a:xfrm>
+            <a:off x="694115" y="5132412"/>
+            <a:ext cx="2417616" cy="925486"/>
+          </a:xfrm>
+          <a:prstGeom prst="rect">
+            <a:avLst/>
+          </a:prstGeom>
+          <a:solidFill>
+            <a:srgbClr val="FFFF00"/>
+          </a:solidFill>
+        </p:spPr>
+        <p:style>
+          <a:lnRef idx="2">
+            <a:schemeClr val="accent1">
+              <a:shade val="50000"/>
+            </a:schemeClr>
+          </a:lnRef>
+          <a:fillRef idx="1">
+            <a:schemeClr val="accent1"/>
+          </a:fillRef>
+          <a:effectRef idx="0">
+            <a:schemeClr val="accent1"/>
+          </a:effectRef>
+          <a:fontRef idx="minor">
+            <a:schemeClr val="lt1"/>
+          </a:fontRef>
+        </p:style>
+        <p:txBody>
+          <a:bodyPr rtlCol="0" anchor="ctr"/>
+          <a:lstStyle/>
+          <a:p>
+            <a:pPr algn="ctr"/>
+            <a:endParaRPr lang="pt-BR">
+              <a:solidFill>
+                <a:srgbClr val="FFFF00"/>
+              </a:solidFill>
+            </a:endParaRPr>
+          </a:p>
+        </p:txBody>
+      </p:sp>
+      <p:sp>
+        <p:nvSpPr>
+          <p:cNvPr id="52" name="Retângulo 51">
+            <a:extLst>
+              <a:ext uri="{FF2B5EF4-FFF2-40B4-BE49-F238E27FC236}">
+                <a16:creationId xmlns:a16="http://schemas.microsoft.com/office/drawing/2014/main" id="{5E31258A-058C-4C0A-A877-4D0AD301BE0A}"/>
+              </a:ext>
+            </a:extLst>
+          </p:cNvPr>
+          <p:cNvSpPr/>
+          <p:nvPr/>
+        </p:nvSpPr>
+        <p:spPr>
+          <a:xfrm>
+            <a:off x="694115" y="2736963"/>
+            <a:ext cx="835427" cy="925486"/>
+          </a:xfrm>
+          <a:prstGeom prst="rect">
+            <a:avLst/>
+          </a:prstGeom>
+          <a:solidFill>
+            <a:srgbClr val="C00000"/>
+          </a:solidFill>
+        </p:spPr>
+        <p:style>
+          <a:lnRef idx="2">
+            <a:schemeClr val="accent1">
+              <a:shade val="50000"/>
+            </a:schemeClr>
+          </a:lnRef>
+          <a:fillRef idx="1">
+            <a:schemeClr val="accent1"/>
+          </a:fillRef>
+          <a:effectRef idx="0">
+            <a:schemeClr val="accent1"/>
+          </a:effectRef>
+          <a:fontRef idx="minor">
+            <a:schemeClr val="lt1"/>
+          </a:fontRef>
+        </p:style>
+        <p:txBody>
+          <a:bodyPr rtlCol="0" anchor="ctr"/>
+          <a:lstStyle/>
+          <a:p>
+            <a:pPr algn="ctr"/>
+            <a:endParaRPr lang="pt-BR">
+              <a:solidFill>
+                <a:srgbClr val="FF0000"/>
+              </a:solidFill>
+            </a:endParaRPr>
+          </a:p>
+        </p:txBody>
+      </p:sp>
+    </p:spTree>
+    <p:extLst>
+      <p:ext uri="{BB962C8B-B14F-4D97-AF65-F5344CB8AC3E}">
+        <p14:creationId xmlns:p14="http://schemas.microsoft.com/office/powerpoint/2010/main" val="4160928783"/>
+      </p:ext>
+    </p:extLst>
+  </p:cSld>
+  <p:clrMapOvr>
+    <a:masterClrMapping/>
+  </p:clrMapOvr>
+</p:sld>
+</file>
+
+<file path=ppt/slides/slide3.xml><?xml version="1.0" encoding="utf-8"?>
+<p:sld xmlns:a="http://schemas.openxmlformats.org/drawingml/2006/main" xmlns:r="http://schemas.openxmlformats.org/officeDocument/2006/relationships" xmlns:p="http://schemas.openxmlformats.org/presentationml/2006/main">
+  <p:cSld>
+    <p:spTree>
+      <p:nvGrpSpPr>
+        <p:cNvPr id="1" name=""/>
+        <p:cNvGrpSpPr/>
+        <p:nvPr/>
+      </p:nvGrpSpPr>
+      <p:grpSpPr>
+        <a:xfrm>
+          <a:off x="0" y="0"/>
+          <a:ext cx="0" cy="0"/>
+          <a:chOff x="0" y="0"/>
+          <a:chExt cx="0" cy="0"/>
+        </a:xfrm>
+      </p:grpSpPr>
+      <p:sp>
+        <p:nvSpPr>
+          <p:cNvPr id="4" name="CaixaDeTexto 3">
+            <a:extLst>
+              <a:ext uri="{FF2B5EF4-FFF2-40B4-BE49-F238E27FC236}">
+                <a16:creationId xmlns:a16="http://schemas.microsoft.com/office/drawing/2014/main" id="{46C378FD-459C-4F66-9E29-854ACBC5766A}"/>
+              </a:ext>
+            </a:extLst>
+          </p:cNvPr>
+          <p:cNvSpPr txBox="1"/>
+          <p:nvPr/>
+        </p:nvSpPr>
+        <p:spPr>
+          <a:xfrm>
+            <a:off x="562356" y="1405178"/>
+            <a:ext cx="978345" cy="369332"/>
+          </a:xfrm>
+          <a:prstGeom prst="rect">
+            <a:avLst/>
+          </a:prstGeom>
+          <a:noFill/>
+        </p:spPr>
+        <p:txBody>
+          <a:bodyPr wrap="none" rtlCol="0">
+            <a:spAutoFit/>
+          </a:bodyPr>
+          <a:lstStyle/>
+          <a:p>
+            <a:r>
+              <a:rPr lang="pt-BR" dirty="0"/>
+              <a:t>1 thread</a:t>
+            </a:r>
+          </a:p>
+        </p:txBody>
+      </p:sp>
+      <p:sp>
+        <p:nvSpPr>
+          <p:cNvPr id="5" name="Retângulo 4">
+            <a:extLst>
+              <a:ext uri="{FF2B5EF4-FFF2-40B4-BE49-F238E27FC236}">
+                <a16:creationId xmlns:a16="http://schemas.microsoft.com/office/drawing/2014/main" id="{8C5ABF05-19E0-4080-AEAA-C88B2733CE72}"/>
+              </a:ext>
+            </a:extLst>
+          </p:cNvPr>
+          <p:cNvSpPr/>
+          <p:nvPr/>
+        </p:nvSpPr>
+        <p:spPr>
+          <a:xfrm>
+            <a:off x="304661" y="1513243"/>
+            <a:ext cx="191193" cy="157941"/>
+          </a:xfrm>
+          <a:prstGeom prst="rect">
+            <a:avLst/>
+          </a:prstGeom>
+        </p:spPr>
+        <p:style>
+          <a:lnRef idx="2">
+            <a:schemeClr val="accent1">
+              <a:shade val="50000"/>
+            </a:schemeClr>
+          </a:lnRef>
+          <a:fillRef idx="1">
+            <a:schemeClr val="accent1"/>
+          </a:fillRef>
+          <a:effectRef idx="0">
+            <a:schemeClr val="accent1"/>
+          </a:effectRef>
+          <a:fontRef idx="minor">
+            <a:schemeClr val="lt1"/>
+          </a:fontRef>
+        </p:style>
+        <p:txBody>
+          <a:bodyPr rtlCol="0" anchor="ctr"/>
+          <a:lstStyle/>
+          <a:p>
+            <a:pPr algn="ctr"/>
+            <a:endParaRPr lang="pt-BR"/>
+          </a:p>
+        </p:txBody>
+      </p:sp>
+      <p:grpSp>
+        <p:nvGrpSpPr>
+          <p:cNvPr id="19" name="Agrupar 18">
+            <a:extLst>
+              <a:ext uri="{FF2B5EF4-FFF2-40B4-BE49-F238E27FC236}">
+                <a16:creationId xmlns:a16="http://schemas.microsoft.com/office/drawing/2014/main" id="{509EE961-1FB5-4421-BB84-4E33B8771947}"/>
+              </a:ext>
+            </a:extLst>
+          </p:cNvPr>
+          <p:cNvGrpSpPr/>
+          <p:nvPr/>
+        </p:nvGrpSpPr>
+        <p:grpSpPr>
+          <a:xfrm>
+            <a:off x="282877" y="2637016"/>
+            <a:ext cx="1695553" cy="1687484"/>
+            <a:chOff x="366004" y="1629294"/>
+            <a:chExt cx="1695553" cy="1687484"/>
+          </a:xfrm>
+        </p:grpSpPr>
+        <p:grpSp>
+          <p:nvGrpSpPr>
+            <p:cNvPr id="18" name="Agrupar 17">
+              <a:extLst>
+                <a:ext uri="{FF2B5EF4-FFF2-40B4-BE49-F238E27FC236}">
+                  <a16:creationId xmlns:a16="http://schemas.microsoft.com/office/drawing/2014/main" id="{ECEFB0FC-416C-4782-AD61-9C6DA1CBDE9E}"/>
+                </a:ext>
+              </a:extLst>
+            </p:cNvPr>
+            <p:cNvGrpSpPr/>
+            <p:nvPr/>
+          </p:nvGrpSpPr>
+          <p:grpSpPr>
+            <a:xfrm>
+              <a:off x="374073" y="1629294"/>
+              <a:ext cx="1687484" cy="1687484"/>
+              <a:chOff x="374072" y="1629294"/>
+              <a:chExt cx="1867593" cy="1687484"/>
+            </a:xfrm>
+          </p:grpSpPr>
+          <p:cxnSp>
+            <p:nvCxnSpPr>
+              <p:cNvPr id="9" name="Conector reto 8">
+                <a:extLst>
+                  <a:ext uri="{FF2B5EF4-FFF2-40B4-BE49-F238E27FC236}">
+                    <a16:creationId xmlns:a16="http://schemas.microsoft.com/office/drawing/2014/main" id="{F899A242-DCAA-4568-8429-4191C6F32C8E}"/>
+                  </a:ext>
+                </a:extLst>
+              </p:cNvPr>
+              <p:cNvCxnSpPr>
+                <a:cxnSpLocks/>
+              </p:cNvCxnSpPr>
+              <p:nvPr/>
+            </p:nvCxnSpPr>
+            <p:spPr>
+              <a:xfrm>
+                <a:off x="996603" y="1629294"/>
+                <a:ext cx="0" cy="1687484"/>
+              </a:xfrm>
+              <a:prstGeom prst="line">
+                <a:avLst/>
+              </a:prstGeom>
+            </p:spPr>
+            <p:style>
+              <a:lnRef idx="3">
+                <a:schemeClr val="dk1"/>
+              </a:lnRef>
+              <a:fillRef idx="0">
+                <a:schemeClr val="dk1"/>
+              </a:fillRef>
+              <a:effectRef idx="2">
+                <a:schemeClr val="dk1"/>
+              </a:effectRef>
+              <a:fontRef idx="minor">
+                <a:schemeClr val="tx1"/>
+              </a:fontRef>
+            </p:style>
+          </p:cxnSp>
+          <p:cxnSp>
+            <p:nvCxnSpPr>
+              <p:cNvPr id="10" name="Conector reto 9">
+                <a:extLst>
+                  <a:ext uri="{FF2B5EF4-FFF2-40B4-BE49-F238E27FC236}">
+                    <a16:creationId xmlns:a16="http://schemas.microsoft.com/office/drawing/2014/main" id="{D0362741-5C02-4039-9BCD-662C7CC3C791}"/>
+                  </a:ext>
+                </a:extLst>
+              </p:cNvPr>
+              <p:cNvCxnSpPr>
+                <a:cxnSpLocks/>
+              </p:cNvCxnSpPr>
+              <p:nvPr/>
+            </p:nvCxnSpPr>
+            <p:spPr>
+              <a:xfrm>
+                <a:off x="1619134" y="1629294"/>
+                <a:ext cx="0" cy="1687484"/>
+              </a:xfrm>
+              <a:prstGeom prst="line">
+                <a:avLst/>
+              </a:prstGeom>
+            </p:spPr>
+            <p:style>
+              <a:lnRef idx="3">
+                <a:schemeClr val="dk1"/>
+              </a:lnRef>
+              <a:fillRef idx="0">
+                <a:schemeClr val="dk1"/>
+              </a:fillRef>
+              <a:effectRef idx="2">
+                <a:schemeClr val="dk1"/>
+              </a:effectRef>
+              <a:fontRef idx="minor">
+                <a:schemeClr val="tx1"/>
+              </a:fontRef>
+            </p:style>
+          </p:cxnSp>
+          <p:cxnSp>
+            <p:nvCxnSpPr>
+              <p:cNvPr id="11" name="Conector reto 10">
+                <a:extLst>
+                  <a:ext uri="{FF2B5EF4-FFF2-40B4-BE49-F238E27FC236}">
+                    <a16:creationId xmlns:a16="http://schemas.microsoft.com/office/drawing/2014/main" id="{042D70AD-475D-4F2B-89E7-CA72EA5A4104}"/>
+                  </a:ext>
+                </a:extLst>
+              </p:cNvPr>
+              <p:cNvCxnSpPr>
+                <a:cxnSpLocks/>
+              </p:cNvCxnSpPr>
+              <p:nvPr/>
+            </p:nvCxnSpPr>
+            <p:spPr>
+              <a:xfrm>
+                <a:off x="374072" y="1629294"/>
+                <a:ext cx="0" cy="1687484"/>
+              </a:xfrm>
+              <a:prstGeom prst="line">
+                <a:avLst/>
+              </a:prstGeom>
+            </p:spPr>
+            <p:style>
+              <a:lnRef idx="3">
+                <a:schemeClr val="dk1"/>
+              </a:lnRef>
+              <a:fillRef idx="0">
+                <a:schemeClr val="dk1"/>
+              </a:fillRef>
+              <a:effectRef idx="2">
+                <a:schemeClr val="dk1"/>
+              </a:effectRef>
+              <a:fontRef idx="minor">
+                <a:schemeClr val="tx1"/>
+              </a:fontRef>
+            </p:style>
+          </p:cxnSp>
+          <p:cxnSp>
+            <p:nvCxnSpPr>
+              <p:cNvPr id="12" name="Conector reto 11">
+                <a:extLst>
+                  <a:ext uri="{FF2B5EF4-FFF2-40B4-BE49-F238E27FC236}">
+                    <a16:creationId xmlns:a16="http://schemas.microsoft.com/office/drawing/2014/main" id="{002185A1-6387-4052-8910-263AE7ACF7B5}"/>
+                  </a:ext>
+                </a:extLst>
+              </p:cNvPr>
+              <p:cNvCxnSpPr>
+                <a:cxnSpLocks/>
+              </p:cNvCxnSpPr>
+              <p:nvPr/>
+            </p:nvCxnSpPr>
+            <p:spPr>
+              <a:xfrm>
+                <a:off x="2241665" y="1629294"/>
+                <a:ext cx="0" cy="1687484"/>
+              </a:xfrm>
+              <a:prstGeom prst="line">
+                <a:avLst/>
+              </a:prstGeom>
+            </p:spPr>
+            <p:style>
+              <a:lnRef idx="3">
+                <a:schemeClr val="dk1"/>
+              </a:lnRef>
+              <a:fillRef idx="0">
+                <a:schemeClr val="dk1"/>
+              </a:fillRef>
+              <a:effectRef idx="2">
+                <a:schemeClr val="dk1"/>
+              </a:effectRef>
+              <a:fontRef idx="minor">
+                <a:schemeClr val="tx1"/>
+              </a:fontRef>
+            </p:style>
+          </p:cxnSp>
+        </p:grpSp>
+        <p:grpSp>
+          <p:nvGrpSpPr>
+            <p:cNvPr id="17" name="Agrupar 16">
+              <a:extLst>
+                <a:ext uri="{FF2B5EF4-FFF2-40B4-BE49-F238E27FC236}">
+                  <a16:creationId xmlns:a16="http://schemas.microsoft.com/office/drawing/2014/main" id="{83DBA242-A3CD-48FF-AF8A-437412C0A523}"/>
+                </a:ext>
+              </a:extLst>
+            </p:cNvPr>
+            <p:cNvGrpSpPr/>
+            <p:nvPr/>
+          </p:nvGrpSpPr>
+          <p:grpSpPr>
+            <a:xfrm rot="5400000">
+              <a:off x="366004" y="1629295"/>
+              <a:ext cx="1687483" cy="1687484"/>
+              <a:chOff x="2912225" y="1741516"/>
+              <a:chExt cx="1867593" cy="1687484"/>
+            </a:xfrm>
+          </p:grpSpPr>
+          <p:cxnSp>
+            <p:nvCxnSpPr>
+              <p:cNvPr id="13" name="Conector reto 12">
+                <a:extLst>
+                  <a:ext uri="{FF2B5EF4-FFF2-40B4-BE49-F238E27FC236}">
+                    <a16:creationId xmlns:a16="http://schemas.microsoft.com/office/drawing/2014/main" id="{1C18988E-1683-4923-A1FE-5FB3A715357E}"/>
+                  </a:ext>
+                </a:extLst>
+              </p:cNvPr>
+              <p:cNvCxnSpPr>
+                <a:cxnSpLocks/>
+              </p:cNvCxnSpPr>
+              <p:nvPr/>
+            </p:nvCxnSpPr>
+            <p:spPr>
+              <a:xfrm>
+                <a:off x="3534756" y="1741516"/>
+                <a:ext cx="0" cy="1687484"/>
+              </a:xfrm>
+              <a:prstGeom prst="line">
+                <a:avLst/>
+              </a:prstGeom>
+            </p:spPr>
+            <p:style>
+              <a:lnRef idx="3">
+                <a:schemeClr val="dk1"/>
+              </a:lnRef>
+              <a:fillRef idx="0">
+                <a:schemeClr val="dk1"/>
+              </a:fillRef>
+              <a:effectRef idx="2">
+                <a:schemeClr val="dk1"/>
+              </a:effectRef>
+              <a:fontRef idx="minor">
+                <a:schemeClr val="tx1"/>
+              </a:fontRef>
+            </p:style>
+          </p:cxnSp>
+          <p:cxnSp>
+            <p:nvCxnSpPr>
+              <p:cNvPr id="14" name="Conector reto 13">
+                <a:extLst>
+                  <a:ext uri="{FF2B5EF4-FFF2-40B4-BE49-F238E27FC236}">
+                    <a16:creationId xmlns:a16="http://schemas.microsoft.com/office/drawing/2014/main" id="{0B2C6E18-7431-4A79-8457-5A54EE49DAA0}"/>
+                  </a:ext>
+                </a:extLst>
+              </p:cNvPr>
+              <p:cNvCxnSpPr>
+                <a:cxnSpLocks/>
+              </p:cNvCxnSpPr>
+              <p:nvPr/>
+            </p:nvCxnSpPr>
+            <p:spPr>
+              <a:xfrm>
+                <a:off x="4157287" y="1741516"/>
+                <a:ext cx="0" cy="1687484"/>
+              </a:xfrm>
+              <a:prstGeom prst="line">
+                <a:avLst/>
+              </a:prstGeom>
+            </p:spPr>
+            <p:style>
+              <a:lnRef idx="3">
+                <a:schemeClr val="dk1"/>
+              </a:lnRef>
+              <a:fillRef idx="0">
+                <a:schemeClr val="dk1"/>
+              </a:fillRef>
+              <a:effectRef idx="2">
+                <a:schemeClr val="dk1"/>
+              </a:effectRef>
+              <a:fontRef idx="minor">
+                <a:schemeClr val="tx1"/>
+              </a:fontRef>
+            </p:style>
+          </p:cxnSp>
+          <p:cxnSp>
+            <p:nvCxnSpPr>
+              <p:cNvPr id="15" name="Conector reto 14">
+                <a:extLst>
+                  <a:ext uri="{FF2B5EF4-FFF2-40B4-BE49-F238E27FC236}">
+                    <a16:creationId xmlns:a16="http://schemas.microsoft.com/office/drawing/2014/main" id="{C87C2738-3016-4A1F-AC66-97359E50F8BE}"/>
+                  </a:ext>
+                </a:extLst>
+              </p:cNvPr>
+              <p:cNvCxnSpPr>
+                <a:cxnSpLocks/>
+              </p:cNvCxnSpPr>
+              <p:nvPr/>
+            </p:nvCxnSpPr>
+            <p:spPr>
+              <a:xfrm>
+                <a:off x="2912225" y="1741516"/>
+                <a:ext cx="0" cy="1687484"/>
+              </a:xfrm>
+              <a:prstGeom prst="line">
+                <a:avLst/>
+              </a:prstGeom>
+            </p:spPr>
+            <p:style>
+              <a:lnRef idx="3">
+                <a:schemeClr val="dk1"/>
+              </a:lnRef>
+              <a:fillRef idx="0">
+                <a:schemeClr val="dk1"/>
+              </a:fillRef>
+              <a:effectRef idx="2">
+                <a:schemeClr val="dk1"/>
+              </a:effectRef>
+              <a:fontRef idx="minor">
+                <a:schemeClr val="tx1"/>
+              </a:fontRef>
+            </p:style>
+          </p:cxnSp>
+          <p:cxnSp>
+            <p:nvCxnSpPr>
+              <p:cNvPr id="16" name="Conector reto 15">
+                <a:extLst>
+                  <a:ext uri="{FF2B5EF4-FFF2-40B4-BE49-F238E27FC236}">
+                    <a16:creationId xmlns:a16="http://schemas.microsoft.com/office/drawing/2014/main" id="{516B9C4C-623A-464D-9B86-AB17C98CA860}"/>
+                  </a:ext>
+                </a:extLst>
+              </p:cNvPr>
+              <p:cNvCxnSpPr>
+                <a:cxnSpLocks/>
+              </p:cNvCxnSpPr>
+              <p:nvPr/>
+            </p:nvCxnSpPr>
+            <p:spPr>
+              <a:xfrm>
+                <a:off x="4779818" y="1741516"/>
+                <a:ext cx="0" cy="1687484"/>
+              </a:xfrm>
+              <a:prstGeom prst="line">
+                <a:avLst/>
+              </a:prstGeom>
+            </p:spPr>
+            <p:style>
+              <a:lnRef idx="3">
+                <a:schemeClr val="dk1"/>
+              </a:lnRef>
+              <a:fillRef idx="0">
+                <a:schemeClr val="dk1"/>
+              </a:fillRef>
+              <a:effectRef idx="2">
+                <a:schemeClr val="dk1"/>
+              </a:effectRef>
+              <a:fontRef idx="minor">
+                <a:schemeClr val="tx1"/>
+              </a:fontRef>
+            </p:style>
+          </p:cxnSp>
+        </p:grpSp>
+      </p:grpSp>
+      <p:sp>
+        <p:nvSpPr>
+          <p:cNvPr id="31" name="CaixaDeTexto 30">
+            <a:extLst>
+              <a:ext uri="{FF2B5EF4-FFF2-40B4-BE49-F238E27FC236}">
+                <a16:creationId xmlns:a16="http://schemas.microsoft.com/office/drawing/2014/main" id="{3D37C23C-552C-4CAD-82B0-FEA2F8EBD559}"/>
+              </a:ext>
+            </a:extLst>
+          </p:cNvPr>
+          <p:cNvSpPr txBox="1"/>
+          <p:nvPr/>
+        </p:nvSpPr>
+        <p:spPr>
+          <a:xfrm>
+            <a:off x="198260" y="2328301"/>
+            <a:ext cx="767261" cy="338554"/>
+          </a:xfrm>
+          <a:prstGeom prst="rect">
+            <a:avLst/>
+          </a:prstGeom>
+          <a:noFill/>
+        </p:spPr>
+        <p:txBody>
+          <a:bodyPr wrap="none" rtlCol="0">
+            <a:spAutoFit/>
+          </a:bodyPr>
+          <a:lstStyle/>
+          <a:p>
+            <a:r>
+              <a:rPr lang="pt-BR" sz="1600" dirty="0"/>
+              <a:t>Perfil 1</a:t>
+            </a:r>
+          </a:p>
+        </p:txBody>
+      </p:sp>
+      <p:sp>
+        <p:nvSpPr>
+          <p:cNvPr id="32" name="CaixaDeTexto 31">
+            <a:extLst>
+              <a:ext uri="{FF2B5EF4-FFF2-40B4-BE49-F238E27FC236}">
+                <a16:creationId xmlns:a16="http://schemas.microsoft.com/office/drawing/2014/main" id="{65B52FFA-CC4D-42C4-8C46-9A0CF7F4B0D3}"/>
+              </a:ext>
+            </a:extLst>
+          </p:cNvPr>
+          <p:cNvSpPr txBox="1"/>
+          <p:nvPr/>
+        </p:nvSpPr>
+        <p:spPr>
+          <a:xfrm>
+            <a:off x="198260" y="4521624"/>
+            <a:ext cx="767261" cy="338554"/>
+          </a:xfrm>
+          <a:prstGeom prst="rect">
+            <a:avLst/>
+          </a:prstGeom>
+          <a:noFill/>
+        </p:spPr>
+        <p:txBody>
+          <a:bodyPr wrap="none" rtlCol="0">
+            <a:spAutoFit/>
+          </a:bodyPr>
+          <a:lstStyle/>
+          <a:p>
+            <a:r>
+              <a:rPr lang="pt-BR" sz="1600" dirty="0"/>
+              <a:t>Perfil 2</a:t>
+            </a:r>
+          </a:p>
+        </p:txBody>
+      </p:sp>
+      <p:sp>
+        <p:nvSpPr>
+          <p:cNvPr id="34" name="Retângulo 33">
+            <a:extLst>
+              <a:ext uri="{FF2B5EF4-FFF2-40B4-BE49-F238E27FC236}">
+                <a16:creationId xmlns:a16="http://schemas.microsoft.com/office/drawing/2014/main" id="{3D581CC8-C3D2-40B7-AD89-F034D1CAED59}"/>
+              </a:ext>
+            </a:extLst>
+          </p:cNvPr>
+          <p:cNvSpPr/>
+          <p:nvPr/>
+        </p:nvSpPr>
+        <p:spPr>
+          <a:xfrm>
+            <a:off x="921937" y="2716706"/>
+            <a:ext cx="429627" cy="432954"/>
+          </a:xfrm>
+          <a:prstGeom prst="rect">
+            <a:avLst/>
+          </a:prstGeom>
+        </p:spPr>
+        <p:style>
+          <a:lnRef idx="2">
+            <a:schemeClr val="accent1">
+              <a:shade val="50000"/>
+            </a:schemeClr>
+          </a:lnRef>
+          <a:fillRef idx="1">
+            <a:schemeClr val="accent1"/>
+          </a:fillRef>
+          <a:effectRef idx="0">
+            <a:schemeClr val="accent1"/>
+          </a:effectRef>
+          <a:fontRef idx="minor">
+            <a:schemeClr val="lt1"/>
+          </a:fontRef>
+        </p:style>
+        <p:txBody>
+          <a:bodyPr rtlCol="0" anchor="ctr"/>
+          <a:lstStyle/>
+          <a:p>
+            <a:pPr algn="ctr"/>
+            <a:endParaRPr lang="pt-BR"/>
+          </a:p>
+        </p:txBody>
+      </p:sp>
+      <p:sp>
+        <p:nvSpPr>
+          <p:cNvPr id="35" name="Retângulo 34">
+            <a:extLst>
+              <a:ext uri="{FF2B5EF4-FFF2-40B4-BE49-F238E27FC236}">
+                <a16:creationId xmlns:a16="http://schemas.microsoft.com/office/drawing/2014/main" id="{0DCAAEB9-4CA9-4C4F-B041-F7AAB5BF3C5F}"/>
+              </a:ext>
+            </a:extLst>
+          </p:cNvPr>
+          <p:cNvSpPr/>
+          <p:nvPr/>
+        </p:nvSpPr>
+        <p:spPr>
+          <a:xfrm>
+            <a:off x="360083" y="2709252"/>
+            <a:ext cx="429627" cy="432954"/>
+          </a:xfrm>
+          <a:prstGeom prst="rect">
+            <a:avLst/>
+          </a:prstGeom>
+        </p:spPr>
+        <p:style>
+          <a:lnRef idx="2">
+            <a:schemeClr val="accent1">
+              <a:shade val="50000"/>
+            </a:schemeClr>
+          </a:lnRef>
+          <a:fillRef idx="1">
+            <a:schemeClr val="accent1"/>
+          </a:fillRef>
+          <a:effectRef idx="0">
+            <a:schemeClr val="accent1"/>
+          </a:effectRef>
+          <a:fontRef idx="minor">
+            <a:schemeClr val="lt1"/>
+          </a:fontRef>
+        </p:style>
+        <p:txBody>
+          <a:bodyPr rtlCol="0" anchor="ctr"/>
+          <a:lstStyle/>
+          <a:p>
+            <a:pPr algn="ctr"/>
+            <a:endParaRPr lang="pt-BR"/>
+          </a:p>
+        </p:txBody>
+      </p:sp>
+      <p:sp>
+        <p:nvSpPr>
+          <p:cNvPr id="36" name="Retângulo 35">
+            <a:extLst>
+              <a:ext uri="{FF2B5EF4-FFF2-40B4-BE49-F238E27FC236}">
+                <a16:creationId xmlns:a16="http://schemas.microsoft.com/office/drawing/2014/main" id="{91B5E2FC-9E11-4DBF-9D3E-7693F9AB6298}"/>
+              </a:ext>
+            </a:extLst>
+          </p:cNvPr>
+          <p:cNvSpPr/>
+          <p:nvPr/>
+        </p:nvSpPr>
+        <p:spPr>
+          <a:xfrm>
+            <a:off x="1483792" y="2720798"/>
+            <a:ext cx="429627" cy="432954"/>
+          </a:xfrm>
+          <a:prstGeom prst="rect">
+            <a:avLst/>
+          </a:prstGeom>
+        </p:spPr>
+        <p:style>
+          <a:lnRef idx="2">
+            <a:schemeClr val="accent1">
+              <a:shade val="50000"/>
+            </a:schemeClr>
+          </a:lnRef>
+          <a:fillRef idx="1">
+            <a:schemeClr val="accent1"/>
+          </a:fillRef>
+          <a:effectRef idx="0">
+            <a:schemeClr val="accent1"/>
+          </a:effectRef>
+          <a:fontRef idx="minor">
+            <a:schemeClr val="lt1"/>
+          </a:fontRef>
+        </p:style>
+        <p:txBody>
+          <a:bodyPr rtlCol="0" anchor="ctr"/>
+          <a:lstStyle/>
+          <a:p>
+            <a:pPr algn="ctr"/>
+            <a:endParaRPr lang="pt-BR"/>
+          </a:p>
+        </p:txBody>
+      </p:sp>
+      <p:sp>
+        <p:nvSpPr>
+          <p:cNvPr id="37" name="Retângulo 36">
+            <a:extLst>
+              <a:ext uri="{FF2B5EF4-FFF2-40B4-BE49-F238E27FC236}">
+                <a16:creationId xmlns:a16="http://schemas.microsoft.com/office/drawing/2014/main" id="{4331F190-B014-4739-80C4-22EC06D7BBA7}"/>
+              </a:ext>
+            </a:extLst>
+          </p:cNvPr>
+          <p:cNvSpPr/>
+          <p:nvPr/>
+        </p:nvSpPr>
+        <p:spPr>
+          <a:xfrm>
+            <a:off x="916395" y="3268116"/>
+            <a:ext cx="429627" cy="432954"/>
+          </a:xfrm>
+          <a:prstGeom prst="rect">
+            <a:avLst/>
+          </a:prstGeom>
+        </p:spPr>
+        <p:style>
+          <a:lnRef idx="2">
+            <a:schemeClr val="accent1">
+              <a:shade val="50000"/>
+            </a:schemeClr>
+          </a:lnRef>
+          <a:fillRef idx="1">
+            <a:schemeClr val="accent1"/>
+          </a:fillRef>
+          <a:effectRef idx="0">
+            <a:schemeClr val="accent1"/>
+          </a:effectRef>
+          <a:fontRef idx="minor">
+            <a:schemeClr val="lt1"/>
+          </a:fontRef>
+        </p:style>
+        <p:txBody>
+          <a:bodyPr rtlCol="0" anchor="ctr"/>
+          <a:lstStyle/>
+          <a:p>
+            <a:pPr algn="ctr"/>
+            <a:endParaRPr lang="pt-BR"/>
+          </a:p>
+        </p:txBody>
+      </p:sp>
+      <p:sp>
+        <p:nvSpPr>
+          <p:cNvPr id="38" name="Retângulo 37">
+            <a:extLst>
+              <a:ext uri="{FF2B5EF4-FFF2-40B4-BE49-F238E27FC236}">
+                <a16:creationId xmlns:a16="http://schemas.microsoft.com/office/drawing/2014/main" id="{5E1F305E-5327-437F-A827-FDB8BE27FE23}"/>
+              </a:ext>
+            </a:extLst>
+          </p:cNvPr>
+          <p:cNvSpPr/>
+          <p:nvPr/>
+        </p:nvSpPr>
+        <p:spPr>
+          <a:xfrm>
+            <a:off x="354541" y="3260662"/>
+            <a:ext cx="429627" cy="432954"/>
+          </a:xfrm>
+          <a:prstGeom prst="rect">
+            <a:avLst/>
+          </a:prstGeom>
+        </p:spPr>
+        <p:style>
+          <a:lnRef idx="2">
+            <a:schemeClr val="accent1">
+              <a:shade val="50000"/>
+            </a:schemeClr>
+          </a:lnRef>
+          <a:fillRef idx="1">
+            <a:schemeClr val="accent1"/>
+          </a:fillRef>
+          <a:effectRef idx="0">
+            <a:schemeClr val="accent1"/>
+          </a:effectRef>
+          <a:fontRef idx="minor">
+            <a:schemeClr val="lt1"/>
+          </a:fontRef>
+        </p:style>
+        <p:txBody>
+          <a:bodyPr rtlCol="0" anchor="ctr"/>
+          <a:lstStyle/>
+          <a:p>
+            <a:pPr algn="ctr"/>
+            <a:endParaRPr lang="pt-BR"/>
+          </a:p>
+        </p:txBody>
+      </p:sp>
+      <p:sp>
+        <p:nvSpPr>
+          <p:cNvPr id="39" name="Retângulo 38">
+            <a:extLst>
+              <a:ext uri="{FF2B5EF4-FFF2-40B4-BE49-F238E27FC236}">
+                <a16:creationId xmlns:a16="http://schemas.microsoft.com/office/drawing/2014/main" id="{11E2401B-DEDB-457B-8606-92778F661FDD}"/>
+              </a:ext>
+            </a:extLst>
+          </p:cNvPr>
+          <p:cNvSpPr/>
+          <p:nvPr/>
+        </p:nvSpPr>
+        <p:spPr>
+          <a:xfrm>
+            <a:off x="1478250" y="3272208"/>
+            <a:ext cx="429627" cy="432954"/>
+          </a:xfrm>
+          <a:prstGeom prst="rect">
+            <a:avLst/>
+          </a:prstGeom>
+        </p:spPr>
+        <p:style>
+          <a:lnRef idx="2">
+            <a:schemeClr val="accent1">
+              <a:shade val="50000"/>
+            </a:schemeClr>
+          </a:lnRef>
+          <a:fillRef idx="1">
+            <a:schemeClr val="accent1"/>
+          </a:fillRef>
+          <a:effectRef idx="0">
+            <a:schemeClr val="accent1"/>
+          </a:effectRef>
+          <a:fontRef idx="minor">
+            <a:schemeClr val="lt1"/>
+          </a:fontRef>
+        </p:style>
+        <p:txBody>
+          <a:bodyPr rtlCol="0" anchor="ctr"/>
+          <a:lstStyle/>
+          <a:p>
+            <a:pPr algn="ctr"/>
+            <a:endParaRPr lang="pt-BR"/>
+          </a:p>
+        </p:txBody>
+      </p:sp>
+      <p:sp>
+        <p:nvSpPr>
+          <p:cNvPr id="40" name="Retângulo 39">
+            <a:extLst>
+              <a:ext uri="{FF2B5EF4-FFF2-40B4-BE49-F238E27FC236}">
+                <a16:creationId xmlns:a16="http://schemas.microsoft.com/office/drawing/2014/main" id="{09419AD9-DABC-4E87-B0AF-F7F04931D68C}"/>
+              </a:ext>
+            </a:extLst>
+          </p:cNvPr>
+          <p:cNvSpPr/>
+          <p:nvPr/>
+        </p:nvSpPr>
+        <p:spPr>
+          <a:xfrm>
+            <a:off x="916393" y="3825072"/>
+            <a:ext cx="429627" cy="432954"/>
+          </a:xfrm>
+          <a:prstGeom prst="rect">
+            <a:avLst/>
+          </a:prstGeom>
+        </p:spPr>
+        <p:style>
+          <a:lnRef idx="2">
+            <a:schemeClr val="accent1">
+              <a:shade val="50000"/>
+            </a:schemeClr>
+          </a:lnRef>
+          <a:fillRef idx="1">
+            <a:schemeClr val="accent1"/>
+          </a:fillRef>
+          <a:effectRef idx="0">
+            <a:schemeClr val="accent1"/>
+          </a:effectRef>
+          <a:fontRef idx="minor">
+            <a:schemeClr val="lt1"/>
+          </a:fontRef>
+        </p:style>
+        <p:txBody>
+          <a:bodyPr rtlCol="0" anchor="ctr"/>
+          <a:lstStyle/>
+          <a:p>
+            <a:pPr algn="ctr"/>
+            <a:endParaRPr lang="pt-BR"/>
+          </a:p>
+        </p:txBody>
+      </p:sp>
+      <p:sp>
+        <p:nvSpPr>
+          <p:cNvPr id="41" name="Retângulo 40">
+            <a:extLst>
+              <a:ext uri="{FF2B5EF4-FFF2-40B4-BE49-F238E27FC236}">
+                <a16:creationId xmlns:a16="http://schemas.microsoft.com/office/drawing/2014/main" id="{04897523-4542-4A3F-A541-FB6291653927}"/>
+              </a:ext>
+            </a:extLst>
+          </p:cNvPr>
+          <p:cNvSpPr/>
+          <p:nvPr/>
+        </p:nvSpPr>
+        <p:spPr>
+          <a:xfrm>
+            <a:off x="354539" y="3817618"/>
+            <a:ext cx="429627" cy="432954"/>
+          </a:xfrm>
+          <a:prstGeom prst="rect">
+            <a:avLst/>
+          </a:prstGeom>
+        </p:spPr>
+        <p:style>
+          <a:lnRef idx="2">
+            <a:schemeClr val="accent1">
+              <a:shade val="50000"/>
+            </a:schemeClr>
+          </a:lnRef>
+          <a:fillRef idx="1">
+            <a:schemeClr val="accent1"/>
+          </a:fillRef>
+          <a:effectRef idx="0">
+            <a:schemeClr val="accent1"/>
+          </a:effectRef>
+          <a:fontRef idx="minor">
+            <a:schemeClr val="lt1"/>
+          </a:fontRef>
+        </p:style>
+        <p:txBody>
+          <a:bodyPr rtlCol="0" anchor="ctr"/>
+          <a:lstStyle/>
+          <a:p>
+            <a:pPr algn="ctr"/>
+            <a:endParaRPr lang="pt-BR"/>
+          </a:p>
+        </p:txBody>
+      </p:sp>
+      <p:sp>
+        <p:nvSpPr>
+          <p:cNvPr id="42" name="Retângulo 41">
+            <a:extLst>
+              <a:ext uri="{FF2B5EF4-FFF2-40B4-BE49-F238E27FC236}">
+                <a16:creationId xmlns:a16="http://schemas.microsoft.com/office/drawing/2014/main" id="{A72E6C1B-5F1A-4F2A-B7F8-20A50E099F99}"/>
+              </a:ext>
+            </a:extLst>
+          </p:cNvPr>
+          <p:cNvSpPr/>
+          <p:nvPr/>
+        </p:nvSpPr>
+        <p:spPr>
+          <a:xfrm>
+            <a:off x="1478248" y="3829164"/>
+            <a:ext cx="429627" cy="432954"/>
+          </a:xfrm>
+          <a:prstGeom prst="rect">
+            <a:avLst/>
+          </a:prstGeom>
+        </p:spPr>
+        <p:style>
+          <a:lnRef idx="2">
+            <a:schemeClr val="accent1">
+              <a:shade val="50000"/>
+            </a:schemeClr>
+          </a:lnRef>
+          <a:fillRef idx="1">
+            <a:schemeClr val="accent1"/>
+          </a:fillRef>
+          <a:effectRef idx="0">
+            <a:schemeClr val="accent1"/>
+          </a:effectRef>
+          <a:fontRef idx="minor">
+            <a:schemeClr val="lt1"/>
+          </a:fontRef>
+        </p:style>
+        <p:txBody>
+          <a:bodyPr rtlCol="0" anchor="ctr"/>
+          <a:lstStyle/>
+          <a:p>
+            <a:pPr algn="ctr"/>
+            <a:endParaRPr lang="pt-BR"/>
+          </a:p>
+        </p:txBody>
+      </p:sp>
+      <p:grpSp>
+        <p:nvGrpSpPr>
+          <p:cNvPr id="46" name="Agrupar 45">
+            <a:extLst>
+              <a:ext uri="{FF2B5EF4-FFF2-40B4-BE49-F238E27FC236}">
+                <a16:creationId xmlns:a16="http://schemas.microsoft.com/office/drawing/2014/main" id="{89477EC9-386D-4000-B198-C3CDF9E0F94C}"/>
+              </a:ext>
+            </a:extLst>
+          </p:cNvPr>
+          <p:cNvGrpSpPr/>
+          <p:nvPr/>
+        </p:nvGrpSpPr>
+        <p:grpSpPr>
+          <a:xfrm>
+            <a:off x="274808" y="4820520"/>
+            <a:ext cx="1695553" cy="1687484"/>
+            <a:chOff x="366004" y="1629294"/>
+            <a:chExt cx="1695553" cy="1687484"/>
+          </a:xfrm>
+        </p:grpSpPr>
+        <p:grpSp>
+          <p:nvGrpSpPr>
+            <p:cNvPr id="47" name="Agrupar 46">
+              <a:extLst>
+                <a:ext uri="{FF2B5EF4-FFF2-40B4-BE49-F238E27FC236}">
+                  <a16:creationId xmlns:a16="http://schemas.microsoft.com/office/drawing/2014/main" id="{FF152B6E-E554-4B91-BEEE-2A57A034A815}"/>
+                </a:ext>
+              </a:extLst>
+            </p:cNvPr>
+            <p:cNvGrpSpPr/>
+            <p:nvPr/>
+          </p:nvGrpSpPr>
+          <p:grpSpPr>
+            <a:xfrm>
+              <a:off x="374073" y="1629294"/>
+              <a:ext cx="1687484" cy="1687484"/>
+              <a:chOff x="374072" y="1629294"/>
+              <a:chExt cx="1867593" cy="1687484"/>
+            </a:xfrm>
+          </p:grpSpPr>
+          <p:cxnSp>
+            <p:nvCxnSpPr>
+              <p:cNvPr id="53" name="Conector reto 52">
+                <a:extLst>
+                  <a:ext uri="{FF2B5EF4-FFF2-40B4-BE49-F238E27FC236}">
+                    <a16:creationId xmlns:a16="http://schemas.microsoft.com/office/drawing/2014/main" id="{2FB7E76F-33FF-42E5-880F-A65560023987}"/>
+                  </a:ext>
+                </a:extLst>
+              </p:cNvPr>
+              <p:cNvCxnSpPr>
+                <a:cxnSpLocks/>
+              </p:cNvCxnSpPr>
+              <p:nvPr/>
+            </p:nvCxnSpPr>
+            <p:spPr>
+              <a:xfrm>
+                <a:off x="996603" y="1629294"/>
+                <a:ext cx="0" cy="1687484"/>
+              </a:xfrm>
+              <a:prstGeom prst="line">
+                <a:avLst/>
+              </a:prstGeom>
+            </p:spPr>
+            <p:style>
+              <a:lnRef idx="3">
+                <a:schemeClr val="dk1"/>
+              </a:lnRef>
+              <a:fillRef idx="0">
+                <a:schemeClr val="dk1"/>
+              </a:fillRef>
+              <a:effectRef idx="2">
+                <a:schemeClr val="dk1"/>
+              </a:effectRef>
+              <a:fontRef idx="minor">
+                <a:schemeClr val="tx1"/>
+              </a:fontRef>
+            </p:style>
+          </p:cxnSp>
+          <p:cxnSp>
+            <p:nvCxnSpPr>
+              <p:cNvPr id="54" name="Conector reto 53">
+                <a:extLst>
+                  <a:ext uri="{FF2B5EF4-FFF2-40B4-BE49-F238E27FC236}">
+                    <a16:creationId xmlns:a16="http://schemas.microsoft.com/office/drawing/2014/main" id="{896289DB-52B2-490B-A1F6-41FE2B94CFD6}"/>
+                  </a:ext>
+                </a:extLst>
+              </p:cNvPr>
+              <p:cNvCxnSpPr>
+                <a:cxnSpLocks/>
+              </p:cNvCxnSpPr>
+              <p:nvPr/>
+            </p:nvCxnSpPr>
+            <p:spPr>
+              <a:xfrm>
+                <a:off x="1619134" y="1629294"/>
+                <a:ext cx="0" cy="1687484"/>
+              </a:xfrm>
+              <a:prstGeom prst="line">
+                <a:avLst/>
+              </a:prstGeom>
+            </p:spPr>
+            <p:style>
+              <a:lnRef idx="3">
+                <a:schemeClr val="dk1"/>
+              </a:lnRef>
+              <a:fillRef idx="0">
+                <a:schemeClr val="dk1"/>
+              </a:fillRef>
+              <a:effectRef idx="2">
+                <a:schemeClr val="dk1"/>
+              </a:effectRef>
+              <a:fontRef idx="minor">
+                <a:schemeClr val="tx1"/>
+              </a:fontRef>
+            </p:style>
+          </p:cxnSp>
+          <p:cxnSp>
+            <p:nvCxnSpPr>
+              <p:cNvPr id="55" name="Conector reto 54">
+                <a:extLst>
+                  <a:ext uri="{FF2B5EF4-FFF2-40B4-BE49-F238E27FC236}">
+                    <a16:creationId xmlns:a16="http://schemas.microsoft.com/office/drawing/2014/main" id="{A4F96C38-BB5E-420A-B960-B398233EFF35}"/>
+                  </a:ext>
+                </a:extLst>
+              </p:cNvPr>
+              <p:cNvCxnSpPr>
+                <a:cxnSpLocks/>
+              </p:cNvCxnSpPr>
+              <p:nvPr/>
+            </p:nvCxnSpPr>
+            <p:spPr>
+              <a:xfrm>
+                <a:off x="374072" y="1629294"/>
+                <a:ext cx="0" cy="1687484"/>
+              </a:xfrm>
+              <a:prstGeom prst="line">
+                <a:avLst/>
+              </a:prstGeom>
+            </p:spPr>
+            <p:style>
+              <a:lnRef idx="3">
+                <a:schemeClr val="dk1"/>
+              </a:lnRef>
+              <a:fillRef idx="0">
+                <a:schemeClr val="dk1"/>
+              </a:fillRef>
+              <a:effectRef idx="2">
+                <a:schemeClr val="dk1"/>
+              </a:effectRef>
+              <a:fontRef idx="minor">
+                <a:schemeClr val="tx1"/>
+              </a:fontRef>
+            </p:style>
+          </p:cxnSp>
+          <p:cxnSp>
+            <p:nvCxnSpPr>
+              <p:cNvPr id="56" name="Conector reto 55">
+                <a:extLst>
+                  <a:ext uri="{FF2B5EF4-FFF2-40B4-BE49-F238E27FC236}">
+                    <a16:creationId xmlns:a16="http://schemas.microsoft.com/office/drawing/2014/main" id="{FA3754D7-8B76-4826-9146-6F7CC6209168}"/>
+                  </a:ext>
+                </a:extLst>
+              </p:cNvPr>
+              <p:cNvCxnSpPr>
+                <a:cxnSpLocks/>
+              </p:cNvCxnSpPr>
+              <p:nvPr/>
+            </p:nvCxnSpPr>
+            <p:spPr>
+              <a:xfrm>
+                <a:off x="2241665" y="1629294"/>
+                <a:ext cx="0" cy="1687484"/>
+              </a:xfrm>
+              <a:prstGeom prst="line">
+                <a:avLst/>
+              </a:prstGeom>
+            </p:spPr>
+            <p:style>
+              <a:lnRef idx="3">
+                <a:schemeClr val="dk1"/>
+              </a:lnRef>
+              <a:fillRef idx="0">
+                <a:schemeClr val="dk1"/>
+              </a:fillRef>
+              <a:effectRef idx="2">
+                <a:schemeClr val="dk1"/>
+              </a:effectRef>
+              <a:fontRef idx="minor">
+                <a:schemeClr val="tx1"/>
+              </a:fontRef>
+            </p:style>
+          </p:cxnSp>
+        </p:grpSp>
+        <p:grpSp>
+          <p:nvGrpSpPr>
+            <p:cNvPr id="48" name="Agrupar 47">
+              <a:extLst>
+                <a:ext uri="{FF2B5EF4-FFF2-40B4-BE49-F238E27FC236}">
+                  <a16:creationId xmlns:a16="http://schemas.microsoft.com/office/drawing/2014/main" id="{45ED465D-2483-40FB-90A9-2318A745907E}"/>
+                </a:ext>
+              </a:extLst>
+            </p:cNvPr>
+            <p:cNvGrpSpPr/>
+            <p:nvPr/>
+          </p:nvGrpSpPr>
+          <p:grpSpPr>
+            <a:xfrm rot="5400000">
+              <a:off x="366004" y="1629295"/>
+              <a:ext cx="1687483" cy="1687484"/>
+              <a:chOff x="2912225" y="1741516"/>
+              <a:chExt cx="1867593" cy="1687484"/>
+            </a:xfrm>
+          </p:grpSpPr>
+          <p:cxnSp>
+            <p:nvCxnSpPr>
+              <p:cNvPr id="49" name="Conector reto 48">
+                <a:extLst>
+                  <a:ext uri="{FF2B5EF4-FFF2-40B4-BE49-F238E27FC236}">
+                    <a16:creationId xmlns:a16="http://schemas.microsoft.com/office/drawing/2014/main" id="{1BBAF5F5-8DB2-49FB-9368-D780642661B5}"/>
+                  </a:ext>
+                </a:extLst>
+              </p:cNvPr>
+              <p:cNvCxnSpPr>
+                <a:cxnSpLocks/>
+              </p:cNvCxnSpPr>
+              <p:nvPr/>
+            </p:nvCxnSpPr>
+            <p:spPr>
+              <a:xfrm>
+                <a:off x="3534756" y="1741516"/>
+                <a:ext cx="0" cy="1687484"/>
+              </a:xfrm>
+              <a:prstGeom prst="line">
+                <a:avLst/>
+              </a:prstGeom>
+            </p:spPr>
+            <p:style>
+              <a:lnRef idx="3">
+                <a:schemeClr val="dk1"/>
+              </a:lnRef>
+              <a:fillRef idx="0">
+                <a:schemeClr val="dk1"/>
+              </a:fillRef>
+              <a:effectRef idx="2">
+                <a:schemeClr val="dk1"/>
+              </a:effectRef>
+              <a:fontRef idx="minor">
+                <a:schemeClr val="tx1"/>
+              </a:fontRef>
+            </p:style>
+          </p:cxnSp>
+          <p:cxnSp>
+            <p:nvCxnSpPr>
+              <p:cNvPr id="50" name="Conector reto 49">
+                <a:extLst>
+                  <a:ext uri="{FF2B5EF4-FFF2-40B4-BE49-F238E27FC236}">
+                    <a16:creationId xmlns:a16="http://schemas.microsoft.com/office/drawing/2014/main" id="{C83B5D3E-0FF7-4E43-96D4-C77685C8B810}"/>
+                  </a:ext>
+                </a:extLst>
+              </p:cNvPr>
+              <p:cNvCxnSpPr>
+                <a:cxnSpLocks/>
+              </p:cNvCxnSpPr>
+              <p:nvPr/>
+            </p:nvCxnSpPr>
+            <p:spPr>
+              <a:xfrm>
+                <a:off x="4157287" y="1741516"/>
+                <a:ext cx="0" cy="1687484"/>
+              </a:xfrm>
+              <a:prstGeom prst="line">
+                <a:avLst/>
+              </a:prstGeom>
+            </p:spPr>
+            <p:style>
+              <a:lnRef idx="3">
+                <a:schemeClr val="dk1"/>
+              </a:lnRef>
+              <a:fillRef idx="0">
+                <a:schemeClr val="dk1"/>
+              </a:fillRef>
+              <a:effectRef idx="2">
+                <a:schemeClr val="dk1"/>
+              </a:effectRef>
+              <a:fontRef idx="minor">
+                <a:schemeClr val="tx1"/>
+              </a:fontRef>
+            </p:style>
+          </p:cxnSp>
+          <p:cxnSp>
+            <p:nvCxnSpPr>
+              <p:cNvPr id="51" name="Conector reto 50">
+                <a:extLst>
+                  <a:ext uri="{FF2B5EF4-FFF2-40B4-BE49-F238E27FC236}">
+                    <a16:creationId xmlns:a16="http://schemas.microsoft.com/office/drawing/2014/main" id="{3DA816CB-B64E-4D45-94B5-DC7411DF39A6}"/>
+                  </a:ext>
+                </a:extLst>
+              </p:cNvPr>
+              <p:cNvCxnSpPr>
+                <a:cxnSpLocks/>
+              </p:cNvCxnSpPr>
+              <p:nvPr/>
+            </p:nvCxnSpPr>
+            <p:spPr>
+              <a:xfrm>
+                <a:off x="2912225" y="1741516"/>
+                <a:ext cx="0" cy="1687484"/>
+              </a:xfrm>
+              <a:prstGeom prst="line">
+                <a:avLst/>
+              </a:prstGeom>
+            </p:spPr>
+            <p:style>
+              <a:lnRef idx="3">
+                <a:schemeClr val="dk1"/>
+              </a:lnRef>
+              <a:fillRef idx="0">
+                <a:schemeClr val="dk1"/>
+              </a:fillRef>
+              <a:effectRef idx="2">
+                <a:schemeClr val="dk1"/>
+              </a:effectRef>
+              <a:fontRef idx="minor">
+                <a:schemeClr val="tx1"/>
+              </a:fontRef>
+            </p:style>
+          </p:cxnSp>
+          <p:cxnSp>
+            <p:nvCxnSpPr>
+              <p:cNvPr id="52" name="Conector reto 51">
+                <a:extLst>
+                  <a:ext uri="{FF2B5EF4-FFF2-40B4-BE49-F238E27FC236}">
+                    <a16:creationId xmlns:a16="http://schemas.microsoft.com/office/drawing/2014/main" id="{3ECB9C89-3DC1-4649-890C-9BB7B73FC67E}"/>
+                  </a:ext>
+                </a:extLst>
+              </p:cNvPr>
+              <p:cNvCxnSpPr>
+                <a:cxnSpLocks/>
+              </p:cNvCxnSpPr>
+              <p:nvPr/>
+            </p:nvCxnSpPr>
+            <p:spPr>
+              <a:xfrm>
+                <a:off x="4779818" y="1741516"/>
+                <a:ext cx="0" cy="1687484"/>
+              </a:xfrm>
+              <a:prstGeom prst="line">
+                <a:avLst/>
+              </a:prstGeom>
+            </p:spPr>
+            <p:style>
+              <a:lnRef idx="3">
+                <a:schemeClr val="dk1"/>
+              </a:lnRef>
+              <a:fillRef idx="0">
+                <a:schemeClr val="dk1"/>
+              </a:fillRef>
+              <a:effectRef idx="2">
+                <a:schemeClr val="dk1"/>
+              </a:effectRef>
+              <a:fontRef idx="minor">
+                <a:schemeClr val="tx1"/>
+              </a:fontRef>
+            </p:style>
+          </p:cxnSp>
+        </p:grpSp>
+      </p:grpSp>
+      <p:sp>
+        <p:nvSpPr>
+          <p:cNvPr id="57" name="Retângulo 56">
+            <a:extLst>
+              <a:ext uri="{FF2B5EF4-FFF2-40B4-BE49-F238E27FC236}">
+                <a16:creationId xmlns:a16="http://schemas.microsoft.com/office/drawing/2014/main" id="{A30A7638-DFC4-4560-9E2D-176E7EEE2EBA}"/>
+              </a:ext>
+            </a:extLst>
+          </p:cNvPr>
+          <p:cNvSpPr/>
+          <p:nvPr/>
+        </p:nvSpPr>
+        <p:spPr>
+          <a:xfrm>
+            <a:off x="913868" y="4900210"/>
+            <a:ext cx="429627" cy="432954"/>
+          </a:xfrm>
+          <a:prstGeom prst="rect">
+            <a:avLst/>
+          </a:prstGeom>
+        </p:spPr>
+        <p:style>
+          <a:lnRef idx="2">
+            <a:schemeClr val="accent1">
+              <a:shade val="50000"/>
+            </a:schemeClr>
+          </a:lnRef>
+          <a:fillRef idx="1">
+            <a:schemeClr val="accent1"/>
+          </a:fillRef>
+          <a:effectRef idx="0">
+            <a:schemeClr val="accent1"/>
+          </a:effectRef>
+          <a:fontRef idx="minor">
+            <a:schemeClr val="lt1"/>
+          </a:fontRef>
+        </p:style>
+        <p:txBody>
+          <a:bodyPr rtlCol="0" anchor="ctr"/>
+          <a:lstStyle/>
+          <a:p>
+            <a:pPr algn="ctr"/>
+            <a:endParaRPr lang="pt-BR"/>
+          </a:p>
+        </p:txBody>
+      </p:sp>
+      <p:sp>
+        <p:nvSpPr>
+          <p:cNvPr id="58" name="Retângulo 57">
+            <a:extLst>
+              <a:ext uri="{FF2B5EF4-FFF2-40B4-BE49-F238E27FC236}">
+                <a16:creationId xmlns:a16="http://schemas.microsoft.com/office/drawing/2014/main" id="{97426090-80A2-41E5-B68D-2B198E4BB9E6}"/>
+              </a:ext>
+            </a:extLst>
+          </p:cNvPr>
+          <p:cNvSpPr/>
+          <p:nvPr/>
+        </p:nvSpPr>
+        <p:spPr>
+          <a:xfrm>
+            <a:off x="352014" y="4892756"/>
+            <a:ext cx="429627" cy="432954"/>
+          </a:xfrm>
+          <a:prstGeom prst="rect">
+            <a:avLst/>
+          </a:prstGeom>
+        </p:spPr>
+        <p:style>
+          <a:lnRef idx="2">
+            <a:schemeClr val="accent1">
+              <a:shade val="50000"/>
+            </a:schemeClr>
+          </a:lnRef>
+          <a:fillRef idx="1">
+            <a:schemeClr val="accent1"/>
+          </a:fillRef>
+          <a:effectRef idx="0">
+            <a:schemeClr val="accent1"/>
+          </a:effectRef>
+          <a:fontRef idx="minor">
+            <a:schemeClr val="lt1"/>
+          </a:fontRef>
+        </p:style>
+        <p:txBody>
+          <a:bodyPr rtlCol="0" anchor="ctr"/>
+          <a:lstStyle/>
+          <a:p>
+            <a:pPr algn="ctr"/>
+            <a:endParaRPr lang="pt-BR"/>
+          </a:p>
+        </p:txBody>
+      </p:sp>
+      <p:sp>
+        <p:nvSpPr>
+          <p:cNvPr id="59" name="Retângulo 58">
+            <a:extLst>
+              <a:ext uri="{FF2B5EF4-FFF2-40B4-BE49-F238E27FC236}">
+                <a16:creationId xmlns:a16="http://schemas.microsoft.com/office/drawing/2014/main" id="{4DDFB0C3-D836-4D36-AE85-98838A9616AF}"/>
+              </a:ext>
+            </a:extLst>
+          </p:cNvPr>
+          <p:cNvSpPr/>
+          <p:nvPr/>
+        </p:nvSpPr>
+        <p:spPr>
+          <a:xfrm>
+            <a:off x="1475723" y="4904302"/>
+            <a:ext cx="429627" cy="432954"/>
+          </a:xfrm>
+          <a:prstGeom prst="rect">
+            <a:avLst/>
+          </a:prstGeom>
+        </p:spPr>
+        <p:style>
+          <a:lnRef idx="2">
+            <a:schemeClr val="accent1">
+              <a:shade val="50000"/>
+            </a:schemeClr>
+          </a:lnRef>
+          <a:fillRef idx="1">
+            <a:schemeClr val="accent1"/>
+          </a:fillRef>
+          <a:effectRef idx="0">
+            <a:schemeClr val="accent1"/>
+          </a:effectRef>
+          <a:fontRef idx="minor">
+            <a:schemeClr val="lt1"/>
+          </a:fontRef>
+        </p:style>
+        <p:txBody>
+          <a:bodyPr rtlCol="0" anchor="ctr"/>
+          <a:lstStyle/>
+          <a:p>
+            <a:pPr algn="ctr"/>
+            <a:endParaRPr lang="pt-BR"/>
+          </a:p>
+        </p:txBody>
+      </p:sp>
+      <p:sp>
+        <p:nvSpPr>
+          <p:cNvPr id="60" name="Retângulo 59">
+            <a:extLst>
+              <a:ext uri="{FF2B5EF4-FFF2-40B4-BE49-F238E27FC236}">
+                <a16:creationId xmlns:a16="http://schemas.microsoft.com/office/drawing/2014/main" id="{1DDE03E4-62A4-4326-8D28-274CA7C2B59E}"/>
+              </a:ext>
+            </a:extLst>
+          </p:cNvPr>
+          <p:cNvSpPr/>
+          <p:nvPr/>
+        </p:nvSpPr>
+        <p:spPr>
+          <a:xfrm>
+            <a:off x="908326" y="5451620"/>
+            <a:ext cx="429627" cy="432954"/>
+          </a:xfrm>
+          <a:prstGeom prst="rect">
+            <a:avLst/>
+          </a:prstGeom>
+        </p:spPr>
+        <p:style>
+          <a:lnRef idx="2">
+            <a:schemeClr val="accent1">
+              <a:shade val="50000"/>
+            </a:schemeClr>
+          </a:lnRef>
+          <a:fillRef idx="1">
+            <a:schemeClr val="accent1"/>
+          </a:fillRef>
+          <a:effectRef idx="0">
+            <a:schemeClr val="accent1"/>
+          </a:effectRef>
+          <a:fontRef idx="minor">
+            <a:schemeClr val="lt1"/>
+          </a:fontRef>
+        </p:style>
+        <p:txBody>
+          <a:bodyPr rtlCol="0" anchor="ctr"/>
+          <a:lstStyle/>
+          <a:p>
+            <a:pPr algn="ctr"/>
+            <a:endParaRPr lang="pt-BR"/>
+          </a:p>
+        </p:txBody>
+      </p:sp>
+      <p:sp>
+        <p:nvSpPr>
+          <p:cNvPr id="61" name="Retângulo 60">
+            <a:extLst>
+              <a:ext uri="{FF2B5EF4-FFF2-40B4-BE49-F238E27FC236}">
+                <a16:creationId xmlns:a16="http://schemas.microsoft.com/office/drawing/2014/main" id="{3DCE5C01-879E-4345-AC8F-C3F62CB33B17}"/>
+              </a:ext>
+            </a:extLst>
+          </p:cNvPr>
+          <p:cNvSpPr/>
+          <p:nvPr/>
+        </p:nvSpPr>
+        <p:spPr>
+          <a:xfrm>
+            <a:off x="346472" y="5444166"/>
+            <a:ext cx="429627" cy="432954"/>
+          </a:xfrm>
+          <a:prstGeom prst="rect">
+            <a:avLst/>
+          </a:prstGeom>
+        </p:spPr>
+        <p:style>
+          <a:lnRef idx="2">
+            <a:schemeClr val="accent1">
+              <a:shade val="50000"/>
+            </a:schemeClr>
+          </a:lnRef>
+          <a:fillRef idx="1">
+            <a:schemeClr val="accent1"/>
+          </a:fillRef>
+          <a:effectRef idx="0">
+            <a:schemeClr val="accent1"/>
+          </a:effectRef>
+          <a:fontRef idx="minor">
+            <a:schemeClr val="lt1"/>
+          </a:fontRef>
+        </p:style>
+        <p:txBody>
+          <a:bodyPr rtlCol="0" anchor="ctr"/>
+          <a:lstStyle/>
+          <a:p>
+            <a:pPr algn="ctr"/>
+            <a:endParaRPr lang="pt-BR"/>
+          </a:p>
+        </p:txBody>
+      </p:sp>
+      <p:sp>
+        <p:nvSpPr>
+          <p:cNvPr id="62" name="Retângulo 61">
+            <a:extLst>
+              <a:ext uri="{FF2B5EF4-FFF2-40B4-BE49-F238E27FC236}">
+                <a16:creationId xmlns:a16="http://schemas.microsoft.com/office/drawing/2014/main" id="{B1A36C60-B42F-4442-B349-FFDF214B20BB}"/>
+              </a:ext>
+            </a:extLst>
+          </p:cNvPr>
+          <p:cNvSpPr/>
+          <p:nvPr/>
+        </p:nvSpPr>
+        <p:spPr>
+          <a:xfrm>
+            <a:off x="1470181" y="5455712"/>
+            <a:ext cx="429627" cy="432954"/>
+          </a:xfrm>
+          <a:prstGeom prst="rect">
+            <a:avLst/>
+          </a:prstGeom>
+        </p:spPr>
+        <p:style>
+          <a:lnRef idx="2">
+            <a:schemeClr val="accent1">
+              <a:shade val="50000"/>
+            </a:schemeClr>
+          </a:lnRef>
+          <a:fillRef idx="1">
+            <a:schemeClr val="accent1"/>
+          </a:fillRef>
+          <a:effectRef idx="0">
+            <a:schemeClr val="accent1"/>
+          </a:effectRef>
+          <a:fontRef idx="minor">
+            <a:schemeClr val="lt1"/>
+          </a:fontRef>
+        </p:style>
+        <p:txBody>
+          <a:bodyPr rtlCol="0" anchor="ctr"/>
+          <a:lstStyle/>
+          <a:p>
+            <a:pPr algn="ctr"/>
+            <a:endParaRPr lang="pt-BR"/>
+          </a:p>
+        </p:txBody>
+      </p:sp>
+      <p:sp>
+        <p:nvSpPr>
+          <p:cNvPr id="63" name="Retângulo 62">
+            <a:extLst>
+              <a:ext uri="{FF2B5EF4-FFF2-40B4-BE49-F238E27FC236}">
+                <a16:creationId xmlns:a16="http://schemas.microsoft.com/office/drawing/2014/main" id="{11BCEB8A-92EB-465B-8800-DFBC8435EED6}"/>
+              </a:ext>
+            </a:extLst>
+          </p:cNvPr>
+          <p:cNvSpPr/>
+          <p:nvPr/>
+        </p:nvSpPr>
+        <p:spPr>
+          <a:xfrm>
+            <a:off x="908324" y="6008576"/>
+            <a:ext cx="429627" cy="432954"/>
+          </a:xfrm>
+          <a:prstGeom prst="rect">
+            <a:avLst/>
+          </a:prstGeom>
+        </p:spPr>
+        <p:style>
+          <a:lnRef idx="2">
+            <a:schemeClr val="accent1">
+              <a:shade val="50000"/>
+            </a:schemeClr>
+          </a:lnRef>
+          <a:fillRef idx="1">
+            <a:schemeClr val="accent1"/>
+          </a:fillRef>
+          <a:effectRef idx="0">
+            <a:schemeClr val="accent1"/>
+          </a:effectRef>
+          <a:fontRef idx="minor">
+            <a:schemeClr val="lt1"/>
+          </a:fontRef>
+        </p:style>
+        <p:txBody>
+          <a:bodyPr rtlCol="0" anchor="ctr"/>
+          <a:lstStyle/>
+          <a:p>
+            <a:pPr algn="ctr"/>
+            <a:endParaRPr lang="pt-BR"/>
+          </a:p>
+        </p:txBody>
+      </p:sp>
+      <p:sp>
+        <p:nvSpPr>
+          <p:cNvPr id="64" name="Retângulo 63">
+            <a:extLst>
+              <a:ext uri="{FF2B5EF4-FFF2-40B4-BE49-F238E27FC236}">
+                <a16:creationId xmlns:a16="http://schemas.microsoft.com/office/drawing/2014/main" id="{1E0097EE-D023-4225-8853-A52634BA8708}"/>
+              </a:ext>
+            </a:extLst>
+          </p:cNvPr>
+          <p:cNvSpPr/>
+          <p:nvPr/>
+        </p:nvSpPr>
+        <p:spPr>
+          <a:xfrm>
+            <a:off x="346470" y="6001122"/>
+            <a:ext cx="429627" cy="432954"/>
+          </a:xfrm>
+          <a:prstGeom prst="rect">
+            <a:avLst/>
+          </a:prstGeom>
+        </p:spPr>
+        <p:style>
+          <a:lnRef idx="2">
+            <a:schemeClr val="accent1">
+              <a:shade val="50000"/>
+            </a:schemeClr>
+          </a:lnRef>
+          <a:fillRef idx="1">
+            <a:schemeClr val="accent1"/>
+          </a:fillRef>
+          <a:effectRef idx="0">
+            <a:schemeClr val="accent1"/>
+          </a:effectRef>
+          <a:fontRef idx="minor">
+            <a:schemeClr val="lt1"/>
+          </a:fontRef>
+        </p:style>
+        <p:txBody>
+          <a:bodyPr rtlCol="0" anchor="ctr"/>
+          <a:lstStyle/>
+          <a:p>
+            <a:pPr algn="ctr"/>
+            <a:endParaRPr lang="pt-BR"/>
+          </a:p>
+        </p:txBody>
+      </p:sp>
+      <p:sp>
+        <p:nvSpPr>
+          <p:cNvPr id="65" name="Retângulo 64">
+            <a:extLst>
+              <a:ext uri="{FF2B5EF4-FFF2-40B4-BE49-F238E27FC236}">
+                <a16:creationId xmlns:a16="http://schemas.microsoft.com/office/drawing/2014/main" id="{2A2BF752-4B91-4CC1-8664-02FBEE6DCDFE}"/>
+              </a:ext>
+            </a:extLst>
+          </p:cNvPr>
+          <p:cNvSpPr/>
+          <p:nvPr/>
+        </p:nvSpPr>
+        <p:spPr>
+          <a:xfrm>
+            <a:off x="1470179" y="6012668"/>
+            <a:ext cx="429627" cy="432954"/>
+          </a:xfrm>
+          <a:prstGeom prst="rect">
+            <a:avLst/>
+          </a:prstGeom>
+        </p:spPr>
+        <p:style>
+          <a:lnRef idx="2">
+            <a:schemeClr val="accent1">
+              <a:shade val="50000"/>
+            </a:schemeClr>
+          </a:lnRef>
+          <a:fillRef idx="1">
+            <a:schemeClr val="accent1"/>
+          </a:fillRef>
+          <a:effectRef idx="0">
+            <a:schemeClr val="accent1"/>
+          </a:effectRef>
+          <a:fontRef idx="minor">
+            <a:schemeClr val="lt1"/>
+          </a:fontRef>
+        </p:style>
+        <p:txBody>
+          <a:bodyPr rtlCol="0" anchor="ctr"/>
+          <a:lstStyle/>
+          <a:p>
+            <a:pPr algn="ctr"/>
+            <a:endParaRPr lang="pt-BR"/>
+          </a:p>
+        </p:txBody>
+      </p:sp>
+      <p:sp>
+        <p:nvSpPr>
+          <p:cNvPr id="66" name="CaixaDeTexto 65">
+            <a:extLst>
+              <a:ext uri="{FF2B5EF4-FFF2-40B4-BE49-F238E27FC236}">
+                <a16:creationId xmlns:a16="http://schemas.microsoft.com/office/drawing/2014/main" id="{95716420-E6F4-4D5E-923D-918B88762F79}"/>
+              </a:ext>
+            </a:extLst>
+          </p:cNvPr>
+          <p:cNvSpPr txBox="1"/>
+          <p:nvPr/>
+        </p:nvSpPr>
+        <p:spPr>
+          <a:xfrm>
+            <a:off x="184208" y="210037"/>
+            <a:ext cx="1715598" cy="646331"/>
+          </a:xfrm>
+          <a:prstGeom prst="rect">
+            <a:avLst/>
+          </a:prstGeom>
+          <a:noFill/>
+        </p:spPr>
+        <p:txBody>
+          <a:bodyPr wrap="none" rtlCol="0">
+            <a:spAutoFit/>
+          </a:bodyPr>
+          <a:lstStyle/>
+          <a:p>
+            <a:pPr algn="ctr"/>
+            <a:r>
+              <a:rPr lang="pt-BR" dirty="0"/>
+              <a:t>Caso 1 </a:t>
+            </a:r>
+          </a:p>
+          <a:p>
+            <a:pPr algn="ctr"/>
+            <a:r>
+              <a:rPr lang="pt-BR" dirty="0"/>
+              <a:t>sem paralelismo</a:t>
+            </a:r>
+          </a:p>
+        </p:txBody>
+      </p:sp>
+      <p:sp>
+        <p:nvSpPr>
+          <p:cNvPr id="67" name="CaixaDeTexto 66">
+            <a:extLst>
+              <a:ext uri="{FF2B5EF4-FFF2-40B4-BE49-F238E27FC236}">
+                <a16:creationId xmlns:a16="http://schemas.microsoft.com/office/drawing/2014/main" id="{D290A8B6-0ECF-4707-A5E8-7534660099AC}"/>
+              </a:ext>
+            </a:extLst>
+          </p:cNvPr>
+          <p:cNvSpPr txBox="1"/>
+          <p:nvPr/>
+        </p:nvSpPr>
+        <p:spPr>
+          <a:xfrm>
+            <a:off x="2932483" y="1405178"/>
+            <a:ext cx="978345" cy="369332"/>
+          </a:xfrm>
+          <a:prstGeom prst="rect">
+            <a:avLst/>
+          </a:prstGeom>
+          <a:noFill/>
+        </p:spPr>
+        <p:txBody>
+          <a:bodyPr wrap="none" rtlCol="0">
+            <a:spAutoFit/>
+          </a:bodyPr>
+          <a:lstStyle/>
+          <a:p>
+            <a:r>
+              <a:rPr lang="pt-BR" dirty="0"/>
+              <a:t>1 thread</a:t>
+            </a:r>
+          </a:p>
+        </p:txBody>
+      </p:sp>
+      <p:sp>
+        <p:nvSpPr>
+          <p:cNvPr id="68" name="Retângulo 67">
+            <a:extLst>
+              <a:ext uri="{FF2B5EF4-FFF2-40B4-BE49-F238E27FC236}">
+                <a16:creationId xmlns:a16="http://schemas.microsoft.com/office/drawing/2014/main" id="{DEE6A47E-EC07-4F12-98AD-0D89694B79EC}"/>
+              </a:ext>
+            </a:extLst>
+          </p:cNvPr>
+          <p:cNvSpPr/>
+          <p:nvPr/>
+        </p:nvSpPr>
+        <p:spPr>
+          <a:xfrm>
+            <a:off x="2674788" y="1513243"/>
+            <a:ext cx="191193" cy="157941"/>
+          </a:xfrm>
+          <a:prstGeom prst="rect">
+            <a:avLst/>
+          </a:prstGeom>
+        </p:spPr>
+        <p:style>
+          <a:lnRef idx="2">
+            <a:schemeClr val="accent1">
+              <a:shade val="50000"/>
+            </a:schemeClr>
+          </a:lnRef>
+          <a:fillRef idx="1">
+            <a:schemeClr val="accent1"/>
+          </a:fillRef>
+          <a:effectRef idx="0">
+            <a:schemeClr val="accent1"/>
+          </a:effectRef>
+          <a:fontRef idx="minor">
+            <a:schemeClr val="lt1"/>
+          </a:fontRef>
+        </p:style>
+        <p:txBody>
+          <a:bodyPr rtlCol="0" anchor="ctr"/>
+          <a:lstStyle/>
+          <a:p>
+            <a:pPr algn="ctr"/>
+            <a:endParaRPr lang="pt-BR"/>
+          </a:p>
+        </p:txBody>
+      </p:sp>
+      <p:grpSp>
+        <p:nvGrpSpPr>
+          <p:cNvPr id="69" name="Agrupar 68">
+            <a:extLst>
+              <a:ext uri="{FF2B5EF4-FFF2-40B4-BE49-F238E27FC236}">
+                <a16:creationId xmlns:a16="http://schemas.microsoft.com/office/drawing/2014/main" id="{0151E4AF-8FD6-41AF-9AA1-A29875FED1B2}"/>
+              </a:ext>
+            </a:extLst>
+          </p:cNvPr>
+          <p:cNvGrpSpPr/>
+          <p:nvPr/>
+        </p:nvGrpSpPr>
+        <p:grpSpPr>
+          <a:xfrm>
+            <a:off x="2653004" y="2637016"/>
+            <a:ext cx="1695553" cy="1687484"/>
+            <a:chOff x="366004" y="1629294"/>
+            <a:chExt cx="1695553" cy="1687484"/>
+          </a:xfrm>
+        </p:grpSpPr>
+        <p:grpSp>
+          <p:nvGrpSpPr>
+            <p:cNvPr id="70" name="Agrupar 69">
+              <a:extLst>
+                <a:ext uri="{FF2B5EF4-FFF2-40B4-BE49-F238E27FC236}">
+                  <a16:creationId xmlns:a16="http://schemas.microsoft.com/office/drawing/2014/main" id="{241CA542-9AF2-490C-B8C7-186CBD73F2F5}"/>
+                </a:ext>
+              </a:extLst>
+            </p:cNvPr>
+            <p:cNvGrpSpPr/>
+            <p:nvPr/>
+          </p:nvGrpSpPr>
+          <p:grpSpPr>
+            <a:xfrm>
+              <a:off x="374073" y="1629294"/>
+              <a:ext cx="1687484" cy="1687484"/>
+              <a:chOff x="374072" y="1629294"/>
+              <a:chExt cx="1867593" cy="1687484"/>
+            </a:xfrm>
+          </p:grpSpPr>
+          <p:cxnSp>
+            <p:nvCxnSpPr>
+              <p:cNvPr id="76" name="Conector reto 75">
+                <a:extLst>
+                  <a:ext uri="{FF2B5EF4-FFF2-40B4-BE49-F238E27FC236}">
+                    <a16:creationId xmlns:a16="http://schemas.microsoft.com/office/drawing/2014/main" id="{934C195D-1D56-4615-85E7-500709FAD2C2}"/>
+                  </a:ext>
+                </a:extLst>
+              </p:cNvPr>
+              <p:cNvCxnSpPr>
+                <a:cxnSpLocks/>
+              </p:cNvCxnSpPr>
+              <p:nvPr/>
+            </p:nvCxnSpPr>
+            <p:spPr>
+              <a:xfrm>
+                <a:off x="996603" y="1629294"/>
+                <a:ext cx="0" cy="1687484"/>
+              </a:xfrm>
+              <a:prstGeom prst="line">
+                <a:avLst/>
+              </a:prstGeom>
+            </p:spPr>
+            <p:style>
+              <a:lnRef idx="3">
+                <a:schemeClr val="dk1"/>
+              </a:lnRef>
+              <a:fillRef idx="0">
+                <a:schemeClr val="dk1"/>
+              </a:fillRef>
+              <a:effectRef idx="2">
+                <a:schemeClr val="dk1"/>
+              </a:effectRef>
+              <a:fontRef idx="minor">
+                <a:schemeClr val="tx1"/>
+              </a:fontRef>
+            </p:style>
+          </p:cxnSp>
+          <p:cxnSp>
+            <p:nvCxnSpPr>
+              <p:cNvPr id="77" name="Conector reto 76">
+                <a:extLst>
+                  <a:ext uri="{FF2B5EF4-FFF2-40B4-BE49-F238E27FC236}">
+                    <a16:creationId xmlns:a16="http://schemas.microsoft.com/office/drawing/2014/main" id="{B4F434DF-159E-4D02-A985-81FF7879C1D6}"/>
+                  </a:ext>
+                </a:extLst>
+              </p:cNvPr>
+              <p:cNvCxnSpPr>
+                <a:cxnSpLocks/>
+              </p:cNvCxnSpPr>
+              <p:nvPr/>
+            </p:nvCxnSpPr>
+            <p:spPr>
+              <a:xfrm>
+                <a:off x="1619134" y="1629294"/>
+                <a:ext cx="0" cy="1687484"/>
+              </a:xfrm>
+              <a:prstGeom prst="line">
+                <a:avLst/>
+              </a:prstGeom>
+            </p:spPr>
+            <p:style>
+              <a:lnRef idx="3">
+                <a:schemeClr val="dk1"/>
+              </a:lnRef>
+              <a:fillRef idx="0">
+                <a:schemeClr val="dk1"/>
+              </a:fillRef>
+              <a:effectRef idx="2">
+                <a:schemeClr val="dk1"/>
+              </a:effectRef>
+              <a:fontRef idx="minor">
+                <a:schemeClr val="tx1"/>
+              </a:fontRef>
+            </p:style>
+          </p:cxnSp>
+          <p:cxnSp>
+            <p:nvCxnSpPr>
+              <p:cNvPr id="78" name="Conector reto 77">
+                <a:extLst>
+                  <a:ext uri="{FF2B5EF4-FFF2-40B4-BE49-F238E27FC236}">
+                    <a16:creationId xmlns:a16="http://schemas.microsoft.com/office/drawing/2014/main" id="{61C778FC-2C07-45B8-9B0C-3900297CA6D8}"/>
+                  </a:ext>
+                </a:extLst>
+              </p:cNvPr>
+              <p:cNvCxnSpPr>
+                <a:cxnSpLocks/>
+              </p:cNvCxnSpPr>
+              <p:nvPr/>
+            </p:nvCxnSpPr>
+            <p:spPr>
+              <a:xfrm>
+                <a:off x="374072" y="1629294"/>
+                <a:ext cx="0" cy="1687484"/>
+              </a:xfrm>
+              <a:prstGeom prst="line">
+                <a:avLst/>
+              </a:prstGeom>
+            </p:spPr>
+            <p:style>
+              <a:lnRef idx="3">
+                <a:schemeClr val="dk1"/>
+              </a:lnRef>
+              <a:fillRef idx="0">
+                <a:schemeClr val="dk1"/>
+              </a:fillRef>
+              <a:effectRef idx="2">
+                <a:schemeClr val="dk1"/>
+              </a:effectRef>
+              <a:fontRef idx="minor">
+                <a:schemeClr val="tx1"/>
+              </a:fontRef>
+            </p:style>
+          </p:cxnSp>
+          <p:cxnSp>
+            <p:nvCxnSpPr>
+              <p:cNvPr id="79" name="Conector reto 78">
+                <a:extLst>
+                  <a:ext uri="{FF2B5EF4-FFF2-40B4-BE49-F238E27FC236}">
+                    <a16:creationId xmlns:a16="http://schemas.microsoft.com/office/drawing/2014/main" id="{B51536DD-D674-4AD1-AB1F-F61DF83BF3C7}"/>
+                  </a:ext>
+                </a:extLst>
+              </p:cNvPr>
+              <p:cNvCxnSpPr>
+                <a:cxnSpLocks/>
+              </p:cNvCxnSpPr>
+              <p:nvPr/>
+            </p:nvCxnSpPr>
+            <p:spPr>
+              <a:xfrm>
+                <a:off x="2241665" y="1629294"/>
+                <a:ext cx="0" cy="1687484"/>
+              </a:xfrm>
+              <a:prstGeom prst="line">
+                <a:avLst/>
+              </a:prstGeom>
+            </p:spPr>
+            <p:style>
+              <a:lnRef idx="3">
+                <a:schemeClr val="dk1"/>
+              </a:lnRef>
+              <a:fillRef idx="0">
+                <a:schemeClr val="dk1"/>
+              </a:fillRef>
+              <a:effectRef idx="2">
+                <a:schemeClr val="dk1"/>
+              </a:effectRef>
+              <a:fontRef idx="minor">
+                <a:schemeClr val="tx1"/>
+              </a:fontRef>
+            </p:style>
+          </p:cxnSp>
+        </p:grpSp>
+        <p:grpSp>
+          <p:nvGrpSpPr>
+            <p:cNvPr id="71" name="Agrupar 70">
+              <a:extLst>
+                <a:ext uri="{FF2B5EF4-FFF2-40B4-BE49-F238E27FC236}">
+                  <a16:creationId xmlns:a16="http://schemas.microsoft.com/office/drawing/2014/main" id="{11BFBE6E-4113-4F6F-BCC4-424D5E6C987C}"/>
+                </a:ext>
+              </a:extLst>
+            </p:cNvPr>
+            <p:cNvGrpSpPr/>
+            <p:nvPr/>
+          </p:nvGrpSpPr>
+          <p:grpSpPr>
+            <a:xfrm rot="5400000">
+              <a:off x="366004" y="1629295"/>
+              <a:ext cx="1687483" cy="1687484"/>
+              <a:chOff x="2912225" y="1741516"/>
+              <a:chExt cx="1867593" cy="1687484"/>
+            </a:xfrm>
+          </p:grpSpPr>
+          <p:cxnSp>
+            <p:nvCxnSpPr>
+              <p:cNvPr id="72" name="Conector reto 71">
+                <a:extLst>
+                  <a:ext uri="{FF2B5EF4-FFF2-40B4-BE49-F238E27FC236}">
+                    <a16:creationId xmlns:a16="http://schemas.microsoft.com/office/drawing/2014/main" id="{33763056-2A2F-42D4-A9DA-10A5F200B2F4}"/>
+                  </a:ext>
+                </a:extLst>
+              </p:cNvPr>
+              <p:cNvCxnSpPr>
+                <a:cxnSpLocks/>
+              </p:cNvCxnSpPr>
+              <p:nvPr/>
+            </p:nvCxnSpPr>
+            <p:spPr>
+              <a:xfrm>
+                <a:off x="3534756" y="1741516"/>
+                <a:ext cx="0" cy="1687484"/>
+              </a:xfrm>
+              <a:prstGeom prst="line">
+                <a:avLst/>
+              </a:prstGeom>
+            </p:spPr>
+            <p:style>
+              <a:lnRef idx="3">
+                <a:schemeClr val="dk1"/>
+              </a:lnRef>
+              <a:fillRef idx="0">
+                <a:schemeClr val="dk1"/>
+              </a:fillRef>
+              <a:effectRef idx="2">
+                <a:schemeClr val="dk1"/>
+              </a:effectRef>
+              <a:fontRef idx="minor">
+                <a:schemeClr val="tx1"/>
+              </a:fontRef>
+            </p:style>
+          </p:cxnSp>
+          <p:cxnSp>
+            <p:nvCxnSpPr>
+              <p:cNvPr id="73" name="Conector reto 72">
+                <a:extLst>
+                  <a:ext uri="{FF2B5EF4-FFF2-40B4-BE49-F238E27FC236}">
+                    <a16:creationId xmlns:a16="http://schemas.microsoft.com/office/drawing/2014/main" id="{4C17B76C-D217-48E3-B173-94F44CC84C5E}"/>
+                  </a:ext>
+                </a:extLst>
+              </p:cNvPr>
+              <p:cNvCxnSpPr>
+                <a:cxnSpLocks/>
+              </p:cNvCxnSpPr>
+              <p:nvPr/>
+            </p:nvCxnSpPr>
+            <p:spPr>
+              <a:xfrm>
+                <a:off x="4157287" y="1741516"/>
+                <a:ext cx="0" cy="1687484"/>
+              </a:xfrm>
+              <a:prstGeom prst="line">
+                <a:avLst/>
+              </a:prstGeom>
+            </p:spPr>
+            <p:style>
+              <a:lnRef idx="3">
+                <a:schemeClr val="dk1"/>
+              </a:lnRef>
+              <a:fillRef idx="0">
+                <a:schemeClr val="dk1"/>
+              </a:fillRef>
+              <a:effectRef idx="2">
+                <a:schemeClr val="dk1"/>
+              </a:effectRef>
+              <a:fontRef idx="minor">
+                <a:schemeClr val="tx1"/>
+              </a:fontRef>
+            </p:style>
+          </p:cxnSp>
+          <p:cxnSp>
+            <p:nvCxnSpPr>
+              <p:cNvPr id="74" name="Conector reto 73">
+                <a:extLst>
+                  <a:ext uri="{FF2B5EF4-FFF2-40B4-BE49-F238E27FC236}">
+                    <a16:creationId xmlns:a16="http://schemas.microsoft.com/office/drawing/2014/main" id="{E7DF3AA3-AD1A-45D1-9A95-1F5DB27D6202}"/>
+                  </a:ext>
+                </a:extLst>
+              </p:cNvPr>
+              <p:cNvCxnSpPr>
+                <a:cxnSpLocks/>
+              </p:cNvCxnSpPr>
+              <p:nvPr/>
+            </p:nvCxnSpPr>
+            <p:spPr>
+              <a:xfrm>
+                <a:off x="2912225" y="1741516"/>
+                <a:ext cx="0" cy="1687484"/>
+              </a:xfrm>
+              <a:prstGeom prst="line">
+                <a:avLst/>
+              </a:prstGeom>
+            </p:spPr>
+            <p:style>
+              <a:lnRef idx="3">
+                <a:schemeClr val="dk1"/>
+              </a:lnRef>
+              <a:fillRef idx="0">
+                <a:schemeClr val="dk1"/>
+              </a:fillRef>
+              <a:effectRef idx="2">
+                <a:schemeClr val="dk1"/>
+              </a:effectRef>
+              <a:fontRef idx="minor">
+                <a:schemeClr val="tx1"/>
+              </a:fontRef>
+            </p:style>
+          </p:cxnSp>
+          <p:cxnSp>
+            <p:nvCxnSpPr>
+              <p:cNvPr id="75" name="Conector reto 74">
+                <a:extLst>
+                  <a:ext uri="{FF2B5EF4-FFF2-40B4-BE49-F238E27FC236}">
+                    <a16:creationId xmlns:a16="http://schemas.microsoft.com/office/drawing/2014/main" id="{F8A1C0AE-4346-4473-86A2-250515F3ABA1}"/>
+                  </a:ext>
+                </a:extLst>
+              </p:cNvPr>
+              <p:cNvCxnSpPr>
+                <a:cxnSpLocks/>
+              </p:cNvCxnSpPr>
+              <p:nvPr/>
+            </p:nvCxnSpPr>
+            <p:spPr>
+              <a:xfrm>
+                <a:off x="4779818" y="1741516"/>
+                <a:ext cx="0" cy="1687484"/>
+              </a:xfrm>
+              <a:prstGeom prst="line">
+                <a:avLst/>
+              </a:prstGeom>
+            </p:spPr>
+            <p:style>
+              <a:lnRef idx="3">
+                <a:schemeClr val="dk1"/>
+              </a:lnRef>
+              <a:fillRef idx="0">
+                <a:schemeClr val="dk1"/>
+              </a:fillRef>
+              <a:effectRef idx="2">
+                <a:schemeClr val="dk1"/>
+              </a:effectRef>
+              <a:fontRef idx="minor">
+                <a:schemeClr val="tx1"/>
+              </a:fontRef>
+            </p:style>
+          </p:cxnSp>
+        </p:grpSp>
+      </p:grpSp>
+      <p:sp>
+        <p:nvSpPr>
+          <p:cNvPr id="80" name="CaixaDeTexto 79">
+            <a:extLst>
+              <a:ext uri="{FF2B5EF4-FFF2-40B4-BE49-F238E27FC236}">
+                <a16:creationId xmlns:a16="http://schemas.microsoft.com/office/drawing/2014/main" id="{0F702B65-DB79-4357-9FAE-15097D935860}"/>
+              </a:ext>
+            </a:extLst>
+          </p:cNvPr>
+          <p:cNvSpPr txBox="1"/>
+          <p:nvPr/>
+        </p:nvSpPr>
+        <p:spPr>
+          <a:xfrm>
+            <a:off x="2568387" y="2328301"/>
+            <a:ext cx="767261" cy="338554"/>
+          </a:xfrm>
+          <a:prstGeom prst="rect">
+            <a:avLst/>
+          </a:prstGeom>
+          <a:noFill/>
+        </p:spPr>
+        <p:txBody>
+          <a:bodyPr wrap="none" rtlCol="0">
+            <a:spAutoFit/>
+          </a:bodyPr>
+          <a:lstStyle/>
+          <a:p>
+            <a:r>
+              <a:rPr lang="pt-BR" sz="1600" dirty="0"/>
+              <a:t>Perfil 1</a:t>
+            </a:r>
+          </a:p>
+        </p:txBody>
+      </p:sp>
+      <p:sp>
+        <p:nvSpPr>
+          <p:cNvPr id="81" name="CaixaDeTexto 80">
+            <a:extLst>
+              <a:ext uri="{FF2B5EF4-FFF2-40B4-BE49-F238E27FC236}">
+                <a16:creationId xmlns:a16="http://schemas.microsoft.com/office/drawing/2014/main" id="{51D444D4-7CF9-416D-A443-F8014FB8B330}"/>
+              </a:ext>
+            </a:extLst>
+          </p:cNvPr>
+          <p:cNvSpPr txBox="1"/>
+          <p:nvPr/>
+        </p:nvSpPr>
+        <p:spPr>
+          <a:xfrm>
+            <a:off x="2568387" y="4521624"/>
+            <a:ext cx="767261" cy="338554"/>
+          </a:xfrm>
+          <a:prstGeom prst="rect">
+            <a:avLst/>
+          </a:prstGeom>
+          <a:noFill/>
+        </p:spPr>
+        <p:txBody>
+          <a:bodyPr wrap="none" rtlCol="0">
+            <a:spAutoFit/>
+          </a:bodyPr>
+          <a:lstStyle/>
+          <a:p>
+            <a:r>
+              <a:rPr lang="pt-BR" sz="1600" dirty="0"/>
+              <a:t>Perfil 2</a:t>
+            </a:r>
+          </a:p>
+        </p:txBody>
+      </p:sp>
+      <p:sp>
+        <p:nvSpPr>
+          <p:cNvPr id="82" name="Retângulo 81">
+            <a:extLst>
+              <a:ext uri="{FF2B5EF4-FFF2-40B4-BE49-F238E27FC236}">
+                <a16:creationId xmlns:a16="http://schemas.microsoft.com/office/drawing/2014/main" id="{B395DDD7-DB47-4750-AB95-E7941ED28549}"/>
+              </a:ext>
+            </a:extLst>
+          </p:cNvPr>
+          <p:cNvSpPr/>
+          <p:nvPr/>
+        </p:nvSpPr>
+        <p:spPr>
+          <a:xfrm>
+            <a:off x="3292064" y="2716706"/>
+            <a:ext cx="429627" cy="432954"/>
+          </a:xfrm>
+          <a:prstGeom prst="rect">
+            <a:avLst/>
+          </a:prstGeom>
+        </p:spPr>
+        <p:style>
+          <a:lnRef idx="2">
+            <a:schemeClr val="accent1">
+              <a:shade val="50000"/>
+            </a:schemeClr>
+          </a:lnRef>
+          <a:fillRef idx="1">
+            <a:schemeClr val="accent1"/>
+          </a:fillRef>
+          <a:effectRef idx="0">
+            <a:schemeClr val="accent1"/>
+          </a:effectRef>
+          <a:fontRef idx="minor">
+            <a:schemeClr val="lt1"/>
+          </a:fontRef>
+        </p:style>
+        <p:txBody>
+          <a:bodyPr rtlCol="0" anchor="ctr"/>
+          <a:lstStyle/>
+          <a:p>
+            <a:pPr algn="ctr"/>
+            <a:endParaRPr lang="pt-BR"/>
+          </a:p>
+        </p:txBody>
+      </p:sp>
+      <p:sp>
+        <p:nvSpPr>
+          <p:cNvPr id="83" name="Retângulo 82">
+            <a:extLst>
+              <a:ext uri="{FF2B5EF4-FFF2-40B4-BE49-F238E27FC236}">
+                <a16:creationId xmlns:a16="http://schemas.microsoft.com/office/drawing/2014/main" id="{369E2B58-4E68-4A6E-BFFF-C90C94F12857}"/>
+              </a:ext>
+            </a:extLst>
+          </p:cNvPr>
+          <p:cNvSpPr/>
+          <p:nvPr/>
+        </p:nvSpPr>
+        <p:spPr>
+          <a:xfrm>
+            <a:off x="2730210" y="2709252"/>
+            <a:ext cx="429627" cy="432954"/>
+          </a:xfrm>
+          <a:prstGeom prst="rect">
+            <a:avLst/>
+          </a:prstGeom>
+        </p:spPr>
+        <p:style>
+          <a:lnRef idx="2">
+            <a:schemeClr val="accent1">
+              <a:shade val="50000"/>
+            </a:schemeClr>
+          </a:lnRef>
+          <a:fillRef idx="1">
+            <a:schemeClr val="accent1"/>
+          </a:fillRef>
+          <a:effectRef idx="0">
+            <a:schemeClr val="accent1"/>
+          </a:effectRef>
+          <a:fontRef idx="minor">
+            <a:schemeClr val="lt1"/>
+          </a:fontRef>
+        </p:style>
+        <p:txBody>
+          <a:bodyPr rtlCol="0" anchor="ctr"/>
+          <a:lstStyle/>
+          <a:p>
+            <a:pPr algn="ctr"/>
+            <a:endParaRPr lang="pt-BR"/>
+          </a:p>
+        </p:txBody>
+      </p:sp>
+      <p:sp>
+        <p:nvSpPr>
+          <p:cNvPr id="84" name="Retângulo 83">
+            <a:extLst>
+              <a:ext uri="{FF2B5EF4-FFF2-40B4-BE49-F238E27FC236}">
+                <a16:creationId xmlns:a16="http://schemas.microsoft.com/office/drawing/2014/main" id="{A3B0113C-622F-4CCF-B632-AD88280A5ECB}"/>
+              </a:ext>
+            </a:extLst>
+          </p:cNvPr>
+          <p:cNvSpPr/>
+          <p:nvPr/>
+        </p:nvSpPr>
+        <p:spPr>
+          <a:xfrm>
+            <a:off x="3853919" y="2720798"/>
+            <a:ext cx="429627" cy="432954"/>
+          </a:xfrm>
+          <a:prstGeom prst="rect">
+            <a:avLst/>
+          </a:prstGeom>
+        </p:spPr>
+        <p:style>
+          <a:lnRef idx="2">
+            <a:schemeClr val="accent1">
+              <a:shade val="50000"/>
+            </a:schemeClr>
+          </a:lnRef>
+          <a:fillRef idx="1">
+            <a:schemeClr val="accent1"/>
+          </a:fillRef>
+          <a:effectRef idx="0">
+            <a:schemeClr val="accent1"/>
+          </a:effectRef>
+          <a:fontRef idx="minor">
+            <a:schemeClr val="lt1"/>
+          </a:fontRef>
+        </p:style>
+        <p:txBody>
+          <a:bodyPr rtlCol="0" anchor="ctr"/>
+          <a:lstStyle/>
+          <a:p>
+            <a:pPr algn="ctr"/>
+            <a:endParaRPr lang="pt-BR"/>
+          </a:p>
+        </p:txBody>
+      </p:sp>
+      <p:sp>
+        <p:nvSpPr>
+          <p:cNvPr id="85" name="Retângulo 84">
+            <a:extLst>
+              <a:ext uri="{FF2B5EF4-FFF2-40B4-BE49-F238E27FC236}">
+                <a16:creationId xmlns:a16="http://schemas.microsoft.com/office/drawing/2014/main" id="{3988B4AE-3569-4E99-AB89-991908DF4637}"/>
+              </a:ext>
+            </a:extLst>
+          </p:cNvPr>
+          <p:cNvSpPr/>
+          <p:nvPr/>
+        </p:nvSpPr>
+        <p:spPr>
+          <a:xfrm>
+            <a:off x="3286522" y="3268116"/>
+            <a:ext cx="429627" cy="432954"/>
+          </a:xfrm>
+          <a:prstGeom prst="rect">
+            <a:avLst/>
+          </a:prstGeom>
+        </p:spPr>
+        <p:style>
+          <a:lnRef idx="2">
+            <a:schemeClr val="accent1">
+              <a:shade val="50000"/>
+            </a:schemeClr>
+          </a:lnRef>
+          <a:fillRef idx="1">
+            <a:schemeClr val="accent1"/>
+          </a:fillRef>
+          <a:effectRef idx="0">
+            <a:schemeClr val="accent1"/>
+          </a:effectRef>
+          <a:fontRef idx="minor">
+            <a:schemeClr val="lt1"/>
+          </a:fontRef>
+        </p:style>
+        <p:txBody>
+          <a:bodyPr rtlCol="0" anchor="ctr"/>
+          <a:lstStyle/>
+          <a:p>
+            <a:pPr algn="ctr"/>
+            <a:endParaRPr lang="pt-BR"/>
+          </a:p>
+        </p:txBody>
+      </p:sp>
+      <p:sp>
+        <p:nvSpPr>
+          <p:cNvPr id="86" name="Retângulo 85">
+            <a:extLst>
+              <a:ext uri="{FF2B5EF4-FFF2-40B4-BE49-F238E27FC236}">
+                <a16:creationId xmlns:a16="http://schemas.microsoft.com/office/drawing/2014/main" id="{05FB47E1-54FE-4168-910A-7981A19A883F}"/>
+              </a:ext>
+            </a:extLst>
+          </p:cNvPr>
+          <p:cNvSpPr/>
+          <p:nvPr/>
+        </p:nvSpPr>
+        <p:spPr>
+          <a:xfrm>
+            <a:off x="2724668" y="3260662"/>
+            <a:ext cx="429627" cy="432954"/>
+          </a:xfrm>
+          <a:prstGeom prst="rect">
+            <a:avLst/>
+          </a:prstGeom>
+        </p:spPr>
+        <p:style>
+          <a:lnRef idx="2">
+            <a:schemeClr val="accent1">
+              <a:shade val="50000"/>
+            </a:schemeClr>
+          </a:lnRef>
+          <a:fillRef idx="1">
+            <a:schemeClr val="accent1"/>
+          </a:fillRef>
+          <a:effectRef idx="0">
+            <a:schemeClr val="accent1"/>
+          </a:effectRef>
+          <a:fontRef idx="minor">
+            <a:schemeClr val="lt1"/>
+          </a:fontRef>
+        </p:style>
+        <p:txBody>
+          <a:bodyPr rtlCol="0" anchor="ctr"/>
+          <a:lstStyle/>
+          <a:p>
+            <a:pPr algn="ctr"/>
+            <a:endParaRPr lang="pt-BR"/>
+          </a:p>
+        </p:txBody>
+      </p:sp>
+      <p:sp>
+        <p:nvSpPr>
+          <p:cNvPr id="87" name="Retângulo 86">
+            <a:extLst>
+              <a:ext uri="{FF2B5EF4-FFF2-40B4-BE49-F238E27FC236}">
+                <a16:creationId xmlns:a16="http://schemas.microsoft.com/office/drawing/2014/main" id="{C3403A24-5253-4E2A-A568-1124BCC9BE16}"/>
+              </a:ext>
+            </a:extLst>
+          </p:cNvPr>
+          <p:cNvSpPr/>
+          <p:nvPr/>
+        </p:nvSpPr>
+        <p:spPr>
+          <a:xfrm>
+            <a:off x="3848377" y="3272208"/>
+            <a:ext cx="429627" cy="432954"/>
+          </a:xfrm>
+          <a:prstGeom prst="rect">
+            <a:avLst/>
+          </a:prstGeom>
+        </p:spPr>
+        <p:style>
+          <a:lnRef idx="2">
+            <a:schemeClr val="accent1">
+              <a:shade val="50000"/>
+            </a:schemeClr>
+          </a:lnRef>
+          <a:fillRef idx="1">
+            <a:schemeClr val="accent1"/>
+          </a:fillRef>
+          <a:effectRef idx="0">
+            <a:schemeClr val="accent1"/>
+          </a:effectRef>
+          <a:fontRef idx="minor">
+            <a:schemeClr val="lt1"/>
+          </a:fontRef>
+        </p:style>
+        <p:txBody>
+          <a:bodyPr rtlCol="0" anchor="ctr"/>
+          <a:lstStyle/>
+          <a:p>
+            <a:pPr algn="ctr"/>
+            <a:endParaRPr lang="pt-BR"/>
+          </a:p>
+        </p:txBody>
+      </p:sp>
+      <p:sp>
+        <p:nvSpPr>
+          <p:cNvPr id="88" name="Retângulo 87">
+            <a:extLst>
+              <a:ext uri="{FF2B5EF4-FFF2-40B4-BE49-F238E27FC236}">
+                <a16:creationId xmlns:a16="http://schemas.microsoft.com/office/drawing/2014/main" id="{E4656738-EC6F-4CBA-832F-3C5C59C1824F}"/>
+              </a:ext>
+            </a:extLst>
+          </p:cNvPr>
+          <p:cNvSpPr/>
+          <p:nvPr/>
+        </p:nvSpPr>
+        <p:spPr>
+          <a:xfrm>
+            <a:off x="3286520" y="3825072"/>
+            <a:ext cx="429627" cy="432954"/>
+          </a:xfrm>
+          <a:prstGeom prst="rect">
+            <a:avLst/>
+          </a:prstGeom>
+        </p:spPr>
+        <p:style>
+          <a:lnRef idx="2">
+            <a:schemeClr val="accent1">
+              <a:shade val="50000"/>
+            </a:schemeClr>
+          </a:lnRef>
+          <a:fillRef idx="1">
+            <a:schemeClr val="accent1"/>
+          </a:fillRef>
+          <a:effectRef idx="0">
+            <a:schemeClr val="accent1"/>
+          </a:effectRef>
+          <a:fontRef idx="minor">
+            <a:schemeClr val="lt1"/>
+          </a:fontRef>
+        </p:style>
+        <p:txBody>
+          <a:bodyPr rtlCol="0" anchor="ctr"/>
+          <a:lstStyle/>
+          <a:p>
+            <a:pPr algn="ctr"/>
+            <a:endParaRPr lang="pt-BR"/>
+          </a:p>
+        </p:txBody>
+      </p:sp>
+      <p:sp>
+        <p:nvSpPr>
+          <p:cNvPr id="89" name="Retângulo 88">
+            <a:extLst>
+              <a:ext uri="{FF2B5EF4-FFF2-40B4-BE49-F238E27FC236}">
+                <a16:creationId xmlns:a16="http://schemas.microsoft.com/office/drawing/2014/main" id="{22EB05B1-5E0A-41AA-8BBD-D767096DD4B5}"/>
+              </a:ext>
+            </a:extLst>
+          </p:cNvPr>
+          <p:cNvSpPr/>
+          <p:nvPr/>
+        </p:nvSpPr>
+        <p:spPr>
+          <a:xfrm>
+            <a:off x="2724666" y="3817618"/>
+            <a:ext cx="429627" cy="432954"/>
+          </a:xfrm>
+          <a:prstGeom prst="rect">
+            <a:avLst/>
+          </a:prstGeom>
+        </p:spPr>
+        <p:style>
+          <a:lnRef idx="2">
+            <a:schemeClr val="accent1">
+              <a:shade val="50000"/>
+            </a:schemeClr>
+          </a:lnRef>
+          <a:fillRef idx="1">
+            <a:schemeClr val="accent1"/>
+          </a:fillRef>
+          <a:effectRef idx="0">
+            <a:schemeClr val="accent1"/>
+          </a:effectRef>
+          <a:fontRef idx="minor">
+            <a:schemeClr val="lt1"/>
+          </a:fontRef>
+        </p:style>
+        <p:txBody>
+          <a:bodyPr rtlCol="0" anchor="ctr"/>
+          <a:lstStyle/>
+          <a:p>
+            <a:pPr algn="ctr"/>
+            <a:endParaRPr lang="pt-BR"/>
+          </a:p>
+        </p:txBody>
+      </p:sp>
+      <p:sp>
+        <p:nvSpPr>
+          <p:cNvPr id="90" name="Retângulo 89">
+            <a:extLst>
+              <a:ext uri="{FF2B5EF4-FFF2-40B4-BE49-F238E27FC236}">
+                <a16:creationId xmlns:a16="http://schemas.microsoft.com/office/drawing/2014/main" id="{47A7D248-DFE3-4C71-B9BA-6EE1A75EF8B2}"/>
+              </a:ext>
+            </a:extLst>
+          </p:cNvPr>
+          <p:cNvSpPr/>
+          <p:nvPr/>
+        </p:nvSpPr>
+        <p:spPr>
+          <a:xfrm>
+            <a:off x="3848375" y="3829164"/>
+            <a:ext cx="429627" cy="432954"/>
+          </a:xfrm>
+          <a:prstGeom prst="rect">
+            <a:avLst/>
+          </a:prstGeom>
+        </p:spPr>
+        <p:style>
+          <a:lnRef idx="2">
+            <a:schemeClr val="accent1">
+              <a:shade val="50000"/>
+            </a:schemeClr>
+          </a:lnRef>
+          <a:fillRef idx="1">
+            <a:schemeClr val="accent1"/>
+          </a:fillRef>
+          <a:effectRef idx="0">
+            <a:schemeClr val="accent1"/>
+          </a:effectRef>
+          <a:fontRef idx="minor">
+            <a:schemeClr val="lt1"/>
+          </a:fontRef>
+        </p:style>
+        <p:txBody>
+          <a:bodyPr rtlCol="0" anchor="ctr"/>
+          <a:lstStyle/>
+          <a:p>
+            <a:pPr algn="ctr"/>
+            <a:endParaRPr lang="pt-BR"/>
+          </a:p>
+        </p:txBody>
+      </p:sp>
+      <p:grpSp>
+        <p:nvGrpSpPr>
+          <p:cNvPr id="91" name="Agrupar 90">
+            <a:extLst>
+              <a:ext uri="{FF2B5EF4-FFF2-40B4-BE49-F238E27FC236}">
+                <a16:creationId xmlns:a16="http://schemas.microsoft.com/office/drawing/2014/main" id="{E265BB3A-D51F-479B-81BC-00C33D7B6BBA}"/>
+              </a:ext>
+            </a:extLst>
+          </p:cNvPr>
+          <p:cNvGrpSpPr/>
+          <p:nvPr/>
+        </p:nvGrpSpPr>
+        <p:grpSpPr>
+          <a:xfrm>
+            <a:off x="2644935" y="4820520"/>
+            <a:ext cx="1695553" cy="1687484"/>
+            <a:chOff x="366004" y="1629294"/>
+            <a:chExt cx="1695553" cy="1687484"/>
+          </a:xfrm>
+        </p:grpSpPr>
+        <p:grpSp>
+          <p:nvGrpSpPr>
+            <p:cNvPr id="92" name="Agrupar 91">
+              <a:extLst>
+                <a:ext uri="{FF2B5EF4-FFF2-40B4-BE49-F238E27FC236}">
+                  <a16:creationId xmlns:a16="http://schemas.microsoft.com/office/drawing/2014/main" id="{08CA8CAF-0A2F-4AEE-881A-4B4FC429414C}"/>
+                </a:ext>
+              </a:extLst>
+            </p:cNvPr>
+            <p:cNvGrpSpPr/>
+            <p:nvPr/>
+          </p:nvGrpSpPr>
+          <p:grpSpPr>
+            <a:xfrm>
+              <a:off x="374073" y="1629294"/>
+              <a:ext cx="1687484" cy="1687484"/>
+              <a:chOff x="374072" y="1629294"/>
+              <a:chExt cx="1867593" cy="1687484"/>
+            </a:xfrm>
+          </p:grpSpPr>
+          <p:cxnSp>
+            <p:nvCxnSpPr>
+              <p:cNvPr id="98" name="Conector reto 97">
+                <a:extLst>
+                  <a:ext uri="{FF2B5EF4-FFF2-40B4-BE49-F238E27FC236}">
+                    <a16:creationId xmlns:a16="http://schemas.microsoft.com/office/drawing/2014/main" id="{DF8AFA80-D708-4E98-A36A-6063B2D1DA44}"/>
+                  </a:ext>
+                </a:extLst>
+              </p:cNvPr>
+              <p:cNvCxnSpPr>
+                <a:cxnSpLocks/>
+              </p:cNvCxnSpPr>
+              <p:nvPr/>
+            </p:nvCxnSpPr>
+            <p:spPr>
+              <a:xfrm>
+                <a:off x="996603" y="1629294"/>
+                <a:ext cx="0" cy="1687484"/>
+              </a:xfrm>
+              <a:prstGeom prst="line">
+                <a:avLst/>
+              </a:prstGeom>
+            </p:spPr>
+            <p:style>
+              <a:lnRef idx="3">
+                <a:schemeClr val="dk1"/>
+              </a:lnRef>
+              <a:fillRef idx="0">
+                <a:schemeClr val="dk1"/>
+              </a:fillRef>
+              <a:effectRef idx="2">
+                <a:schemeClr val="dk1"/>
+              </a:effectRef>
+              <a:fontRef idx="minor">
+                <a:schemeClr val="tx1"/>
+              </a:fontRef>
+            </p:style>
+          </p:cxnSp>
+          <p:cxnSp>
+            <p:nvCxnSpPr>
+              <p:cNvPr id="99" name="Conector reto 98">
+                <a:extLst>
+                  <a:ext uri="{FF2B5EF4-FFF2-40B4-BE49-F238E27FC236}">
+                    <a16:creationId xmlns:a16="http://schemas.microsoft.com/office/drawing/2014/main" id="{222A1262-6815-460A-AC08-62CBD0E7A87A}"/>
+                  </a:ext>
+                </a:extLst>
+              </p:cNvPr>
+              <p:cNvCxnSpPr>
+                <a:cxnSpLocks/>
+              </p:cNvCxnSpPr>
+              <p:nvPr/>
+            </p:nvCxnSpPr>
+            <p:spPr>
+              <a:xfrm>
+                <a:off x="1619134" y="1629294"/>
+                <a:ext cx="0" cy="1687484"/>
+              </a:xfrm>
+              <a:prstGeom prst="line">
+                <a:avLst/>
+              </a:prstGeom>
+            </p:spPr>
+            <p:style>
+              <a:lnRef idx="3">
+                <a:schemeClr val="dk1"/>
+              </a:lnRef>
+              <a:fillRef idx="0">
+                <a:schemeClr val="dk1"/>
+              </a:fillRef>
+              <a:effectRef idx="2">
+                <a:schemeClr val="dk1"/>
+              </a:effectRef>
+              <a:fontRef idx="minor">
+                <a:schemeClr val="tx1"/>
+              </a:fontRef>
+            </p:style>
+          </p:cxnSp>
+          <p:cxnSp>
+            <p:nvCxnSpPr>
+              <p:cNvPr id="100" name="Conector reto 99">
+                <a:extLst>
+                  <a:ext uri="{FF2B5EF4-FFF2-40B4-BE49-F238E27FC236}">
+                    <a16:creationId xmlns:a16="http://schemas.microsoft.com/office/drawing/2014/main" id="{60AA1107-47D5-4DD8-94CD-71CB44615FCB}"/>
+                  </a:ext>
+                </a:extLst>
+              </p:cNvPr>
+              <p:cNvCxnSpPr>
+                <a:cxnSpLocks/>
+              </p:cNvCxnSpPr>
+              <p:nvPr/>
+            </p:nvCxnSpPr>
+            <p:spPr>
+              <a:xfrm>
+                <a:off x="374072" y="1629294"/>
+                <a:ext cx="0" cy="1687484"/>
+              </a:xfrm>
+              <a:prstGeom prst="line">
+                <a:avLst/>
+              </a:prstGeom>
+            </p:spPr>
+            <p:style>
+              <a:lnRef idx="3">
+                <a:schemeClr val="dk1"/>
+              </a:lnRef>
+              <a:fillRef idx="0">
+                <a:schemeClr val="dk1"/>
+              </a:fillRef>
+              <a:effectRef idx="2">
+                <a:schemeClr val="dk1"/>
+              </a:effectRef>
+              <a:fontRef idx="minor">
+                <a:schemeClr val="tx1"/>
+              </a:fontRef>
+            </p:style>
+          </p:cxnSp>
+          <p:cxnSp>
+            <p:nvCxnSpPr>
+              <p:cNvPr id="101" name="Conector reto 100">
+                <a:extLst>
+                  <a:ext uri="{FF2B5EF4-FFF2-40B4-BE49-F238E27FC236}">
+                    <a16:creationId xmlns:a16="http://schemas.microsoft.com/office/drawing/2014/main" id="{57B8CD11-956F-4AB6-AAAC-57E49FB5C4F3}"/>
+                  </a:ext>
+                </a:extLst>
+              </p:cNvPr>
+              <p:cNvCxnSpPr>
+                <a:cxnSpLocks/>
+              </p:cNvCxnSpPr>
+              <p:nvPr/>
+            </p:nvCxnSpPr>
+            <p:spPr>
+              <a:xfrm>
+                <a:off x="2241665" y="1629294"/>
+                <a:ext cx="0" cy="1687484"/>
+              </a:xfrm>
+              <a:prstGeom prst="line">
+                <a:avLst/>
+              </a:prstGeom>
+            </p:spPr>
+            <p:style>
+              <a:lnRef idx="3">
+                <a:schemeClr val="dk1"/>
+              </a:lnRef>
+              <a:fillRef idx="0">
+                <a:schemeClr val="dk1"/>
+              </a:fillRef>
+              <a:effectRef idx="2">
+                <a:schemeClr val="dk1"/>
+              </a:effectRef>
+              <a:fontRef idx="minor">
+                <a:schemeClr val="tx1"/>
+              </a:fontRef>
+            </p:style>
+          </p:cxnSp>
+        </p:grpSp>
+        <p:grpSp>
+          <p:nvGrpSpPr>
+            <p:cNvPr id="93" name="Agrupar 92">
+              <a:extLst>
+                <a:ext uri="{FF2B5EF4-FFF2-40B4-BE49-F238E27FC236}">
+                  <a16:creationId xmlns:a16="http://schemas.microsoft.com/office/drawing/2014/main" id="{1D6545EB-14CB-44A3-B7E3-04200FD717E2}"/>
+                </a:ext>
+              </a:extLst>
+            </p:cNvPr>
+            <p:cNvGrpSpPr/>
+            <p:nvPr/>
+          </p:nvGrpSpPr>
+          <p:grpSpPr>
+            <a:xfrm rot="5400000">
+              <a:off x="366004" y="1629295"/>
+              <a:ext cx="1687483" cy="1687484"/>
+              <a:chOff x="2912225" y="1741516"/>
+              <a:chExt cx="1867593" cy="1687484"/>
+            </a:xfrm>
+          </p:grpSpPr>
+          <p:cxnSp>
+            <p:nvCxnSpPr>
+              <p:cNvPr id="94" name="Conector reto 93">
+                <a:extLst>
+                  <a:ext uri="{FF2B5EF4-FFF2-40B4-BE49-F238E27FC236}">
+                    <a16:creationId xmlns:a16="http://schemas.microsoft.com/office/drawing/2014/main" id="{D7D7A9F4-BAB6-4DF3-B76F-F01C55588566}"/>
+                  </a:ext>
+                </a:extLst>
+              </p:cNvPr>
+              <p:cNvCxnSpPr>
+                <a:cxnSpLocks/>
+              </p:cNvCxnSpPr>
+              <p:nvPr/>
+            </p:nvCxnSpPr>
+            <p:spPr>
+              <a:xfrm>
+                <a:off x="3534756" y="1741516"/>
+                <a:ext cx="0" cy="1687484"/>
+              </a:xfrm>
+              <a:prstGeom prst="line">
+                <a:avLst/>
+              </a:prstGeom>
+            </p:spPr>
+            <p:style>
+              <a:lnRef idx="3">
+                <a:schemeClr val="dk1"/>
+              </a:lnRef>
+              <a:fillRef idx="0">
+                <a:schemeClr val="dk1"/>
+              </a:fillRef>
+              <a:effectRef idx="2">
+                <a:schemeClr val="dk1"/>
+              </a:effectRef>
+              <a:fontRef idx="minor">
+                <a:schemeClr val="tx1"/>
+              </a:fontRef>
+            </p:style>
+          </p:cxnSp>
+          <p:cxnSp>
+            <p:nvCxnSpPr>
+              <p:cNvPr id="95" name="Conector reto 94">
+                <a:extLst>
+                  <a:ext uri="{FF2B5EF4-FFF2-40B4-BE49-F238E27FC236}">
+                    <a16:creationId xmlns:a16="http://schemas.microsoft.com/office/drawing/2014/main" id="{C50799B4-8BD2-4E33-8894-63D359362368}"/>
+                  </a:ext>
+                </a:extLst>
+              </p:cNvPr>
+              <p:cNvCxnSpPr>
+                <a:cxnSpLocks/>
+              </p:cNvCxnSpPr>
+              <p:nvPr/>
+            </p:nvCxnSpPr>
+            <p:spPr>
+              <a:xfrm>
+                <a:off x="4157287" y="1741516"/>
+                <a:ext cx="0" cy="1687484"/>
+              </a:xfrm>
+              <a:prstGeom prst="line">
+                <a:avLst/>
+              </a:prstGeom>
+            </p:spPr>
+            <p:style>
+              <a:lnRef idx="3">
+                <a:schemeClr val="dk1"/>
+              </a:lnRef>
+              <a:fillRef idx="0">
+                <a:schemeClr val="dk1"/>
+              </a:fillRef>
+              <a:effectRef idx="2">
+                <a:schemeClr val="dk1"/>
+              </a:effectRef>
+              <a:fontRef idx="minor">
+                <a:schemeClr val="tx1"/>
+              </a:fontRef>
+            </p:style>
+          </p:cxnSp>
+          <p:cxnSp>
+            <p:nvCxnSpPr>
+              <p:cNvPr id="96" name="Conector reto 95">
+                <a:extLst>
+                  <a:ext uri="{FF2B5EF4-FFF2-40B4-BE49-F238E27FC236}">
+                    <a16:creationId xmlns:a16="http://schemas.microsoft.com/office/drawing/2014/main" id="{59874339-EBA5-4CF9-8390-AEDDA525BC75}"/>
+                  </a:ext>
+                </a:extLst>
+              </p:cNvPr>
+              <p:cNvCxnSpPr>
+                <a:cxnSpLocks/>
+              </p:cNvCxnSpPr>
+              <p:nvPr/>
+            </p:nvCxnSpPr>
+            <p:spPr>
+              <a:xfrm>
+                <a:off x="2912225" y="1741516"/>
+                <a:ext cx="0" cy="1687484"/>
+              </a:xfrm>
+              <a:prstGeom prst="line">
+                <a:avLst/>
+              </a:prstGeom>
+            </p:spPr>
+            <p:style>
+              <a:lnRef idx="3">
+                <a:schemeClr val="dk1"/>
+              </a:lnRef>
+              <a:fillRef idx="0">
+                <a:schemeClr val="dk1"/>
+              </a:fillRef>
+              <a:effectRef idx="2">
+                <a:schemeClr val="dk1"/>
+              </a:effectRef>
+              <a:fontRef idx="minor">
+                <a:schemeClr val="tx1"/>
+              </a:fontRef>
+            </p:style>
+          </p:cxnSp>
+          <p:cxnSp>
+            <p:nvCxnSpPr>
+              <p:cNvPr id="97" name="Conector reto 96">
+                <a:extLst>
+                  <a:ext uri="{FF2B5EF4-FFF2-40B4-BE49-F238E27FC236}">
+                    <a16:creationId xmlns:a16="http://schemas.microsoft.com/office/drawing/2014/main" id="{29118631-62B3-4C90-893B-62DA22ADA42E}"/>
+                  </a:ext>
+                </a:extLst>
+              </p:cNvPr>
+              <p:cNvCxnSpPr>
+                <a:cxnSpLocks/>
+              </p:cNvCxnSpPr>
+              <p:nvPr/>
+            </p:nvCxnSpPr>
+            <p:spPr>
+              <a:xfrm>
+                <a:off x="4779818" y="1741516"/>
+                <a:ext cx="0" cy="1687484"/>
+              </a:xfrm>
+              <a:prstGeom prst="line">
+                <a:avLst/>
+              </a:prstGeom>
+            </p:spPr>
+            <p:style>
+              <a:lnRef idx="3">
+                <a:schemeClr val="dk1"/>
+              </a:lnRef>
+              <a:fillRef idx="0">
+                <a:schemeClr val="dk1"/>
+              </a:fillRef>
+              <a:effectRef idx="2">
+                <a:schemeClr val="dk1"/>
+              </a:effectRef>
+              <a:fontRef idx="minor">
+                <a:schemeClr val="tx1"/>
+              </a:fontRef>
+            </p:style>
+          </p:cxnSp>
+        </p:grpSp>
+      </p:grpSp>
+      <p:sp>
+        <p:nvSpPr>
+          <p:cNvPr id="102" name="Retângulo 101">
+            <a:extLst>
+              <a:ext uri="{FF2B5EF4-FFF2-40B4-BE49-F238E27FC236}">
+                <a16:creationId xmlns:a16="http://schemas.microsoft.com/office/drawing/2014/main" id="{4BF7AD03-D3BA-40C3-94D5-CD708E5994AE}"/>
+              </a:ext>
+            </a:extLst>
+          </p:cNvPr>
+          <p:cNvSpPr/>
+          <p:nvPr/>
+        </p:nvSpPr>
+        <p:spPr>
+          <a:xfrm>
+            <a:off x="3283995" y="4900210"/>
+            <a:ext cx="429627" cy="432954"/>
+          </a:xfrm>
+          <a:prstGeom prst="rect">
+            <a:avLst/>
+          </a:prstGeom>
+          <a:solidFill>
+            <a:schemeClr val="accent2">
+              <a:lumMod val="75000"/>
+            </a:schemeClr>
+          </a:solidFill>
+          <a:ln>
+            <a:solidFill>
+              <a:schemeClr val="accent2">
+                <a:lumMod val="75000"/>
+              </a:schemeClr>
+            </a:solidFill>
+          </a:ln>
+        </p:spPr>
+        <p:style>
+          <a:lnRef idx="2">
+            <a:schemeClr val="accent1">
+              <a:shade val="50000"/>
+            </a:schemeClr>
+          </a:lnRef>
+          <a:fillRef idx="1">
+            <a:schemeClr val="accent1"/>
+          </a:fillRef>
+          <a:effectRef idx="0">
+            <a:schemeClr val="accent1"/>
+          </a:effectRef>
+          <a:fontRef idx="minor">
+            <a:schemeClr val="lt1"/>
+          </a:fontRef>
+        </p:style>
+        <p:txBody>
+          <a:bodyPr rtlCol="0" anchor="ctr"/>
+          <a:lstStyle/>
+          <a:p>
+            <a:pPr algn="ctr"/>
+            <a:endParaRPr lang="pt-BR"/>
+          </a:p>
+        </p:txBody>
+      </p:sp>
+      <p:sp>
+        <p:nvSpPr>
+          <p:cNvPr id="103" name="Retângulo 102">
+            <a:extLst>
+              <a:ext uri="{FF2B5EF4-FFF2-40B4-BE49-F238E27FC236}">
+                <a16:creationId xmlns:a16="http://schemas.microsoft.com/office/drawing/2014/main" id="{29D4904B-C481-4420-AE15-E699CCC7BC9E}"/>
+              </a:ext>
+            </a:extLst>
+          </p:cNvPr>
+          <p:cNvSpPr/>
+          <p:nvPr/>
+        </p:nvSpPr>
+        <p:spPr>
+          <a:xfrm>
+            <a:off x="2722141" y="4892756"/>
+            <a:ext cx="429627" cy="432954"/>
+          </a:xfrm>
+          <a:prstGeom prst="rect">
+            <a:avLst/>
+          </a:prstGeom>
+          <a:solidFill>
+            <a:schemeClr val="accent2">
+              <a:lumMod val="75000"/>
+            </a:schemeClr>
+          </a:solidFill>
+          <a:ln>
+            <a:solidFill>
+              <a:schemeClr val="accent2">
+                <a:lumMod val="75000"/>
+              </a:schemeClr>
+            </a:solidFill>
+          </a:ln>
+        </p:spPr>
+        <p:style>
+          <a:lnRef idx="2">
+            <a:schemeClr val="accent1">
+              <a:shade val="50000"/>
+            </a:schemeClr>
+          </a:lnRef>
+          <a:fillRef idx="1">
+            <a:schemeClr val="accent1"/>
+          </a:fillRef>
+          <a:effectRef idx="0">
+            <a:schemeClr val="accent1"/>
+          </a:effectRef>
+          <a:fontRef idx="minor">
+            <a:schemeClr val="lt1"/>
+          </a:fontRef>
+        </p:style>
+        <p:txBody>
+          <a:bodyPr rtlCol="0" anchor="ctr"/>
+          <a:lstStyle/>
+          <a:p>
+            <a:pPr algn="ctr"/>
+            <a:endParaRPr lang="pt-BR"/>
+          </a:p>
+        </p:txBody>
+      </p:sp>
+      <p:sp>
+        <p:nvSpPr>
+          <p:cNvPr id="104" name="Retângulo 103">
+            <a:extLst>
+              <a:ext uri="{FF2B5EF4-FFF2-40B4-BE49-F238E27FC236}">
+                <a16:creationId xmlns:a16="http://schemas.microsoft.com/office/drawing/2014/main" id="{2B0967FC-6947-4B77-AD0E-AC7CDB80D985}"/>
+              </a:ext>
+            </a:extLst>
+          </p:cNvPr>
+          <p:cNvSpPr/>
+          <p:nvPr/>
+        </p:nvSpPr>
+        <p:spPr>
+          <a:xfrm>
+            <a:off x="3845850" y="4904302"/>
+            <a:ext cx="429627" cy="432954"/>
+          </a:xfrm>
+          <a:prstGeom prst="rect">
+            <a:avLst/>
+          </a:prstGeom>
+          <a:solidFill>
+            <a:schemeClr val="accent2">
+              <a:lumMod val="75000"/>
+            </a:schemeClr>
+          </a:solidFill>
+          <a:ln>
+            <a:solidFill>
+              <a:schemeClr val="accent2">
+                <a:lumMod val="75000"/>
+              </a:schemeClr>
+            </a:solidFill>
+          </a:ln>
+        </p:spPr>
+        <p:style>
+          <a:lnRef idx="2">
+            <a:schemeClr val="accent1">
+              <a:shade val="50000"/>
+            </a:schemeClr>
+          </a:lnRef>
+          <a:fillRef idx="1">
+            <a:schemeClr val="accent1"/>
+          </a:fillRef>
+          <a:effectRef idx="0">
+            <a:schemeClr val="accent1"/>
+          </a:effectRef>
+          <a:fontRef idx="minor">
+            <a:schemeClr val="lt1"/>
+          </a:fontRef>
+        </p:style>
+        <p:txBody>
+          <a:bodyPr rtlCol="0" anchor="ctr"/>
+          <a:lstStyle/>
+          <a:p>
+            <a:pPr algn="ctr"/>
+            <a:endParaRPr lang="pt-BR"/>
+          </a:p>
+        </p:txBody>
+      </p:sp>
+      <p:sp>
+        <p:nvSpPr>
+          <p:cNvPr id="105" name="Retângulo 104">
+            <a:extLst>
+              <a:ext uri="{FF2B5EF4-FFF2-40B4-BE49-F238E27FC236}">
+                <a16:creationId xmlns:a16="http://schemas.microsoft.com/office/drawing/2014/main" id="{CC3F3B4E-647B-40AF-8653-D978C94B92E5}"/>
+              </a:ext>
+            </a:extLst>
+          </p:cNvPr>
+          <p:cNvSpPr/>
+          <p:nvPr/>
+        </p:nvSpPr>
+        <p:spPr>
+          <a:xfrm>
+            <a:off x="3278453" y="5451620"/>
+            <a:ext cx="429627" cy="432954"/>
+          </a:xfrm>
+          <a:prstGeom prst="rect">
+            <a:avLst/>
+          </a:prstGeom>
+          <a:solidFill>
+            <a:schemeClr val="accent2">
+              <a:lumMod val="75000"/>
+            </a:schemeClr>
+          </a:solidFill>
+          <a:ln>
+            <a:solidFill>
+              <a:schemeClr val="accent2">
+                <a:lumMod val="75000"/>
+              </a:schemeClr>
+            </a:solidFill>
+          </a:ln>
+        </p:spPr>
+        <p:style>
+          <a:lnRef idx="2">
+            <a:schemeClr val="accent1">
+              <a:shade val="50000"/>
+            </a:schemeClr>
+          </a:lnRef>
+          <a:fillRef idx="1">
+            <a:schemeClr val="accent1"/>
+          </a:fillRef>
+          <a:effectRef idx="0">
+            <a:schemeClr val="accent1"/>
+          </a:effectRef>
+          <a:fontRef idx="minor">
+            <a:schemeClr val="lt1"/>
+          </a:fontRef>
+        </p:style>
+        <p:txBody>
+          <a:bodyPr rtlCol="0" anchor="ctr"/>
+          <a:lstStyle/>
+          <a:p>
+            <a:pPr algn="ctr"/>
+            <a:endParaRPr lang="pt-BR"/>
+          </a:p>
+        </p:txBody>
+      </p:sp>
+      <p:sp>
+        <p:nvSpPr>
+          <p:cNvPr id="106" name="Retângulo 105">
+            <a:extLst>
+              <a:ext uri="{FF2B5EF4-FFF2-40B4-BE49-F238E27FC236}">
+                <a16:creationId xmlns:a16="http://schemas.microsoft.com/office/drawing/2014/main" id="{A09FAF8A-66D0-4408-93CB-81D09F48F87F}"/>
+              </a:ext>
+            </a:extLst>
+          </p:cNvPr>
+          <p:cNvSpPr/>
+          <p:nvPr/>
+        </p:nvSpPr>
+        <p:spPr>
+          <a:xfrm>
+            <a:off x="2716599" y="5444166"/>
+            <a:ext cx="429627" cy="432954"/>
+          </a:xfrm>
+          <a:prstGeom prst="rect">
+            <a:avLst/>
+          </a:prstGeom>
+          <a:solidFill>
+            <a:schemeClr val="accent2">
+              <a:lumMod val="75000"/>
+            </a:schemeClr>
+          </a:solidFill>
+          <a:ln>
+            <a:solidFill>
+              <a:schemeClr val="accent2">
+                <a:lumMod val="75000"/>
+              </a:schemeClr>
+            </a:solidFill>
+          </a:ln>
+        </p:spPr>
+        <p:style>
+          <a:lnRef idx="2">
+            <a:schemeClr val="accent1">
+              <a:shade val="50000"/>
+            </a:schemeClr>
+          </a:lnRef>
+          <a:fillRef idx="1">
+            <a:schemeClr val="accent1"/>
+          </a:fillRef>
+          <a:effectRef idx="0">
+            <a:schemeClr val="accent1"/>
+          </a:effectRef>
+          <a:fontRef idx="minor">
+            <a:schemeClr val="lt1"/>
+          </a:fontRef>
+        </p:style>
+        <p:txBody>
+          <a:bodyPr rtlCol="0" anchor="ctr"/>
+          <a:lstStyle/>
+          <a:p>
+            <a:pPr algn="ctr"/>
+            <a:endParaRPr lang="pt-BR"/>
+          </a:p>
+        </p:txBody>
+      </p:sp>
+      <p:sp>
+        <p:nvSpPr>
+          <p:cNvPr id="107" name="Retângulo 106">
+            <a:extLst>
+              <a:ext uri="{FF2B5EF4-FFF2-40B4-BE49-F238E27FC236}">
+                <a16:creationId xmlns:a16="http://schemas.microsoft.com/office/drawing/2014/main" id="{E77B7AEB-CA70-4ED9-AF98-618E50928286}"/>
+              </a:ext>
+            </a:extLst>
+          </p:cNvPr>
+          <p:cNvSpPr/>
+          <p:nvPr/>
+        </p:nvSpPr>
+        <p:spPr>
+          <a:xfrm>
+            <a:off x="3840308" y="5455712"/>
+            <a:ext cx="429627" cy="432954"/>
+          </a:xfrm>
+          <a:prstGeom prst="rect">
+            <a:avLst/>
+          </a:prstGeom>
+          <a:solidFill>
+            <a:schemeClr val="accent2">
+              <a:lumMod val="75000"/>
+            </a:schemeClr>
+          </a:solidFill>
+          <a:ln>
+            <a:solidFill>
+              <a:schemeClr val="accent2">
+                <a:lumMod val="75000"/>
+              </a:schemeClr>
+            </a:solidFill>
+          </a:ln>
+        </p:spPr>
+        <p:style>
+          <a:lnRef idx="2">
+            <a:schemeClr val="accent1">
+              <a:shade val="50000"/>
+            </a:schemeClr>
+          </a:lnRef>
+          <a:fillRef idx="1">
+            <a:schemeClr val="accent1"/>
+          </a:fillRef>
+          <a:effectRef idx="0">
+            <a:schemeClr val="accent1"/>
+          </a:effectRef>
+          <a:fontRef idx="minor">
+            <a:schemeClr val="lt1"/>
+          </a:fontRef>
+        </p:style>
+        <p:txBody>
+          <a:bodyPr rtlCol="0" anchor="ctr"/>
+          <a:lstStyle/>
+          <a:p>
+            <a:pPr algn="ctr"/>
+            <a:endParaRPr lang="pt-BR"/>
+          </a:p>
+        </p:txBody>
+      </p:sp>
+      <p:sp>
+        <p:nvSpPr>
+          <p:cNvPr id="108" name="Retângulo 107">
+            <a:extLst>
+              <a:ext uri="{FF2B5EF4-FFF2-40B4-BE49-F238E27FC236}">
+                <a16:creationId xmlns:a16="http://schemas.microsoft.com/office/drawing/2014/main" id="{8C971222-7EDC-40C1-A694-48CFF9080E81}"/>
+              </a:ext>
+            </a:extLst>
+          </p:cNvPr>
+          <p:cNvSpPr/>
+          <p:nvPr/>
+        </p:nvSpPr>
+        <p:spPr>
+          <a:xfrm>
+            <a:off x="3278451" y="6008576"/>
+            <a:ext cx="429627" cy="432954"/>
+          </a:xfrm>
+          <a:prstGeom prst="rect">
+            <a:avLst/>
+          </a:prstGeom>
+          <a:solidFill>
+            <a:schemeClr val="accent2">
+              <a:lumMod val="75000"/>
+            </a:schemeClr>
+          </a:solidFill>
+          <a:ln>
+            <a:solidFill>
+              <a:schemeClr val="accent2">
+                <a:lumMod val="75000"/>
+              </a:schemeClr>
+            </a:solidFill>
+          </a:ln>
+        </p:spPr>
+        <p:style>
+          <a:lnRef idx="2">
+            <a:schemeClr val="accent1">
+              <a:shade val="50000"/>
+            </a:schemeClr>
+          </a:lnRef>
+          <a:fillRef idx="1">
+            <a:schemeClr val="accent1"/>
+          </a:fillRef>
+          <a:effectRef idx="0">
+            <a:schemeClr val="accent1"/>
+          </a:effectRef>
+          <a:fontRef idx="minor">
+            <a:schemeClr val="lt1"/>
+          </a:fontRef>
+        </p:style>
+        <p:txBody>
+          <a:bodyPr rtlCol="0" anchor="ctr"/>
+          <a:lstStyle/>
+          <a:p>
+            <a:pPr algn="ctr"/>
+            <a:endParaRPr lang="pt-BR"/>
+          </a:p>
+        </p:txBody>
+      </p:sp>
+      <p:sp>
+        <p:nvSpPr>
+          <p:cNvPr id="109" name="Retângulo 108">
+            <a:extLst>
+              <a:ext uri="{FF2B5EF4-FFF2-40B4-BE49-F238E27FC236}">
+                <a16:creationId xmlns:a16="http://schemas.microsoft.com/office/drawing/2014/main" id="{1DB9BED7-46F4-4602-9242-A366A1534678}"/>
+              </a:ext>
+            </a:extLst>
+          </p:cNvPr>
+          <p:cNvSpPr/>
+          <p:nvPr/>
+        </p:nvSpPr>
+        <p:spPr>
+          <a:xfrm>
+            <a:off x="2716597" y="6001122"/>
+            <a:ext cx="429627" cy="432954"/>
+          </a:xfrm>
+          <a:prstGeom prst="rect">
+            <a:avLst/>
+          </a:prstGeom>
+          <a:solidFill>
+            <a:schemeClr val="accent2">
+              <a:lumMod val="75000"/>
+            </a:schemeClr>
+          </a:solidFill>
+          <a:ln>
+            <a:solidFill>
+              <a:schemeClr val="accent2">
+                <a:lumMod val="75000"/>
+              </a:schemeClr>
+            </a:solidFill>
+          </a:ln>
+        </p:spPr>
+        <p:style>
+          <a:lnRef idx="2">
+            <a:schemeClr val="accent1">
+              <a:shade val="50000"/>
+            </a:schemeClr>
+          </a:lnRef>
+          <a:fillRef idx="1">
+            <a:schemeClr val="accent1"/>
+          </a:fillRef>
+          <a:effectRef idx="0">
+            <a:schemeClr val="accent1"/>
+          </a:effectRef>
+          <a:fontRef idx="minor">
+            <a:schemeClr val="lt1"/>
+          </a:fontRef>
+        </p:style>
+        <p:txBody>
+          <a:bodyPr rtlCol="0" anchor="ctr"/>
+          <a:lstStyle/>
+          <a:p>
+            <a:pPr algn="ctr"/>
+            <a:endParaRPr lang="pt-BR"/>
+          </a:p>
+        </p:txBody>
+      </p:sp>
+      <p:sp>
+        <p:nvSpPr>
+          <p:cNvPr id="110" name="Retângulo 109">
+            <a:extLst>
+              <a:ext uri="{FF2B5EF4-FFF2-40B4-BE49-F238E27FC236}">
+                <a16:creationId xmlns:a16="http://schemas.microsoft.com/office/drawing/2014/main" id="{6533F80A-934E-4D8B-8E6B-772CA9263BA4}"/>
+              </a:ext>
+            </a:extLst>
+          </p:cNvPr>
+          <p:cNvSpPr/>
+          <p:nvPr/>
+        </p:nvSpPr>
+        <p:spPr>
+          <a:xfrm>
+            <a:off x="3840306" y="6012668"/>
+            <a:ext cx="429627" cy="432954"/>
+          </a:xfrm>
+          <a:prstGeom prst="rect">
+            <a:avLst/>
+          </a:prstGeom>
+          <a:solidFill>
+            <a:schemeClr val="accent2">
+              <a:lumMod val="75000"/>
+            </a:schemeClr>
+          </a:solidFill>
+          <a:ln>
+            <a:solidFill>
+              <a:schemeClr val="accent2">
+                <a:lumMod val="75000"/>
+              </a:schemeClr>
+            </a:solidFill>
+          </a:ln>
+        </p:spPr>
+        <p:style>
+          <a:lnRef idx="2">
+            <a:schemeClr val="accent1">
+              <a:shade val="50000"/>
+            </a:schemeClr>
+          </a:lnRef>
+          <a:fillRef idx="1">
+            <a:schemeClr val="accent1"/>
+          </a:fillRef>
+          <a:effectRef idx="0">
+            <a:schemeClr val="accent1"/>
+          </a:effectRef>
+          <a:fontRef idx="minor">
+            <a:schemeClr val="lt1"/>
+          </a:fontRef>
+        </p:style>
+        <p:txBody>
+          <a:bodyPr rtlCol="0" anchor="ctr"/>
+          <a:lstStyle/>
+          <a:p>
+            <a:pPr algn="ctr"/>
+            <a:endParaRPr lang="pt-BR"/>
+          </a:p>
+        </p:txBody>
+      </p:sp>
+      <p:sp>
+        <p:nvSpPr>
+          <p:cNvPr id="111" name="CaixaDeTexto 110">
+            <a:extLst>
+              <a:ext uri="{FF2B5EF4-FFF2-40B4-BE49-F238E27FC236}">
+                <a16:creationId xmlns:a16="http://schemas.microsoft.com/office/drawing/2014/main" id="{A8854293-80E0-429F-8274-13813F65F785}"/>
+              </a:ext>
+            </a:extLst>
+          </p:cNvPr>
+          <p:cNvSpPr txBox="1"/>
+          <p:nvPr/>
+        </p:nvSpPr>
+        <p:spPr>
+          <a:xfrm>
+            <a:off x="2382880" y="210037"/>
+            <a:ext cx="2058512" cy="646331"/>
+          </a:xfrm>
+          <a:prstGeom prst="rect">
+            <a:avLst/>
+          </a:prstGeom>
+          <a:noFill/>
+        </p:spPr>
+        <p:txBody>
+          <a:bodyPr wrap="none" rtlCol="0">
+            <a:spAutoFit/>
+          </a:bodyPr>
+          <a:lstStyle/>
+          <a:p>
+            <a:pPr algn="ctr"/>
+            <a:r>
+              <a:rPr lang="pt-BR" dirty="0"/>
+              <a:t>Caso 2 </a:t>
+            </a:r>
+          </a:p>
+          <a:p>
+            <a:pPr algn="ctr"/>
+            <a:r>
+              <a:rPr lang="pt-BR" dirty="0"/>
+              <a:t>Paralelismo por grid</a:t>
+            </a:r>
+          </a:p>
+        </p:txBody>
+      </p:sp>
+      <p:sp>
+        <p:nvSpPr>
+          <p:cNvPr id="112" name="CaixaDeTexto 111">
+            <a:extLst>
+              <a:ext uri="{FF2B5EF4-FFF2-40B4-BE49-F238E27FC236}">
+                <a16:creationId xmlns:a16="http://schemas.microsoft.com/office/drawing/2014/main" id="{6906FFBA-78D6-4A8E-9700-A4C42E49640E}"/>
+              </a:ext>
+            </a:extLst>
+          </p:cNvPr>
+          <p:cNvSpPr txBox="1"/>
+          <p:nvPr/>
+        </p:nvSpPr>
+        <p:spPr>
+          <a:xfrm>
+            <a:off x="5375596" y="1405178"/>
+            <a:ext cx="978345" cy="369332"/>
+          </a:xfrm>
+          <a:prstGeom prst="rect">
+            <a:avLst/>
+          </a:prstGeom>
+          <a:noFill/>
+        </p:spPr>
+        <p:txBody>
+          <a:bodyPr wrap="none" rtlCol="0">
+            <a:spAutoFit/>
+          </a:bodyPr>
+          <a:lstStyle/>
+          <a:p>
+            <a:r>
+              <a:rPr lang="pt-BR" dirty="0"/>
+              <a:t>1 thread</a:t>
+            </a:r>
+          </a:p>
+        </p:txBody>
+      </p:sp>
+      <p:sp>
+        <p:nvSpPr>
+          <p:cNvPr id="113" name="Retângulo 112">
+            <a:extLst>
+              <a:ext uri="{FF2B5EF4-FFF2-40B4-BE49-F238E27FC236}">
+                <a16:creationId xmlns:a16="http://schemas.microsoft.com/office/drawing/2014/main" id="{A3B94196-74AA-4DC4-8DA0-14A27CF8725B}"/>
+              </a:ext>
+            </a:extLst>
+          </p:cNvPr>
+          <p:cNvSpPr/>
+          <p:nvPr/>
+        </p:nvSpPr>
+        <p:spPr>
+          <a:xfrm>
+            <a:off x="5117901" y="1513243"/>
+            <a:ext cx="191193" cy="157941"/>
+          </a:xfrm>
+          <a:prstGeom prst="rect">
+            <a:avLst/>
+          </a:prstGeom>
+        </p:spPr>
+        <p:style>
+          <a:lnRef idx="2">
+            <a:schemeClr val="accent1">
+              <a:shade val="50000"/>
+            </a:schemeClr>
+          </a:lnRef>
+          <a:fillRef idx="1">
+            <a:schemeClr val="accent1"/>
+          </a:fillRef>
+          <a:effectRef idx="0">
+            <a:schemeClr val="accent1"/>
+          </a:effectRef>
+          <a:fontRef idx="minor">
+            <a:schemeClr val="lt1"/>
+          </a:fontRef>
+        </p:style>
+        <p:txBody>
+          <a:bodyPr rtlCol="0" anchor="ctr"/>
+          <a:lstStyle/>
+          <a:p>
+            <a:pPr algn="ctr"/>
+            <a:endParaRPr lang="pt-BR"/>
+          </a:p>
+        </p:txBody>
+      </p:sp>
+      <p:grpSp>
+        <p:nvGrpSpPr>
+          <p:cNvPr id="114" name="Agrupar 113">
+            <a:extLst>
+              <a:ext uri="{FF2B5EF4-FFF2-40B4-BE49-F238E27FC236}">
+                <a16:creationId xmlns:a16="http://schemas.microsoft.com/office/drawing/2014/main" id="{C35E0893-7C35-4EC9-87BF-7E9DE678284D}"/>
+              </a:ext>
+            </a:extLst>
+          </p:cNvPr>
+          <p:cNvGrpSpPr/>
+          <p:nvPr/>
+        </p:nvGrpSpPr>
+        <p:grpSpPr>
+          <a:xfrm>
+            <a:off x="5096117" y="2637016"/>
+            <a:ext cx="1695553" cy="1687484"/>
+            <a:chOff x="366004" y="1629294"/>
+            <a:chExt cx="1695553" cy="1687484"/>
+          </a:xfrm>
+        </p:grpSpPr>
+        <p:grpSp>
+          <p:nvGrpSpPr>
+            <p:cNvPr id="115" name="Agrupar 114">
+              <a:extLst>
+                <a:ext uri="{FF2B5EF4-FFF2-40B4-BE49-F238E27FC236}">
+                  <a16:creationId xmlns:a16="http://schemas.microsoft.com/office/drawing/2014/main" id="{193DA848-B1B1-409D-95A1-79FAC6114782}"/>
+                </a:ext>
+              </a:extLst>
+            </p:cNvPr>
+            <p:cNvGrpSpPr/>
+            <p:nvPr/>
+          </p:nvGrpSpPr>
+          <p:grpSpPr>
+            <a:xfrm>
+              <a:off x="374073" y="1629294"/>
+              <a:ext cx="1687484" cy="1687484"/>
+              <a:chOff x="374072" y="1629294"/>
+              <a:chExt cx="1867593" cy="1687484"/>
+            </a:xfrm>
+          </p:grpSpPr>
+          <p:cxnSp>
+            <p:nvCxnSpPr>
+              <p:cNvPr id="121" name="Conector reto 120">
+                <a:extLst>
+                  <a:ext uri="{FF2B5EF4-FFF2-40B4-BE49-F238E27FC236}">
+                    <a16:creationId xmlns:a16="http://schemas.microsoft.com/office/drawing/2014/main" id="{B42EE1E7-03C4-4F5B-88EB-78B6A32CEE59}"/>
+                  </a:ext>
+                </a:extLst>
+              </p:cNvPr>
+              <p:cNvCxnSpPr>
+                <a:cxnSpLocks/>
+              </p:cNvCxnSpPr>
+              <p:nvPr/>
+            </p:nvCxnSpPr>
+            <p:spPr>
+              <a:xfrm>
+                <a:off x="996603" y="1629294"/>
+                <a:ext cx="0" cy="1687484"/>
+              </a:xfrm>
+              <a:prstGeom prst="line">
+                <a:avLst/>
+              </a:prstGeom>
+            </p:spPr>
+            <p:style>
+              <a:lnRef idx="3">
+                <a:schemeClr val="dk1"/>
+              </a:lnRef>
+              <a:fillRef idx="0">
+                <a:schemeClr val="dk1"/>
+              </a:fillRef>
+              <a:effectRef idx="2">
+                <a:schemeClr val="dk1"/>
+              </a:effectRef>
+              <a:fontRef idx="minor">
+                <a:schemeClr val="tx1"/>
+              </a:fontRef>
+            </p:style>
+          </p:cxnSp>
+          <p:cxnSp>
+            <p:nvCxnSpPr>
+              <p:cNvPr id="122" name="Conector reto 121">
+                <a:extLst>
+                  <a:ext uri="{FF2B5EF4-FFF2-40B4-BE49-F238E27FC236}">
+                    <a16:creationId xmlns:a16="http://schemas.microsoft.com/office/drawing/2014/main" id="{83B3637B-0CB0-46A6-8B87-E131865283AA}"/>
+                  </a:ext>
+                </a:extLst>
+              </p:cNvPr>
+              <p:cNvCxnSpPr>
+                <a:cxnSpLocks/>
+              </p:cNvCxnSpPr>
+              <p:nvPr/>
+            </p:nvCxnSpPr>
+            <p:spPr>
+              <a:xfrm>
+                <a:off x="1619134" y="1629294"/>
+                <a:ext cx="0" cy="1687484"/>
+              </a:xfrm>
+              <a:prstGeom prst="line">
+                <a:avLst/>
+              </a:prstGeom>
+            </p:spPr>
+            <p:style>
+              <a:lnRef idx="3">
+                <a:schemeClr val="dk1"/>
+              </a:lnRef>
+              <a:fillRef idx="0">
+                <a:schemeClr val="dk1"/>
+              </a:fillRef>
+              <a:effectRef idx="2">
+                <a:schemeClr val="dk1"/>
+              </a:effectRef>
+              <a:fontRef idx="minor">
+                <a:schemeClr val="tx1"/>
+              </a:fontRef>
+            </p:style>
+          </p:cxnSp>
+          <p:cxnSp>
+            <p:nvCxnSpPr>
+              <p:cNvPr id="123" name="Conector reto 122">
+                <a:extLst>
+                  <a:ext uri="{FF2B5EF4-FFF2-40B4-BE49-F238E27FC236}">
+                    <a16:creationId xmlns:a16="http://schemas.microsoft.com/office/drawing/2014/main" id="{577F49BC-29E4-48EF-87E8-CAA427B57F8B}"/>
+                  </a:ext>
+                </a:extLst>
+              </p:cNvPr>
+              <p:cNvCxnSpPr>
+                <a:cxnSpLocks/>
+              </p:cNvCxnSpPr>
+              <p:nvPr/>
+            </p:nvCxnSpPr>
+            <p:spPr>
+              <a:xfrm>
+                <a:off x="374072" y="1629294"/>
+                <a:ext cx="0" cy="1687484"/>
+              </a:xfrm>
+              <a:prstGeom prst="line">
+                <a:avLst/>
+              </a:prstGeom>
+            </p:spPr>
+            <p:style>
+              <a:lnRef idx="3">
+                <a:schemeClr val="dk1"/>
+              </a:lnRef>
+              <a:fillRef idx="0">
+                <a:schemeClr val="dk1"/>
+              </a:fillRef>
+              <a:effectRef idx="2">
+                <a:schemeClr val="dk1"/>
+              </a:effectRef>
+              <a:fontRef idx="minor">
+                <a:schemeClr val="tx1"/>
+              </a:fontRef>
+            </p:style>
+          </p:cxnSp>
+          <p:cxnSp>
+            <p:nvCxnSpPr>
+              <p:cNvPr id="124" name="Conector reto 123">
+                <a:extLst>
+                  <a:ext uri="{FF2B5EF4-FFF2-40B4-BE49-F238E27FC236}">
+                    <a16:creationId xmlns:a16="http://schemas.microsoft.com/office/drawing/2014/main" id="{7F03745E-78A6-43D6-89DB-0F6027B083E1}"/>
+                  </a:ext>
+                </a:extLst>
+              </p:cNvPr>
+              <p:cNvCxnSpPr>
+                <a:cxnSpLocks/>
+              </p:cNvCxnSpPr>
+              <p:nvPr/>
+            </p:nvCxnSpPr>
+            <p:spPr>
+              <a:xfrm>
+                <a:off x="2241665" y="1629294"/>
+                <a:ext cx="0" cy="1687484"/>
+              </a:xfrm>
+              <a:prstGeom prst="line">
+                <a:avLst/>
+              </a:prstGeom>
+            </p:spPr>
+            <p:style>
+              <a:lnRef idx="3">
+                <a:schemeClr val="dk1"/>
+              </a:lnRef>
+              <a:fillRef idx="0">
+                <a:schemeClr val="dk1"/>
+              </a:fillRef>
+              <a:effectRef idx="2">
+                <a:schemeClr val="dk1"/>
+              </a:effectRef>
+              <a:fontRef idx="minor">
+                <a:schemeClr val="tx1"/>
+              </a:fontRef>
+            </p:style>
+          </p:cxnSp>
+        </p:grpSp>
+        <p:grpSp>
+          <p:nvGrpSpPr>
+            <p:cNvPr id="116" name="Agrupar 115">
+              <a:extLst>
+                <a:ext uri="{FF2B5EF4-FFF2-40B4-BE49-F238E27FC236}">
+                  <a16:creationId xmlns:a16="http://schemas.microsoft.com/office/drawing/2014/main" id="{A2E7F730-5D53-4550-B4DC-F11F8295BE32}"/>
+                </a:ext>
+              </a:extLst>
+            </p:cNvPr>
+            <p:cNvGrpSpPr/>
+            <p:nvPr/>
+          </p:nvGrpSpPr>
+          <p:grpSpPr>
+            <a:xfrm rot="5400000">
+              <a:off x="366004" y="1629295"/>
+              <a:ext cx="1687483" cy="1687484"/>
+              <a:chOff x="2912225" y="1741516"/>
+              <a:chExt cx="1867593" cy="1687484"/>
+            </a:xfrm>
+          </p:grpSpPr>
+          <p:cxnSp>
+            <p:nvCxnSpPr>
+              <p:cNvPr id="117" name="Conector reto 116">
+                <a:extLst>
+                  <a:ext uri="{FF2B5EF4-FFF2-40B4-BE49-F238E27FC236}">
+                    <a16:creationId xmlns:a16="http://schemas.microsoft.com/office/drawing/2014/main" id="{2C2DA116-D979-4C1B-87AC-07D72A0088E3}"/>
+                  </a:ext>
+                </a:extLst>
+              </p:cNvPr>
+              <p:cNvCxnSpPr>
+                <a:cxnSpLocks/>
+              </p:cNvCxnSpPr>
+              <p:nvPr/>
+            </p:nvCxnSpPr>
+            <p:spPr>
+              <a:xfrm>
+                <a:off x="3534756" y="1741516"/>
+                <a:ext cx="0" cy="1687484"/>
+              </a:xfrm>
+              <a:prstGeom prst="line">
+                <a:avLst/>
+              </a:prstGeom>
+            </p:spPr>
+            <p:style>
+              <a:lnRef idx="3">
+                <a:schemeClr val="dk1"/>
+              </a:lnRef>
+              <a:fillRef idx="0">
+                <a:schemeClr val="dk1"/>
+              </a:fillRef>
+              <a:effectRef idx="2">
+                <a:schemeClr val="dk1"/>
+              </a:effectRef>
+              <a:fontRef idx="minor">
+                <a:schemeClr val="tx1"/>
+              </a:fontRef>
+            </p:style>
+          </p:cxnSp>
+          <p:cxnSp>
+            <p:nvCxnSpPr>
+              <p:cNvPr id="118" name="Conector reto 117">
+                <a:extLst>
+                  <a:ext uri="{FF2B5EF4-FFF2-40B4-BE49-F238E27FC236}">
+                    <a16:creationId xmlns:a16="http://schemas.microsoft.com/office/drawing/2014/main" id="{FC66D884-67B1-4B94-B6EB-4CCAD2C04809}"/>
+                  </a:ext>
+                </a:extLst>
+              </p:cNvPr>
+              <p:cNvCxnSpPr>
+                <a:cxnSpLocks/>
+              </p:cNvCxnSpPr>
+              <p:nvPr/>
+            </p:nvCxnSpPr>
+            <p:spPr>
+              <a:xfrm>
+                <a:off x="4157287" y="1741516"/>
+                <a:ext cx="0" cy="1687484"/>
+              </a:xfrm>
+              <a:prstGeom prst="line">
+                <a:avLst/>
+              </a:prstGeom>
+            </p:spPr>
+            <p:style>
+              <a:lnRef idx="3">
+                <a:schemeClr val="dk1"/>
+              </a:lnRef>
+              <a:fillRef idx="0">
+                <a:schemeClr val="dk1"/>
+              </a:fillRef>
+              <a:effectRef idx="2">
+                <a:schemeClr val="dk1"/>
+              </a:effectRef>
+              <a:fontRef idx="minor">
+                <a:schemeClr val="tx1"/>
+              </a:fontRef>
+            </p:style>
+          </p:cxnSp>
+          <p:cxnSp>
+            <p:nvCxnSpPr>
+              <p:cNvPr id="119" name="Conector reto 118">
+                <a:extLst>
+                  <a:ext uri="{FF2B5EF4-FFF2-40B4-BE49-F238E27FC236}">
+                    <a16:creationId xmlns:a16="http://schemas.microsoft.com/office/drawing/2014/main" id="{F0C8125F-D308-4F85-B0A5-9A1413302A78}"/>
+                  </a:ext>
+                </a:extLst>
+              </p:cNvPr>
+              <p:cNvCxnSpPr>
+                <a:cxnSpLocks/>
+              </p:cNvCxnSpPr>
+              <p:nvPr/>
+            </p:nvCxnSpPr>
+            <p:spPr>
+              <a:xfrm>
+                <a:off x="2912225" y="1741516"/>
+                <a:ext cx="0" cy="1687484"/>
+              </a:xfrm>
+              <a:prstGeom prst="line">
+                <a:avLst/>
+              </a:prstGeom>
+            </p:spPr>
+            <p:style>
+              <a:lnRef idx="3">
+                <a:schemeClr val="dk1"/>
+              </a:lnRef>
+              <a:fillRef idx="0">
+                <a:schemeClr val="dk1"/>
+              </a:fillRef>
+              <a:effectRef idx="2">
+                <a:schemeClr val="dk1"/>
+              </a:effectRef>
+              <a:fontRef idx="minor">
+                <a:schemeClr val="tx1"/>
+              </a:fontRef>
+            </p:style>
+          </p:cxnSp>
+          <p:cxnSp>
+            <p:nvCxnSpPr>
+              <p:cNvPr id="120" name="Conector reto 119">
+                <a:extLst>
+                  <a:ext uri="{FF2B5EF4-FFF2-40B4-BE49-F238E27FC236}">
+                    <a16:creationId xmlns:a16="http://schemas.microsoft.com/office/drawing/2014/main" id="{CEEAEB53-1277-4396-AC75-E69FFD00D249}"/>
+                  </a:ext>
+                </a:extLst>
+              </p:cNvPr>
+              <p:cNvCxnSpPr>
+                <a:cxnSpLocks/>
+              </p:cNvCxnSpPr>
+              <p:nvPr/>
+            </p:nvCxnSpPr>
+            <p:spPr>
+              <a:xfrm>
+                <a:off x="4779818" y="1741516"/>
+                <a:ext cx="0" cy="1687484"/>
+              </a:xfrm>
+              <a:prstGeom prst="line">
+                <a:avLst/>
+              </a:prstGeom>
+            </p:spPr>
+            <p:style>
+              <a:lnRef idx="3">
+                <a:schemeClr val="dk1"/>
+              </a:lnRef>
+              <a:fillRef idx="0">
+                <a:schemeClr val="dk1"/>
+              </a:fillRef>
+              <a:effectRef idx="2">
+                <a:schemeClr val="dk1"/>
+              </a:effectRef>
+              <a:fontRef idx="minor">
+                <a:schemeClr val="tx1"/>
+              </a:fontRef>
+            </p:style>
+          </p:cxnSp>
+        </p:grpSp>
+      </p:grpSp>
+      <p:sp>
+        <p:nvSpPr>
+          <p:cNvPr id="125" name="CaixaDeTexto 124">
+            <a:extLst>
+              <a:ext uri="{FF2B5EF4-FFF2-40B4-BE49-F238E27FC236}">
+                <a16:creationId xmlns:a16="http://schemas.microsoft.com/office/drawing/2014/main" id="{22DDFA62-3F6F-4894-9C53-183207B9EFD2}"/>
+              </a:ext>
+            </a:extLst>
+          </p:cNvPr>
+          <p:cNvSpPr txBox="1"/>
+          <p:nvPr/>
+        </p:nvSpPr>
+        <p:spPr>
+          <a:xfrm>
+            <a:off x="5011500" y="2328301"/>
+            <a:ext cx="767261" cy="338554"/>
+          </a:xfrm>
+          <a:prstGeom prst="rect">
+            <a:avLst/>
+          </a:prstGeom>
+          <a:noFill/>
+        </p:spPr>
+        <p:txBody>
+          <a:bodyPr wrap="none" rtlCol="0">
+            <a:spAutoFit/>
+          </a:bodyPr>
+          <a:lstStyle/>
+          <a:p>
+            <a:r>
+              <a:rPr lang="pt-BR" sz="1600" dirty="0"/>
+              <a:t>Perfil 1</a:t>
+            </a:r>
+          </a:p>
+        </p:txBody>
+      </p:sp>
+      <p:sp>
+        <p:nvSpPr>
+          <p:cNvPr id="126" name="CaixaDeTexto 125">
+            <a:extLst>
+              <a:ext uri="{FF2B5EF4-FFF2-40B4-BE49-F238E27FC236}">
+                <a16:creationId xmlns:a16="http://schemas.microsoft.com/office/drawing/2014/main" id="{4A0ECC84-8611-40D4-81DD-87332BB57D43}"/>
+              </a:ext>
+            </a:extLst>
+          </p:cNvPr>
+          <p:cNvSpPr txBox="1"/>
+          <p:nvPr/>
+        </p:nvSpPr>
+        <p:spPr>
+          <a:xfrm>
+            <a:off x="5011500" y="4521624"/>
+            <a:ext cx="767261" cy="338554"/>
+          </a:xfrm>
+          <a:prstGeom prst="rect">
+            <a:avLst/>
+          </a:prstGeom>
+          <a:noFill/>
+        </p:spPr>
+        <p:txBody>
+          <a:bodyPr wrap="none" rtlCol="0">
+            <a:spAutoFit/>
+          </a:bodyPr>
+          <a:lstStyle/>
+          <a:p>
+            <a:r>
+              <a:rPr lang="pt-BR" sz="1600" dirty="0"/>
+              <a:t>Perfil 2</a:t>
+            </a:r>
+          </a:p>
+        </p:txBody>
+      </p:sp>
+      <p:sp>
+        <p:nvSpPr>
+          <p:cNvPr id="127" name="Retângulo 126">
+            <a:extLst>
+              <a:ext uri="{FF2B5EF4-FFF2-40B4-BE49-F238E27FC236}">
+                <a16:creationId xmlns:a16="http://schemas.microsoft.com/office/drawing/2014/main" id="{2AAA1873-3EF4-4998-A693-A1C5316E2E21}"/>
+              </a:ext>
+            </a:extLst>
+          </p:cNvPr>
+          <p:cNvSpPr/>
+          <p:nvPr/>
+        </p:nvSpPr>
+        <p:spPr>
+          <a:xfrm>
+            <a:off x="5735177" y="2716706"/>
+            <a:ext cx="429627" cy="432954"/>
+          </a:xfrm>
+          <a:prstGeom prst="rect">
+            <a:avLst/>
+          </a:prstGeom>
+          <a:solidFill>
+            <a:schemeClr val="accent2">
+              <a:lumMod val="75000"/>
+            </a:schemeClr>
+          </a:solidFill>
+          <a:ln>
+            <a:solidFill>
+              <a:schemeClr val="accent2">
+                <a:lumMod val="75000"/>
+              </a:schemeClr>
+            </a:solidFill>
+          </a:ln>
+        </p:spPr>
+        <p:style>
+          <a:lnRef idx="2">
+            <a:schemeClr val="accent1">
+              <a:shade val="50000"/>
+            </a:schemeClr>
+          </a:lnRef>
+          <a:fillRef idx="1">
+            <a:schemeClr val="accent1"/>
+          </a:fillRef>
+          <a:effectRef idx="0">
+            <a:schemeClr val="accent1"/>
+          </a:effectRef>
+          <a:fontRef idx="minor">
+            <a:schemeClr val="lt1"/>
+          </a:fontRef>
+        </p:style>
+        <p:txBody>
+          <a:bodyPr rtlCol="0" anchor="ctr"/>
+          <a:lstStyle/>
+          <a:p>
+            <a:pPr algn="ctr"/>
+            <a:endParaRPr lang="pt-BR"/>
+          </a:p>
+        </p:txBody>
+      </p:sp>
+      <p:sp>
+        <p:nvSpPr>
+          <p:cNvPr id="128" name="Retângulo 127">
+            <a:extLst>
+              <a:ext uri="{FF2B5EF4-FFF2-40B4-BE49-F238E27FC236}">
+                <a16:creationId xmlns:a16="http://schemas.microsoft.com/office/drawing/2014/main" id="{C6BDCC52-184F-4EBD-A76D-ED48713153A1}"/>
+              </a:ext>
+            </a:extLst>
+          </p:cNvPr>
+          <p:cNvSpPr/>
+          <p:nvPr/>
+        </p:nvSpPr>
+        <p:spPr>
+          <a:xfrm>
+            <a:off x="5173323" y="2709252"/>
+            <a:ext cx="429627" cy="432954"/>
+          </a:xfrm>
+          <a:prstGeom prst="rect">
+            <a:avLst/>
+          </a:prstGeom>
+        </p:spPr>
+        <p:style>
+          <a:lnRef idx="2">
+            <a:schemeClr val="accent1">
+              <a:shade val="50000"/>
+            </a:schemeClr>
+          </a:lnRef>
+          <a:fillRef idx="1">
+            <a:schemeClr val="accent1"/>
+          </a:fillRef>
+          <a:effectRef idx="0">
+            <a:schemeClr val="accent1"/>
+          </a:effectRef>
+          <a:fontRef idx="minor">
+            <a:schemeClr val="lt1"/>
+          </a:fontRef>
+        </p:style>
+        <p:txBody>
+          <a:bodyPr rtlCol="0" anchor="ctr"/>
+          <a:lstStyle/>
+          <a:p>
+            <a:pPr algn="ctr"/>
+            <a:endParaRPr lang="pt-BR"/>
+          </a:p>
+        </p:txBody>
+      </p:sp>
+      <p:sp>
+        <p:nvSpPr>
+          <p:cNvPr id="129" name="Retângulo 128">
+            <a:extLst>
+              <a:ext uri="{FF2B5EF4-FFF2-40B4-BE49-F238E27FC236}">
+                <a16:creationId xmlns:a16="http://schemas.microsoft.com/office/drawing/2014/main" id="{8EEBD45D-22BB-49AC-B4B6-5FC23DA43CD0}"/>
+              </a:ext>
+            </a:extLst>
+          </p:cNvPr>
+          <p:cNvSpPr/>
+          <p:nvPr/>
+        </p:nvSpPr>
+        <p:spPr>
+          <a:xfrm>
+            <a:off x="6297032" y="2720798"/>
+            <a:ext cx="429627" cy="432954"/>
+          </a:xfrm>
+          <a:prstGeom prst="rect">
+            <a:avLst/>
+          </a:prstGeom>
+        </p:spPr>
+        <p:style>
+          <a:lnRef idx="2">
+            <a:schemeClr val="accent1">
+              <a:shade val="50000"/>
+            </a:schemeClr>
+          </a:lnRef>
+          <a:fillRef idx="1">
+            <a:schemeClr val="accent1"/>
+          </a:fillRef>
+          <a:effectRef idx="0">
+            <a:schemeClr val="accent1"/>
+          </a:effectRef>
+          <a:fontRef idx="minor">
+            <a:schemeClr val="lt1"/>
+          </a:fontRef>
+        </p:style>
+        <p:txBody>
+          <a:bodyPr rtlCol="0" anchor="ctr"/>
+          <a:lstStyle/>
+          <a:p>
+            <a:pPr algn="ctr"/>
+            <a:endParaRPr lang="pt-BR"/>
+          </a:p>
+        </p:txBody>
+      </p:sp>
+      <p:sp>
+        <p:nvSpPr>
+          <p:cNvPr id="130" name="Retângulo 129">
+            <a:extLst>
+              <a:ext uri="{FF2B5EF4-FFF2-40B4-BE49-F238E27FC236}">
+                <a16:creationId xmlns:a16="http://schemas.microsoft.com/office/drawing/2014/main" id="{BD53261D-8CCE-4372-9605-2D5FEB239FAB}"/>
+              </a:ext>
+            </a:extLst>
+          </p:cNvPr>
+          <p:cNvSpPr/>
+          <p:nvPr/>
+        </p:nvSpPr>
+        <p:spPr>
+          <a:xfrm>
+            <a:off x="5729635" y="3268116"/>
+            <a:ext cx="429627" cy="432954"/>
+          </a:xfrm>
+          <a:prstGeom prst="rect">
+            <a:avLst/>
+          </a:prstGeom>
+        </p:spPr>
+        <p:style>
+          <a:lnRef idx="2">
+            <a:schemeClr val="accent1">
+              <a:shade val="50000"/>
+            </a:schemeClr>
+          </a:lnRef>
+          <a:fillRef idx="1">
+            <a:schemeClr val="accent1"/>
+          </a:fillRef>
+          <a:effectRef idx="0">
+            <a:schemeClr val="accent1"/>
+          </a:effectRef>
+          <a:fontRef idx="minor">
+            <a:schemeClr val="lt1"/>
+          </a:fontRef>
+        </p:style>
+        <p:txBody>
+          <a:bodyPr rtlCol="0" anchor="ctr"/>
+          <a:lstStyle/>
+          <a:p>
+            <a:pPr algn="ctr"/>
+            <a:endParaRPr lang="pt-BR"/>
+          </a:p>
+        </p:txBody>
+      </p:sp>
+      <p:sp>
+        <p:nvSpPr>
+          <p:cNvPr id="131" name="Retângulo 130">
+            <a:extLst>
+              <a:ext uri="{FF2B5EF4-FFF2-40B4-BE49-F238E27FC236}">
+                <a16:creationId xmlns:a16="http://schemas.microsoft.com/office/drawing/2014/main" id="{EE6BB6D5-D795-4AE2-ABD2-2C64C42FA30D}"/>
+              </a:ext>
+            </a:extLst>
+          </p:cNvPr>
+          <p:cNvSpPr/>
+          <p:nvPr/>
+        </p:nvSpPr>
+        <p:spPr>
+          <a:xfrm>
+            <a:off x="5167781" y="3260662"/>
+            <a:ext cx="429627" cy="432954"/>
+          </a:xfrm>
+          <a:prstGeom prst="rect">
+            <a:avLst/>
+          </a:prstGeom>
+          <a:solidFill>
+            <a:schemeClr val="accent2">
+              <a:lumMod val="75000"/>
+            </a:schemeClr>
+          </a:solidFill>
+          <a:ln>
+            <a:solidFill>
+              <a:schemeClr val="accent2">
+                <a:lumMod val="75000"/>
+              </a:schemeClr>
+            </a:solidFill>
+          </a:ln>
+        </p:spPr>
+        <p:style>
+          <a:lnRef idx="2">
+            <a:schemeClr val="accent1">
+              <a:shade val="50000"/>
+            </a:schemeClr>
+          </a:lnRef>
+          <a:fillRef idx="1">
+            <a:schemeClr val="accent1"/>
+          </a:fillRef>
+          <a:effectRef idx="0">
+            <a:schemeClr val="accent1"/>
+          </a:effectRef>
+          <a:fontRef idx="minor">
+            <a:schemeClr val="lt1"/>
+          </a:fontRef>
+        </p:style>
+        <p:txBody>
+          <a:bodyPr rtlCol="0" anchor="ctr"/>
+          <a:lstStyle/>
+          <a:p>
+            <a:pPr algn="ctr"/>
+            <a:endParaRPr lang="pt-BR"/>
+          </a:p>
+        </p:txBody>
+      </p:sp>
+      <p:sp>
+        <p:nvSpPr>
+          <p:cNvPr id="132" name="Retângulo 131">
+            <a:extLst>
+              <a:ext uri="{FF2B5EF4-FFF2-40B4-BE49-F238E27FC236}">
+                <a16:creationId xmlns:a16="http://schemas.microsoft.com/office/drawing/2014/main" id="{8C4E4ECB-3BE9-49ED-AD1C-E0F111AFCD83}"/>
+              </a:ext>
+            </a:extLst>
+          </p:cNvPr>
+          <p:cNvSpPr/>
+          <p:nvPr/>
+        </p:nvSpPr>
+        <p:spPr>
+          <a:xfrm>
+            <a:off x="6291490" y="3272208"/>
+            <a:ext cx="429627" cy="432954"/>
+          </a:xfrm>
+          <a:prstGeom prst="rect">
+            <a:avLst/>
+          </a:prstGeom>
+          <a:solidFill>
+            <a:schemeClr val="accent2">
+              <a:lumMod val="75000"/>
+            </a:schemeClr>
+          </a:solidFill>
+          <a:ln>
+            <a:solidFill>
+              <a:schemeClr val="accent2">
+                <a:lumMod val="75000"/>
+              </a:schemeClr>
+            </a:solidFill>
+          </a:ln>
+        </p:spPr>
+        <p:style>
+          <a:lnRef idx="2">
+            <a:schemeClr val="accent1">
+              <a:shade val="50000"/>
+            </a:schemeClr>
+          </a:lnRef>
+          <a:fillRef idx="1">
+            <a:schemeClr val="accent1"/>
+          </a:fillRef>
+          <a:effectRef idx="0">
+            <a:schemeClr val="accent1"/>
+          </a:effectRef>
+          <a:fontRef idx="minor">
+            <a:schemeClr val="lt1"/>
+          </a:fontRef>
+        </p:style>
+        <p:txBody>
+          <a:bodyPr rtlCol="0" anchor="ctr"/>
+          <a:lstStyle/>
+          <a:p>
+            <a:pPr algn="ctr"/>
+            <a:endParaRPr lang="pt-BR"/>
+          </a:p>
+        </p:txBody>
+      </p:sp>
+      <p:sp>
+        <p:nvSpPr>
+          <p:cNvPr id="133" name="Retângulo 132">
+            <a:extLst>
+              <a:ext uri="{FF2B5EF4-FFF2-40B4-BE49-F238E27FC236}">
+                <a16:creationId xmlns:a16="http://schemas.microsoft.com/office/drawing/2014/main" id="{B46F8556-ACED-4EF2-B48C-AF3EE4540989}"/>
+              </a:ext>
+            </a:extLst>
+          </p:cNvPr>
+          <p:cNvSpPr/>
+          <p:nvPr/>
+        </p:nvSpPr>
+        <p:spPr>
+          <a:xfrm>
+            <a:off x="5729633" y="3825072"/>
+            <a:ext cx="429627" cy="432954"/>
+          </a:xfrm>
+          <a:prstGeom prst="rect">
+            <a:avLst/>
+          </a:prstGeom>
+          <a:solidFill>
+            <a:schemeClr val="accent2">
+              <a:lumMod val="75000"/>
+            </a:schemeClr>
+          </a:solidFill>
+          <a:ln>
+            <a:solidFill>
+              <a:schemeClr val="accent2">
+                <a:lumMod val="75000"/>
+              </a:schemeClr>
+            </a:solidFill>
+          </a:ln>
+        </p:spPr>
+        <p:style>
+          <a:lnRef idx="2">
+            <a:schemeClr val="accent1">
+              <a:shade val="50000"/>
+            </a:schemeClr>
+          </a:lnRef>
+          <a:fillRef idx="1">
+            <a:schemeClr val="accent1"/>
+          </a:fillRef>
+          <a:effectRef idx="0">
+            <a:schemeClr val="accent1"/>
+          </a:effectRef>
+          <a:fontRef idx="minor">
+            <a:schemeClr val="lt1"/>
+          </a:fontRef>
+        </p:style>
+        <p:txBody>
+          <a:bodyPr rtlCol="0" anchor="ctr"/>
+          <a:lstStyle/>
+          <a:p>
+            <a:pPr algn="ctr"/>
+            <a:endParaRPr lang="pt-BR"/>
+          </a:p>
+        </p:txBody>
+      </p:sp>
+      <p:sp>
+        <p:nvSpPr>
+          <p:cNvPr id="134" name="Retângulo 133">
+            <a:extLst>
+              <a:ext uri="{FF2B5EF4-FFF2-40B4-BE49-F238E27FC236}">
+                <a16:creationId xmlns:a16="http://schemas.microsoft.com/office/drawing/2014/main" id="{E8270C89-2A50-44CB-AAAD-0715765E7A98}"/>
+              </a:ext>
+            </a:extLst>
+          </p:cNvPr>
+          <p:cNvSpPr/>
+          <p:nvPr/>
+        </p:nvSpPr>
+        <p:spPr>
+          <a:xfrm>
+            <a:off x="5167779" y="3817618"/>
+            <a:ext cx="429627" cy="432954"/>
+          </a:xfrm>
+          <a:prstGeom prst="rect">
+            <a:avLst/>
+          </a:prstGeom>
+        </p:spPr>
+        <p:style>
+          <a:lnRef idx="2">
+            <a:schemeClr val="accent1">
+              <a:shade val="50000"/>
+            </a:schemeClr>
+          </a:lnRef>
+          <a:fillRef idx="1">
+            <a:schemeClr val="accent1"/>
+          </a:fillRef>
+          <a:effectRef idx="0">
+            <a:schemeClr val="accent1"/>
+          </a:effectRef>
+          <a:fontRef idx="minor">
+            <a:schemeClr val="lt1"/>
+          </a:fontRef>
+        </p:style>
+        <p:txBody>
+          <a:bodyPr rtlCol="0" anchor="ctr"/>
+          <a:lstStyle/>
+          <a:p>
+            <a:pPr algn="ctr"/>
+            <a:endParaRPr lang="pt-BR"/>
+          </a:p>
+        </p:txBody>
+      </p:sp>
+      <p:sp>
+        <p:nvSpPr>
+          <p:cNvPr id="135" name="Retângulo 134">
+            <a:extLst>
+              <a:ext uri="{FF2B5EF4-FFF2-40B4-BE49-F238E27FC236}">
+                <a16:creationId xmlns:a16="http://schemas.microsoft.com/office/drawing/2014/main" id="{F39A2CA3-3B19-4232-900C-746992EAD6F0}"/>
+              </a:ext>
+            </a:extLst>
+          </p:cNvPr>
+          <p:cNvSpPr/>
+          <p:nvPr/>
+        </p:nvSpPr>
+        <p:spPr>
+          <a:xfrm>
+            <a:off x="6291488" y="3829164"/>
+            <a:ext cx="429627" cy="432954"/>
+          </a:xfrm>
+          <a:prstGeom prst="rect">
+            <a:avLst/>
+          </a:prstGeom>
+        </p:spPr>
+        <p:style>
+          <a:lnRef idx="2">
+            <a:schemeClr val="accent1">
+              <a:shade val="50000"/>
+            </a:schemeClr>
+          </a:lnRef>
+          <a:fillRef idx="1">
+            <a:schemeClr val="accent1"/>
+          </a:fillRef>
+          <a:effectRef idx="0">
+            <a:schemeClr val="accent1"/>
+          </a:effectRef>
+          <a:fontRef idx="minor">
+            <a:schemeClr val="lt1"/>
+          </a:fontRef>
+        </p:style>
+        <p:txBody>
+          <a:bodyPr rtlCol="0" anchor="ctr"/>
+          <a:lstStyle/>
+          <a:p>
+            <a:pPr algn="ctr"/>
+            <a:endParaRPr lang="pt-BR"/>
+          </a:p>
+        </p:txBody>
+      </p:sp>
+      <p:grpSp>
+        <p:nvGrpSpPr>
+          <p:cNvPr id="136" name="Agrupar 135">
+            <a:extLst>
+              <a:ext uri="{FF2B5EF4-FFF2-40B4-BE49-F238E27FC236}">
+                <a16:creationId xmlns:a16="http://schemas.microsoft.com/office/drawing/2014/main" id="{7B147B07-4306-4342-B0D9-4DDACB5012E7}"/>
+              </a:ext>
+            </a:extLst>
+          </p:cNvPr>
+          <p:cNvGrpSpPr/>
+          <p:nvPr/>
+        </p:nvGrpSpPr>
+        <p:grpSpPr>
+          <a:xfrm>
+            <a:off x="5088048" y="4820520"/>
+            <a:ext cx="1695553" cy="1687484"/>
+            <a:chOff x="366004" y="1629294"/>
+            <a:chExt cx="1695553" cy="1687484"/>
+          </a:xfrm>
+        </p:grpSpPr>
+        <p:grpSp>
+          <p:nvGrpSpPr>
+            <p:cNvPr id="137" name="Agrupar 136">
+              <a:extLst>
+                <a:ext uri="{FF2B5EF4-FFF2-40B4-BE49-F238E27FC236}">
+                  <a16:creationId xmlns:a16="http://schemas.microsoft.com/office/drawing/2014/main" id="{B7A1CCC5-B465-453E-9E8E-6BC42DE61246}"/>
+                </a:ext>
+              </a:extLst>
+            </p:cNvPr>
+            <p:cNvGrpSpPr/>
+            <p:nvPr/>
+          </p:nvGrpSpPr>
+          <p:grpSpPr>
+            <a:xfrm>
+              <a:off x="374073" y="1629294"/>
+              <a:ext cx="1687484" cy="1687484"/>
+              <a:chOff x="374072" y="1629294"/>
+              <a:chExt cx="1867593" cy="1687484"/>
+            </a:xfrm>
+          </p:grpSpPr>
+          <p:cxnSp>
+            <p:nvCxnSpPr>
+              <p:cNvPr id="143" name="Conector reto 142">
+                <a:extLst>
+                  <a:ext uri="{FF2B5EF4-FFF2-40B4-BE49-F238E27FC236}">
+                    <a16:creationId xmlns:a16="http://schemas.microsoft.com/office/drawing/2014/main" id="{470DC27D-8928-4C74-8F7E-C67C1E5CEC8B}"/>
+                  </a:ext>
+                </a:extLst>
+              </p:cNvPr>
+              <p:cNvCxnSpPr>
+                <a:cxnSpLocks/>
+              </p:cNvCxnSpPr>
+              <p:nvPr/>
+            </p:nvCxnSpPr>
+            <p:spPr>
+              <a:xfrm>
+                <a:off x="996603" y="1629294"/>
+                <a:ext cx="0" cy="1687484"/>
+              </a:xfrm>
+              <a:prstGeom prst="line">
+                <a:avLst/>
+              </a:prstGeom>
+            </p:spPr>
+            <p:style>
+              <a:lnRef idx="3">
+                <a:schemeClr val="dk1"/>
+              </a:lnRef>
+              <a:fillRef idx="0">
+                <a:schemeClr val="dk1"/>
+              </a:fillRef>
+              <a:effectRef idx="2">
+                <a:schemeClr val="dk1"/>
+              </a:effectRef>
+              <a:fontRef idx="minor">
+                <a:schemeClr val="tx1"/>
+              </a:fontRef>
+            </p:style>
+          </p:cxnSp>
+          <p:cxnSp>
+            <p:nvCxnSpPr>
+              <p:cNvPr id="144" name="Conector reto 143">
+                <a:extLst>
+                  <a:ext uri="{FF2B5EF4-FFF2-40B4-BE49-F238E27FC236}">
+                    <a16:creationId xmlns:a16="http://schemas.microsoft.com/office/drawing/2014/main" id="{5D9534A9-75DA-44BF-8A17-233735900C74}"/>
+                  </a:ext>
+                </a:extLst>
+              </p:cNvPr>
+              <p:cNvCxnSpPr>
+                <a:cxnSpLocks/>
+              </p:cNvCxnSpPr>
+              <p:nvPr/>
+            </p:nvCxnSpPr>
+            <p:spPr>
+              <a:xfrm>
+                <a:off x="1619134" y="1629294"/>
+                <a:ext cx="0" cy="1687484"/>
+              </a:xfrm>
+              <a:prstGeom prst="line">
+                <a:avLst/>
+              </a:prstGeom>
+            </p:spPr>
+            <p:style>
+              <a:lnRef idx="3">
+                <a:schemeClr val="dk1"/>
+              </a:lnRef>
+              <a:fillRef idx="0">
+                <a:schemeClr val="dk1"/>
+              </a:fillRef>
+              <a:effectRef idx="2">
+                <a:schemeClr val="dk1"/>
+              </a:effectRef>
+              <a:fontRef idx="minor">
+                <a:schemeClr val="tx1"/>
+              </a:fontRef>
+            </p:style>
+          </p:cxnSp>
+          <p:cxnSp>
+            <p:nvCxnSpPr>
+              <p:cNvPr id="145" name="Conector reto 144">
+                <a:extLst>
+                  <a:ext uri="{FF2B5EF4-FFF2-40B4-BE49-F238E27FC236}">
+                    <a16:creationId xmlns:a16="http://schemas.microsoft.com/office/drawing/2014/main" id="{F8C2B6E2-B0D4-4904-8B37-5007C509A351}"/>
+                  </a:ext>
+                </a:extLst>
+              </p:cNvPr>
+              <p:cNvCxnSpPr>
+                <a:cxnSpLocks/>
+              </p:cNvCxnSpPr>
+              <p:nvPr/>
+            </p:nvCxnSpPr>
+            <p:spPr>
+              <a:xfrm>
+                <a:off x="374072" y="1629294"/>
+                <a:ext cx="0" cy="1687484"/>
+              </a:xfrm>
+              <a:prstGeom prst="line">
+                <a:avLst/>
+              </a:prstGeom>
+            </p:spPr>
+            <p:style>
+              <a:lnRef idx="3">
+                <a:schemeClr val="dk1"/>
+              </a:lnRef>
+              <a:fillRef idx="0">
+                <a:schemeClr val="dk1"/>
+              </a:fillRef>
+              <a:effectRef idx="2">
+                <a:schemeClr val="dk1"/>
+              </a:effectRef>
+              <a:fontRef idx="minor">
+                <a:schemeClr val="tx1"/>
+              </a:fontRef>
+            </p:style>
+          </p:cxnSp>
+          <p:cxnSp>
+            <p:nvCxnSpPr>
+              <p:cNvPr id="146" name="Conector reto 145">
+                <a:extLst>
+                  <a:ext uri="{FF2B5EF4-FFF2-40B4-BE49-F238E27FC236}">
+                    <a16:creationId xmlns:a16="http://schemas.microsoft.com/office/drawing/2014/main" id="{A66B7DFD-B259-4D9A-94B5-95B1EDCDAC99}"/>
+                  </a:ext>
+                </a:extLst>
+              </p:cNvPr>
+              <p:cNvCxnSpPr>
+                <a:cxnSpLocks/>
+              </p:cNvCxnSpPr>
+              <p:nvPr/>
+            </p:nvCxnSpPr>
+            <p:spPr>
+              <a:xfrm>
+                <a:off x="2241665" y="1629294"/>
+                <a:ext cx="0" cy="1687484"/>
+              </a:xfrm>
+              <a:prstGeom prst="line">
+                <a:avLst/>
+              </a:prstGeom>
+            </p:spPr>
+            <p:style>
+              <a:lnRef idx="3">
+                <a:schemeClr val="dk1"/>
+              </a:lnRef>
+              <a:fillRef idx="0">
+                <a:schemeClr val="dk1"/>
+              </a:fillRef>
+              <a:effectRef idx="2">
+                <a:schemeClr val="dk1"/>
+              </a:effectRef>
+              <a:fontRef idx="minor">
+                <a:schemeClr val="tx1"/>
+              </a:fontRef>
+            </p:style>
+          </p:cxnSp>
+        </p:grpSp>
+        <p:grpSp>
+          <p:nvGrpSpPr>
+            <p:cNvPr id="138" name="Agrupar 137">
+              <a:extLst>
+                <a:ext uri="{FF2B5EF4-FFF2-40B4-BE49-F238E27FC236}">
+                  <a16:creationId xmlns:a16="http://schemas.microsoft.com/office/drawing/2014/main" id="{7A6D93FB-0B24-4F52-8022-9CA264FA772A}"/>
+                </a:ext>
+              </a:extLst>
+            </p:cNvPr>
+            <p:cNvGrpSpPr/>
+            <p:nvPr/>
+          </p:nvGrpSpPr>
+          <p:grpSpPr>
+            <a:xfrm rot="5400000">
+              <a:off x="366004" y="1629295"/>
+              <a:ext cx="1687483" cy="1687484"/>
+              <a:chOff x="2912225" y="1741516"/>
+              <a:chExt cx="1867593" cy="1687484"/>
+            </a:xfrm>
+          </p:grpSpPr>
+          <p:cxnSp>
+            <p:nvCxnSpPr>
+              <p:cNvPr id="139" name="Conector reto 138">
+                <a:extLst>
+                  <a:ext uri="{FF2B5EF4-FFF2-40B4-BE49-F238E27FC236}">
+                    <a16:creationId xmlns:a16="http://schemas.microsoft.com/office/drawing/2014/main" id="{E7F346BD-143F-4486-9668-9BFAE5219FA6}"/>
+                  </a:ext>
+                </a:extLst>
+              </p:cNvPr>
+              <p:cNvCxnSpPr>
+                <a:cxnSpLocks/>
+              </p:cNvCxnSpPr>
+              <p:nvPr/>
+            </p:nvCxnSpPr>
+            <p:spPr>
+              <a:xfrm>
+                <a:off x="3534756" y="1741516"/>
+                <a:ext cx="0" cy="1687484"/>
+              </a:xfrm>
+              <a:prstGeom prst="line">
+                <a:avLst/>
+              </a:prstGeom>
+            </p:spPr>
+            <p:style>
+              <a:lnRef idx="3">
+                <a:schemeClr val="dk1"/>
+              </a:lnRef>
+              <a:fillRef idx="0">
+                <a:schemeClr val="dk1"/>
+              </a:fillRef>
+              <a:effectRef idx="2">
+                <a:schemeClr val="dk1"/>
+              </a:effectRef>
+              <a:fontRef idx="minor">
+                <a:schemeClr val="tx1"/>
+              </a:fontRef>
+            </p:style>
+          </p:cxnSp>
+          <p:cxnSp>
+            <p:nvCxnSpPr>
+              <p:cNvPr id="140" name="Conector reto 139">
+                <a:extLst>
+                  <a:ext uri="{FF2B5EF4-FFF2-40B4-BE49-F238E27FC236}">
+                    <a16:creationId xmlns:a16="http://schemas.microsoft.com/office/drawing/2014/main" id="{16336D2E-ED3D-400C-889B-8F952655D994}"/>
+                  </a:ext>
+                </a:extLst>
+              </p:cNvPr>
+              <p:cNvCxnSpPr>
+                <a:cxnSpLocks/>
+              </p:cNvCxnSpPr>
+              <p:nvPr/>
+            </p:nvCxnSpPr>
+            <p:spPr>
+              <a:xfrm>
+                <a:off x="4157287" y="1741516"/>
+                <a:ext cx="0" cy="1687484"/>
+              </a:xfrm>
+              <a:prstGeom prst="line">
+                <a:avLst/>
+              </a:prstGeom>
+            </p:spPr>
+            <p:style>
+              <a:lnRef idx="3">
+                <a:schemeClr val="dk1"/>
+              </a:lnRef>
+              <a:fillRef idx="0">
+                <a:schemeClr val="dk1"/>
+              </a:fillRef>
+              <a:effectRef idx="2">
+                <a:schemeClr val="dk1"/>
+              </a:effectRef>
+              <a:fontRef idx="minor">
+                <a:schemeClr val="tx1"/>
+              </a:fontRef>
+            </p:style>
+          </p:cxnSp>
+          <p:cxnSp>
+            <p:nvCxnSpPr>
+              <p:cNvPr id="141" name="Conector reto 140">
+                <a:extLst>
+                  <a:ext uri="{FF2B5EF4-FFF2-40B4-BE49-F238E27FC236}">
+                    <a16:creationId xmlns:a16="http://schemas.microsoft.com/office/drawing/2014/main" id="{F25B30BD-E8D9-4273-B5FD-DA59D90D00D9}"/>
+                  </a:ext>
+                </a:extLst>
+              </p:cNvPr>
+              <p:cNvCxnSpPr>
+                <a:cxnSpLocks/>
+              </p:cNvCxnSpPr>
+              <p:nvPr/>
+            </p:nvCxnSpPr>
+            <p:spPr>
+              <a:xfrm>
+                <a:off x="2912225" y="1741516"/>
+                <a:ext cx="0" cy="1687484"/>
+              </a:xfrm>
+              <a:prstGeom prst="line">
+                <a:avLst/>
+              </a:prstGeom>
+            </p:spPr>
+            <p:style>
+              <a:lnRef idx="3">
+                <a:schemeClr val="dk1"/>
+              </a:lnRef>
+              <a:fillRef idx="0">
+                <a:schemeClr val="dk1"/>
+              </a:fillRef>
+              <a:effectRef idx="2">
+                <a:schemeClr val="dk1"/>
+              </a:effectRef>
+              <a:fontRef idx="minor">
+                <a:schemeClr val="tx1"/>
+              </a:fontRef>
+            </p:style>
+          </p:cxnSp>
+          <p:cxnSp>
+            <p:nvCxnSpPr>
+              <p:cNvPr id="142" name="Conector reto 141">
+                <a:extLst>
+                  <a:ext uri="{FF2B5EF4-FFF2-40B4-BE49-F238E27FC236}">
+                    <a16:creationId xmlns:a16="http://schemas.microsoft.com/office/drawing/2014/main" id="{3147636A-35FD-4949-932E-ECE140EA6903}"/>
+                  </a:ext>
+                </a:extLst>
+              </p:cNvPr>
+              <p:cNvCxnSpPr>
+                <a:cxnSpLocks/>
+              </p:cNvCxnSpPr>
+              <p:nvPr/>
+            </p:nvCxnSpPr>
+            <p:spPr>
+              <a:xfrm>
+                <a:off x="4779818" y="1741516"/>
+                <a:ext cx="0" cy="1687484"/>
+              </a:xfrm>
+              <a:prstGeom prst="line">
+                <a:avLst/>
+              </a:prstGeom>
+            </p:spPr>
+            <p:style>
+              <a:lnRef idx="3">
+                <a:schemeClr val="dk1"/>
+              </a:lnRef>
+              <a:fillRef idx="0">
+                <a:schemeClr val="dk1"/>
+              </a:fillRef>
+              <a:effectRef idx="2">
+                <a:schemeClr val="dk1"/>
+              </a:effectRef>
+              <a:fontRef idx="minor">
+                <a:schemeClr val="tx1"/>
+              </a:fontRef>
+            </p:style>
+          </p:cxnSp>
+        </p:grpSp>
+      </p:grpSp>
+      <p:sp>
+        <p:nvSpPr>
+          <p:cNvPr id="147" name="Retângulo 146">
+            <a:extLst>
+              <a:ext uri="{FF2B5EF4-FFF2-40B4-BE49-F238E27FC236}">
+                <a16:creationId xmlns:a16="http://schemas.microsoft.com/office/drawing/2014/main" id="{2AEC1A11-AB0E-44D0-8402-081C8CDAECD9}"/>
+              </a:ext>
+            </a:extLst>
+          </p:cNvPr>
+          <p:cNvSpPr/>
+          <p:nvPr/>
+        </p:nvSpPr>
+        <p:spPr>
+          <a:xfrm>
+            <a:off x="5727108" y="4900210"/>
+            <a:ext cx="429627" cy="432954"/>
+          </a:xfrm>
+          <a:prstGeom prst="rect">
+            <a:avLst/>
+          </a:prstGeom>
+          <a:solidFill>
+            <a:schemeClr val="accent2">
+              <a:lumMod val="75000"/>
+            </a:schemeClr>
+          </a:solidFill>
+          <a:ln>
+            <a:solidFill>
+              <a:schemeClr val="accent2">
+                <a:lumMod val="75000"/>
+              </a:schemeClr>
+            </a:solidFill>
+          </a:ln>
+        </p:spPr>
+        <p:style>
+          <a:lnRef idx="2">
+            <a:schemeClr val="accent1">
+              <a:shade val="50000"/>
+            </a:schemeClr>
+          </a:lnRef>
+          <a:fillRef idx="1">
+            <a:schemeClr val="accent1"/>
+          </a:fillRef>
+          <a:effectRef idx="0">
+            <a:schemeClr val="accent1"/>
+          </a:effectRef>
+          <a:fontRef idx="minor">
+            <a:schemeClr val="lt1"/>
+          </a:fontRef>
+        </p:style>
+        <p:txBody>
+          <a:bodyPr rtlCol="0" anchor="ctr"/>
+          <a:lstStyle/>
+          <a:p>
+            <a:pPr algn="ctr"/>
+            <a:endParaRPr lang="pt-BR"/>
+          </a:p>
+        </p:txBody>
+      </p:sp>
+      <p:sp>
+        <p:nvSpPr>
+          <p:cNvPr id="148" name="Retângulo 147">
+            <a:extLst>
+              <a:ext uri="{FF2B5EF4-FFF2-40B4-BE49-F238E27FC236}">
+                <a16:creationId xmlns:a16="http://schemas.microsoft.com/office/drawing/2014/main" id="{96E0C9BD-540B-4FD2-A116-7FF7EAB3D6CD}"/>
+              </a:ext>
+            </a:extLst>
+          </p:cNvPr>
+          <p:cNvSpPr/>
+          <p:nvPr/>
+        </p:nvSpPr>
+        <p:spPr>
+          <a:xfrm>
+            <a:off x="5165254" y="4892756"/>
+            <a:ext cx="429627" cy="432954"/>
+          </a:xfrm>
+          <a:prstGeom prst="rect">
+            <a:avLst/>
+          </a:prstGeom>
+        </p:spPr>
+        <p:style>
+          <a:lnRef idx="2">
+            <a:schemeClr val="accent1">
+              <a:shade val="50000"/>
+            </a:schemeClr>
+          </a:lnRef>
+          <a:fillRef idx="1">
+            <a:schemeClr val="accent1"/>
+          </a:fillRef>
+          <a:effectRef idx="0">
+            <a:schemeClr val="accent1"/>
+          </a:effectRef>
+          <a:fontRef idx="minor">
+            <a:schemeClr val="lt1"/>
+          </a:fontRef>
+        </p:style>
+        <p:txBody>
+          <a:bodyPr rtlCol="0" anchor="ctr"/>
+          <a:lstStyle/>
+          <a:p>
+            <a:pPr algn="ctr"/>
+            <a:endParaRPr lang="pt-BR"/>
+          </a:p>
+        </p:txBody>
+      </p:sp>
+      <p:sp>
+        <p:nvSpPr>
+          <p:cNvPr id="149" name="Retângulo 148">
+            <a:extLst>
+              <a:ext uri="{FF2B5EF4-FFF2-40B4-BE49-F238E27FC236}">
+                <a16:creationId xmlns:a16="http://schemas.microsoft.com/office/drawing/2014/main" id="{7BC8816C-155B-4591-96A2-3D2E4A7DF01D}"/>
+              </a:ext>
+            </a:extLst>
+          </p:cNvPr>
+          <p:cNvSpPr/>
+          <p:nvPr/>
+        </p:nvSpPr>
+        <p:spPr>
+          <a:xfrm>
+            <a:off x="6288963" y="4904302"/>
+            <a:ext cx="429627" cy="432954"/>
+          </a:xfrm>
+          <a:prstGeom prst="rect">
+            <a:avLst/>
+          </a:prstGeom>
+        </p:spPr>
+        <p:style>
+          <a:lnRef idx="2">
+            <a:schemeClr val="accent1">
+              <a:shade val="50000"/>
+            </a:schemeClr>
+          </a:lnRef>
+          <a:fillRef idx="1">
+            <a:schemeClr val="accent1"/>
+          </a:fillRef>
+          <a:effectRef idx="0">
+            <a:schemeClr val="accent1"/>
+          </a:effectRef>
+          <a:fontRef idx="minor">
+            <a:schemeClr val="lt1"/>
+          </a:fontRef>
+        </p:style>
+        <p:txBody>
+          <a:bodyPr rtlCol="0" anchor="ctr"/>
+          <a:lstStyle/>
+          <a:p>
+            <a:pPr algn="ctr"/>
+            <a:endParaRPr lang="pt-BR"/>
+          </a:p>
+        </p:txBody>
+      </p:sp>
+      <p:sp>
+        <p:nvSpPr>
+          <p:cNvPr id="150" name="Retângulo 149">
+            <a:extLst>
+              <a:ext uri="{FF2B5EF4-FFF2-40B4-BE49-F238E27FC236}">
+                <a16:creationId xmlns:a16="http://schemas.microsoft.com/office/drawing/2014/main" id="{C5BBF3BC-DD92-4C0F-9FFB-2C7A47C42B64}"/>
+              </a:ext>
+            </a:extLst>
+          </p:cNvPr>
+          <p:cNvSpPr/>
+          <p:nvPr/>
+        </p:nvSpPr>
+        <p:spPr>
+          <a:xfrm>
+            <a:off x="5721566" y="5451620"/>
+            <a:ext cx="429627" cy="432954"/>
+          </a:xfrm>
+          <a:prstGeom prst="rect">
+            <a:avLst/>
+          </a:prstGeom>
+        </p:spPr>
+        <p:style>
+          <a:lnRef idx="2">
+            <a:schemeClr val="accent1">
+              <a:shade val="50000"/>
+            </a:schemeClr>
+          </a:lnRef>
+          <a:fillRef idx="1">
+            <a:schemeClr val="accent1"/>
+          </a:fillRef>
+          <a:effectRef idx="0">
+            <a:schemeClr val="accent1"/>
+          </a:effectRef>
+          <a:fontRef idx="minor">
+            <a:schemeClr val="lt1"/>
+          </a:fontRef>
+        </p:style>
+        <p:txBody>
+          <a:bodyPr rtlCol="0" anchor="ctr"/>
+          <a:lstStyle/>
+          <a:p>
+            <a:pPr algn="ctr"/>
+            <a:endParaRPr lang="pt-BR"/>
+          </a:p>
+        </p:txBody>
+      </p:sp>
+      <p:sp>
+        <p:nvSpPr>
+          <p:cNvPr id="151" name="Retângulo 150">
+            <a:extLst>
+              <a:ext uri="{FF2B5EF4-FFF2-40B4-BE49-F238E27FC236}">
+                <a16:creationId xmlns:a16="http://schemas.microsoft.com/office/drawing/2014/main" id="{8A605C02-698E-48A9-BBDE-5DFFC422A89B}"/>
+              </a:ext>
+            </a:extLst>
+          </p:cNvPr>
+          <p:cNvSpPr/>
+          <p:nvPr/>
+        </p:nvSpPr>
+        <p:spPr>
+          <a:xfrm>
+            <a:off x="5159712" y="5444166"/>
+            <a:ext cx="429627" cy="432954"/>
+          </a:xfrm>
+          <a:prstGeom prst="rect">
+            <a:avLst/>
+          </a:prstGeom>
+          <a:solidFill>
+            <a:schemeClr val="accent2">
+              <a:lumMod val="75000"/>
+            </a:schemeClr>
+          </a:solidFill>
+          <a:ln>
+            <a:solidFill>
+              <a:schemeClr val="accent2">
+                <a:lumMod val="75000"/>
+              </a:schemeClr>
+            </a:solidFill>
+          </a:ln>
+        </p:spPr>
+        <p:style>
+          <a:lnRef idx="2">
+            <a:schemeClr val="accent1">
+              <a:shade val="50000"/>
+            </a:schemeClr>
+          </a:lnRef>
+          <a:fillRef idx="1">
+            <a:schemeClr val="accent1"/>
+          </a:fillRef>
+          <a:effectRef idx="0">
+            <a:schemeClr val="accent1"/>
+          </a:effectRef>
+          <a:fontRef idx="minor">
+            <a:schemeClr val="lt1"/>
+          </a:fontRef>
+        </p:style>
+        <p:txBody>
+          <a:bodyPr rtlCol="0" anchor="ctr"/>
+          <a:lstStyle/>
+          <a:p>
+            <a:pPr algn="ctr"/>
+            <a:endParaRPr lang="pt-BR"/>
+          </a:p>
+        </p:txBody>
+      </p:sp>
+      <p:sp>
+        <p:nvSpPr>
+          <p:cNvPr id="152" name="Retângulo 151">
+            <a:extLst>
+              <a:ext uri="{FF2B5EF4-FFF2-40B4-BE49-F238E27FC236}">
+                <a16:creationId xmlns:a16="http://schemas.microsoft.com/office/drawing/2014/main" id="{46506E8B-794E-46F8-B277-B80C5EB0F772}"/>
+              </a:ext>
+            </a:extLst>
+          </p:cNvPr>
+          <p:cNvSpPr/>
+          <p:nvPr/>
+        </p:nvSpPr>
+        <p:spPr>
+          <a:xfrm>
+            <a:off x="6283421" y="5455712"/>
+            <a:ext cx="429627" cy="432954"/>
+          </a:xfrm>
+          <a:prstGeom prst="rect">
+            <a:avLst/>
+          </a:prstGeom>
+          <a:solidFill>
+            <a:schemeClr val="accent2">
+              <a:lumMod val="75000"/>
+            </a:schemeClr>
+          </a:solidFill>
+          <a:ln>
+            <a:solidFill>
+              <a:schemeClr val="accent2">
+                <a:lumMod val="75000"/>
+              </a:schemeClr>
+            </a:solidFill>
+          </a:ln>
+        </p:spPr>
+        <p:style>
+          <a:lnRef idx="2">
+            <a:schemeClr val="accent1">
+              <a:shade val="50000"/>
+            </a:schemeClr>
+          </a:lnRef>
+          <a:fillRef idx="1">
+            <a:schemeClr val="accent1"/>
+          </a:fillRef>
+          <a:effectRef idx="0">
+            <a:schemeClr val="accent1"/>
+          </a:effectRef>
+          <a:fontRef idx="minor">
+            <a:schemeClr val="lt1"/>
+          </a:fontRef>
+        </p:style>
+        <p:txBody>
+          <a:bodyPr rtlCol="0" anchor="ctr"/>
+          <a:lstStyle/>
+          <a:p>
+            <a:pPr algn="ctr"/>
+            <a:endParaRPr lang="pt-BR"/>
+          </a:p>
+        </p:txBody>
+      </p:sp>
+      <p:sp>
+        <p:nvSpPr>
+          <p:cNvPr id="153" name="Retângulo 152">
+            <a:extLst>
+              <a:ext uri="{FF2B5EF4-FFF2-40B4-BE49-F238E27FC236}">
+                <a16:creationId xmlns:a16="http://schemas.microsoft.com/office/drawing/2014/main" id="{3687473E-837F-4A8C-9C29-0F40A517B31A}"/>
+              </a:ext>
+            </a:extLst>
+          </p:cNvPr>
+          <p:cNvSpPr/>
+          <p:nvPr/>
+        </p:nvSpPr>
+        <p:spPr>
+          <a:xfrm>
+            <a:off x="5721564" y="6008576"/>
+            <a:ext cx="429627" cy="432954"/>
+          </a:xfrm>
+          <a:prstGeom prst="rect">
+            <a:avLst/>
+          </a:prstGeom>
+          <a:solidFill>
+            <a:schemeClr val="accent2">
+              <a:lumMod val="75000"/>
+            </a:schemeClr>
+          </a:solidFill>
+          <a:ln>
+            <a:solidFill>
+              <a:schemeClr val="accent2">
+                <a:lumMod val="75000"/>
+              </a:schemeClr>
+            </a:solidFill>
+          </a:ln>
+        </p:spPr>
+        <p:style>
+          <a:lnRef idx="2">
+            <a:schemeClr val="accent1">
+              <a:shade val="50000"/>
+            </a:schemeClr>
+          </a:lnRef>
+          <a:fillRef idx="1">
+            <a:schemeClr val="accent1"/>
+          </a:fillRef>
+          <a:effectRef idx="0">
+            <a:schemeClr val="accent1"/>
+          </a:effectRef>
+          <a:fontRef idx="minor">
+            <a:schemeClr val="lt1"/>
+          </a:fontRef>
+        </p:style>
+        <p:txBody>
+          <a:bodyPr rtlCol="0" anchor="ctr"/>
+          <a:lstStyle/>
+          <a:p>
+            <a:pPr algn="ctr"/>
+            <a:endParaRPr lang="pt-BR"/>
+          </a:p>
+        </p:txBody>
+      </p:sp>
+      <p:sp>
+        <p:nvSpPr>
+          <p:cNvPr id="154" name="Retângulo 153">
+            <a:extLst>
+              <a:ext uri="{FF2B5EF4-FFF2-40B4-BE49-F238E27FC236}">
+                <a16:creationId xmlns:a16="http://schemas.microsoft.com/office/drawing/2014/main" id="{F5B7B89D-CE2F-4A71-A6BA-721E78EB321E}"/>
+              </a:ext>
+            </a:extLst>
+          </p:cNvPr>
+          <p:cNvSpPr/>
+          <p:nvPr/>
+        </p:nvSpPr>
+        <p:spPr>
+          <a:xfrm>
+            <a:off x="5159710" y="6001122"/>
+            <a:ext cx="429627" cy="432954"/>
+          </a:xfrm>
+          <a:prstGeom prst="rect">
+            <a:avLst/>
+          </a:prstGeom>
+        </p:spPr>
+        <p:style>
+          <a:lnRef idx="2">
+            <a:schemeClr val="accent1">
+              <a:shade val="50000"/>
+            </a:schemeClr>
+          </a:lnRef>
+          <a:fillRef idx="1">
+            <a:schemeClr val="accent1"/>
+          </a:fillRef>
+          <a:effectRef idx="0">
+            <a:schemeClr val="accent1"/>
+          </a:effectRef>
+          <a:fontRef idx="minor">
+            <a:schemeClr val="lt1"/>
+          </a:fontRef>
+        </p:style>
+        <p:txBody>
+          <a:bodyPr rtlCol="0" anchor="ctr"/>
+          <a:lstStyle/>
+          <a:p>
+            <a:pPr algn="ctr"/>
+            <a:endParaRPr lang="pt-BR"/>
+          </a:p>
+        </p:txBody>
+      </p:sp>
+      <p:sp>
+        <p:nvSpPr>
+          <p:cNvPr id="155" name="Retângulo 154">
+            <a:extLst>
+              <a:ext uri="{FF2B5EF4-FFF2-40B4-BE49-F238E27FC236}">
+                <a16:creationId xmlns:a16="http://schemas.microsoft.com/office/drawing/2014/main" id="{AE0A7865-F880-4E06-8417-61370542C99D}"/>
+              </a:ext>
+            </a:extLst>
+          </p:cNvPr>
+          <p:cNvSpPr/>
+          <p:nvPr/>
+        </p:nvSpPr>
+        <p:spPr>
+          <a:xfrm>
+            <a:off x="6283419" y="6012668"/>
+            <a:ext cx="429627" cy="432954"/>
+          </a:xfrm>
+          <a:prstGeom prst="rect">
+            <a:avLst/>
+          </a:prstGeom>
+        </p:spPr>
+        <p:style>
+          <a:lnRef idx="2">
+            <a:schemeClr val="accent1">
+              <a:shade val="50000"/>
+            </a:schemeClr>
+          </a:lnRef>
+          <a:fillRef idx="1">
+            <a:schemeClr val="accent1"/>
+          </a:fillRef>
+          <a:effectRef idx="0">
+            <a:schemeClr val="accent1"/>
+          </a:effectRef>
+          <a:fontRef idx="minor">
+            <a:schemeClr val="lt1"/>
+          </a:fontRef>
+        </p:style>
+        <p:txBody>
+          <a:bodyPr rtlCol="0" anchor="ctr"/>
+          <a:lstStyle/>
+          <a:p>
+            <a:pPr algn="ctr"/>
+            <a:endParaRPr lang="pt-BR"/>
+          </a:p>
+        </p:txBody>
+      </p:sp>
+      <p:sp>
+        <p:nvSpPr>
+          <p:cNvPr id="156" name="CaixaDeTexto 155">
+            <a:extLst>
+              <a:ext uri="{FF2B5EF4-FFF2-40B4-BE49-F238E27FC236}">
+                <a16:creationId xmlns:a16="http://schemas.microsoft.com/office/drawing/2014/main" id="{120E54FC-FF75-4376-A4DA-84B850130943}"/>
+              </a:ext>
+            </a:extLst>
+          </p:cNvPr>
+          <p:cNvSpPr txBox="1"/>
+          <p:nvPr/>
+        </p:nvSpPr>
+        <p:spPr>
+          <a:xfrm>
+            <a:off x="4979207" y="210037"/>
+            <a:ext cx="1752083" cy="646331"/>
+          </a:xfrm>
+          <a:prstGeom prst="rect">
+            <a:avLst/>
+          </a:prstGeom>
+          <a:noFill/>
+        </p:spPr>
+        <p:txBody>
+          <a:bodyPr wrap="none" rtlCol="0">
+            <a:spAutoFit/>
+          </a:bodyPr>
+          <a:lstStyle/>
+          <a:p>
+            <a:pPr algn="ctr"/>
+            <a:r>
+              <a:rPr lang="pt-BR" dirty="0"/>
+              <a:t>Caso 3 </a:t>
+            </a:r>
+          </a:p>
+          <a:p>
+            <a:pPr algn="ctr"/>
+            <a:r>
+              <a:rPr lang="pt-BR" dirty="0"/>
+              <a:t>Paralelismo total</a:t>
+            </a:r>
+          </a:p>
+        </p:txBody>
+      </p:sp>
+      <p:sp>
+        <p:nvSpPr>
+          <p:cNvPr id="157" name="CaixaDeTexto 156">
+            <a:extLst>
+              <a:ext uri="{FF2B5EF4-FFF2-40B4-BE49-F238E27FC236}">
+                <a16:creationId xmlns:a16="http://schemas.microsoft.com/office/drawing/2014/main" id="{D5FB17D3-72E8-4FB5-A61C-572FFAC17D97}"/>
+              </a:ext>
+            </a:extLst>
+          </p:cNvPr>
+          <p:cNvSpPr txBox="1"/>
+          <p:nvPr/>
+        </p:nvSpPr>
+        <p:spPr>
+          <a:xfrm>
+            <a:off x="2932483" y="1697550"/>
+            <a:ext cx="978345" cy="369332"/>
+          </a:xfrm>
+          <a:prstGeom prst="rect">
+            <a:avLst/>
+          </a:prstGeom>
+          <a:noFill/>
+        </p:spPr>
+        <p:txBody>
+          <a:bodyPr wrap="none" rtlCol="0">
+            <a:spAutoFit/>
+          </a:bodyPr>
+          <a:lstStyle/>
+          <a:p>
+            <a:r>
+              <a:rPr lang="pt-BR" dirty="0"/>
+              <a:t>2 thread</a:t>
+            </a:r>
+          </a:p>
+        </p:txBody>
+      </p:sp>
+      <p:sp>
+        <p:nvSpPr>
+          <p:cNvPr id="158" name="Retângulo 157">
+            <a:extLst>
+              <a:ext uri="{FF2B5EF4-FFF2-40B4-BE49-F238E27FC236}">
+                <a16:creationId xmlns:a16="http://schemas.microsoft.com/office/drawing/2014/main" id="{7B8276B7-3244-485B-ABF9-744AD3647944}"/>
+              </a:ext>
+            </a:extLst>
+          </p:cNvPr>
+          <p:cNvSpPr/>
+          <p:nvPr/>
+        </p:nvSpPr>
+        <p:spPr>
+          <a:xfrm>
+            <a:off x="2674788" y="1805615"/>
+            <a:ext cx="191193" cy="157941"/>
+          </a:xfrm>
+          <a:prstGeom prst="rect">
+            <a:avLst/>
+          </a:prstGeom>
+          <a:solidFill>
+            <a:schemeClr val="accent2">
+              <a:lumMod val="75000"/>
+            </a:schemeClr>
+          </a:solidFill>
+          <a:ln>
+            <a:solidFill>
+              <a:schemeClr val="accent2">
+                <a:lumMod val="75000"/>
+              </a:schemeClr>
+            </a:solidFill>
+          </a:ln>
+        </p:spPr>
+        <p:style>
+          <a:lnRef idx="2">
+            <a:schemeClr val="accent1">
+              <a:shade val="50000"/>
+            </a:schemeClr>
+          </a:lnRef>
+          <a:fillRef idx="1">
+            <a:schemeClr val="accent1"/>
+          </a:fillRef>
+          <a:effectRef idx="0">
+            <a:schemeClr val="accent1"/>
+          </a:effectRef>
+          <a:fontRef idx="minor">
+            <a:schemeClr val="lt1"/>
+          </a:fontRef>
+        </p:style>
+        <p:txBody>
+          <a:bodyPr rtlCol="0" anchor="ctr"/>
+          <a:lstStyle/>
+          <a:p>
+            <a:pPr algn="ctr"/>
+            <a:endParaRPr lang="pt-BR"/>
+          </a:p>
+        </p:txBody>
+      </p:sp>
+      <p:sp>
+        <p:nvSpPr>
+          <p:cNvPr id="159" name="CaixaDeTexto 158">
+            <a:extLst>
+              <a:ext uri="{FF2B5EF4-FFF2-40B4-BE49-F238E27FC236}">
+                <a16:creationId xmlns:a16="http://schemas.microsoft.com/office/drawing/2014/main" id="{98458936-A604-43E0-886F-593EC34E493D}"/>
+              </a:ext>
+            </a:extLst>
+          </p:cNvPr>
+          <p:cNvSpPr txBox="1"/>
+          <p:nvPr/>
+        </p:nvSpPr>
+        <p:spPr>
+          <a:xfrm>
+            <a:off x="5367838" y="1700242"/>
+            <a:ext cx="978345" cy="369332"/>
+          </a:xfrm>
+          <a:prstGeom prst="rect">
+            <a:avLst/>
+          </a:prstGeom>
+          <a:noFill/>
+        </p:spPr>
+        <p:txBody>
+          <a:bodyPr wrap="none" rtlCol="0">
+            <a:spAutoFit/>
+          </a:bodyPr>
+          <a:lstStyle/>
+          <a:p>
+            <a:r>
+              <a:rPr lang="pt-BR" dirty="0"/>
+              <a:t>2 thread</a:t>
+            </a:r>
+          </a:p>
+        </p:txBody>
+      </p:sp>
+      <p:sp>
+        <p:nvSpPr>
+          <p:cNvPr id="160" name="Retângulo 159">
+            <a:extLst>
+              <a:ext uri="{FF2B5EF4-FFF2-40B4-BE49-F238E27FC236}">
+                <a16:creationId xmlns:a16="http://schemas.microsoft.com/office/drawing/2014/main" id="{B127B804-FAD4-4729-A8A2-A94762D9C1B6}"/>
+              </a:ext>
+            </a:extLst>
+          </p:cNvPr>
+          <p:cNvSpPr/>
+          <p:nvPr/>
+        </p:nvSpPr>
+        <p:spPr>
+          <a:xfrm>
+            <a:off x="5110143" y="1808307"/>
+            <a:ext cx="191193" cy="157941"/>
+          </a:xfrm>
+          <a:prstGeom prst="rect">
+            <a:avLst/>
+          </a:prstGeom>
+          <a:solidFill>
+            <a:schemeClr val="accent2">
+              <a:lumMod val="75000"/>
+            </a:schemeClr>
+          </a:solidFill>
+          <a:ln>
+            <a:solidFill>
+              <a:schemeClr val="accent2">
+                <a:lumMod val="75000"/>
+              </a:schemeClr>
+            </a:solidFill>
+          </a:ln>
+        </p:spPr>
+        <p:style>
+          <a:lnRef idx="2">
+            <a:schemeClr val="accent1">
+              <a:shade val="50000"/>
+            </a:schemeClr>
+          </a:lnRef>
+          <a:fillRef idx="1">
+            <a:schemeClr val="accent1"/>
+          </a:fillRef>
+          <a:effectRef idx="0">
+            <a:schemeClr val="accent1"/>
+          </a:effectRef>
+          <a:fontRef idx="minor">
+            <a:schemeClr val="lt1"/>
+          </a:fontRef>
+        </p:style>
+        <p:txBody>
+          <a:bodyPr rtlCol="0" anchor="ctr"/>
+          <a:lstStyle/>
+          <a:p>
+            <a:pPr algn="ctr"/>
+            <a:endParaRPr lang="pt-BR"/>
+          </a:p>
+        </p:txBody>
+      </p:sp>
+    </p:spTree>
+    <p:extLst>
+      <p:ext uri="{BB962C8B-B14F-4D97-AF65-F5344CB8AC3E}">
+        <p14:creationId xmlns:p14="http://schemas.microsoft.com/office/powerpoint/2010/main" val="535869737"/>
       </p:ext>
     </p:extLst>
   </p:cSld>
